--- a/3조- 계획서.pptx
+++ b/3조- 계획서.pptx
@@ -8,13 +8,13 @@
     <p:sldId id="256" r:id="rId2"/>
     <p:sldId id="257" r:id="rId3"/>
     <p:sldId id="267" r:id="rId4"/>
-    <p:sldId id="258" r:id="rId5"/>
-    <p:sldId id="259" r:id="rId6"/>
-    <p:sldId id="265" r:id="rId7"/>
-    <p:sldId id="260" r:id="rId8"/>
-    <p:sldId id="261" r:id="rId9"/>
-    <p:sldId id="262" r:id="rId10"/>
-    <p:sldId id="266" r:id="rId11"/>
+    <p:sldId id="266" r:id="rId5"/>
+    <p:sldId id="258" r:id="rId6"/>
+    <p:sldId id="259" r:id="rId7"/>
+    <p:sldId id="265" r:id="rId8"/>
+    <p:sldId id="260" r:id="rId9"/>
+    <p:sldId id="261" r:id="rId10"/>
+    <p:sldId id="262" r:id="rId11"/>
     <p:sldId id="263" r:id="rId12"/>
     <p:sldId id="264" r:id="rId13"/>
   </p:sldIdLst>
@@ -4507,6 +4507,1411 @@
           <p:cNvPr id="2" name="제목 1">
             <a:extLst>
               <a:ext uri="{FF2B5EF4-FFF2-40B4-BE49-F238E27FC236}">
+                <a16:creationId xmlns:a16="http://schemas.microsoft.com/office/drawing/2014/main" id="{5573004E-1D02-4C3C-9DF7-AFE37041D6EA}"/>
+              </a:ext>
+            </a:extLst>
+          </p:cNvPr>
+          <p:cNvSpPr>
+            <a:spLocks noGrp="1"/>
+          </p:cNvSpPr>
+          <p:nvPr>
+            <p:ph type="title"/>
+          </p:nvPr>
+        </p:nvSpPr>
+        <p:spPr>
+          <a:xfrm>
+            <a:off x="490742" y="284176"/>
+            <a:ext cx="9784080" cy="1508760"/>
+          </a:xfrm>
+        </p:spPr>
+        <p:txBody>
+          <a:bodyPr/>
+          <a:lstStyle/>
+          <a:p>
+            <a:r>
+              <a:rPr lang="ko-KR" altLang="en-US" dirty="0"/>
+              <a:t>기대효과</a:t>
+            </a:r>
+          </a:p>
+        </p:txBody>
+      </p:sp>
+      <p:sp>
+        <p:nvSpPr>
+          <p:cNvPr id="4" name="TextBox 3">
+            <a:extLst>
+              <a:ext uri="{FF2B5EF4-FFF2-40B4-BE49-F238E27FC236}">
+                <a16:creationId xmlns:a16="http://schemas.microsoft.com/office/drawing/2014/main" id="{7D43268F-77D9-4E9D-B184-9A8C0360E789}"/>
+              </a:ext>
+            </a:extLst>
+          </p:cNvPr>
+          <p:cNvSpPr txBox="1"/>
+          <p:nvPr/>
+        </p:nvSpPr>
+        <p:spPr>
+          <a:xfrm>
+            <a:off x="575187" y="2330245"/>
+            <a:ext cx="9276736" cy="1938992"/>
+          </a:xfrm>
+          <a:prstGeom prst="rect">
+            <a:avLst/>
+          </a:prstGeom>
+          <a:noFill/>
+        </p:spPr>
+        <p:txBody>
+          <a:bodyPr wrap="square" rtlCol="0">
+            <a:spAutoFit/>
+          </a:bodyPr>
+          <a:lstStyle/>
+          <a:p>
+            <a:r>
+              <a:rPr lang="ko-KR" altLang="en-US" sz="2000" dirty="0" err="1"/>
+              <a:t>ㅇ</a:t>
+            </a:r>
+            <a:r>
+              <a:rPr lang="ko-KR" altLang="en-US" sz="2000" dirty="0"/>
+              <a:t> </a:t>
+            </a:r>
+            <a:r>
+              <a:rPr lang="ko-KR" altLang="en-US" sz="2000" dirty="0" err="1"/>
+              <a:t>클린하우스</a:t>
+            </a:r>
+            <a:r>
+              <a:rPr lang="en-US" altLang="ko-KR" sz="2000" dirty="0"/>
+              <a:t>, </a:t>
+            </a:r>
+            <a:r>
+              <a:rPr lang="ko-KR" altLang="en-US" sz="2000" dirty="0" err="1"/>
+              <a:t>재활용도움센터</a:t>
+            </a:r>
+            <a:r>
+              <a:rPr lang="ko-KR" altLang="en-US" sz="2000" dirty="0"/>
+              <a:t> 하나 당 효용성을 파악할 수 있음</a:t>
+            </a:r>
+            <a:endParaRPr lang="en-US" altLang="ko-KR" sz="2000" dirty="0"/>
+          </a:p>
+          <a:p>
+            <a:endParaRPr lang="en-US" altLang="ko-KR" sz="2000" dirty="0"/>
+          </a:p>
+          <a:p>
+            <a:r>
+              <a:rPr lang="ko-KR" altLang="en-US" sz="2000" dirty="0" err="1"/>
+              <a:t>ㅇ</a:t>
+            </a:r>
+            <a:r>
+              <a:rPr lang="ko-KR" altLang="en-US" sz="2000" dirty="0"/>
+              <a:t> </a:t>
+            </a:r>
+            <a:r>
+              <a:rPr lang="ko-KR" altLang="en-US" sz="2000" dirty="0" err="1"/>
+              <a:t>재활용도움센터의</a:t>
+            </a:r>
+            <a:r>
+              <a:rPr lang="ko-KR" altLang="en-US" sz="2000" dirty="0"/>
+              <a:t> 추가적인 설치가 필요한  지역을 추정 가능</a:t>
+            </a:r>
+            <a:endParaRPr lang="en-US" altLang="ko-KR" sz="2000" dirty="0"/>
+          </a:p>
+          <a:p>
+            <a:r>
+              <a:rPr lang="en-US" altLang="ko-KR" sz="2000" dirty="0"/>
+              <a:t>   - </a:t>
+            </a:r>
+            <a:r>
+              <a:rPr lang="ko-KR" altLang="en-US" sz="2000" dirty="0"/>
+              <a:t>필요 없는 지역에 설치하는 예산낭비 방지 가능</a:t>
+            </a:r>
+            <a:endParaRPr lang="en-US" altLang="ko-KR" sz="2000" dirty="0"/>
+          </a:p>
+          <a:p>
+            <a:endParaRPr lang="en-US" altLang="ko-KR" sz="2000" dirty="0"/>
+          </a:p>
+          <a:p>
+            <a:r>
+              <a:rPr lang="ko-KR" altLang="en-US" sz="2000" dirty="0" err="1"/>
+              <a:t>ㅇ</a:t>
+            </a:r>
+            <a:r>
+              <a:rPr lang="ko-KR" altLang="en-US" sz="2000" dirty="0"/>
+              <a:t> 도민들의 재활용에 대한 인식을 바꿀 수 있음</a:t>
+            </a:r>
+            <a:endParaRPr lang="en-US" altLang="ko-KR" sz="2000" dirty="0"/>
+          </a:p>
+        </p:txBody>
+      </p:sp>
+    </p:spTree>
+    <p:extLst>
+      <p:ext uri="{BB962C8B-B14F-4D97-AF65-F5344CB8AC3E}">
+        <p14:creationId xmlns:p14="http://schemas.microsoft.com/office/powerpoint/2010/main" val="3884077143"/>
+      </p:ext>
+    </p:extLst>
+  </p:cSld>
+  <p:clrMapOvr>
+    <a:masterClrMapping/>
+  </p:clrMapOvr>
+</p:sld>
+</file>
+
+<file path=ppt/slides/slide11.xml><?xml version="1.0" encoding="utf-8"?>
+<p:sld xmlns:a="http://schemas.openxmlformats.org/drawingml/2006/main" xmlns:r="http://schemas.openxmlformats.org/officeDocument/2006/relationships" xmlns:p="http://schemas.openxmlformats.org/presentationml/2006/main">
+  <p:cSld>
+    <p:spTree>
+      <p:nvGrpSpPr>
+        <p:cNvPr id="1" name=""/>
+        <p:cNvGrpSpPr/>
+        <p:nvPr/>
+      </p:nvGrpSpPr>
+      <p:grpSpPr>
+        <a:xfrm>
+          <a:off x="0" y="0"/>
+          <a:ext cx="0" cy="0"/>
+          <a:chOff x="0" y="0"/>
+          <a:chExt cx="0" cy="0"/>
+        </a:xfrm>
+      </p:grpSpPr>
+      <p:sp>
+        <p:nvSpPr>
+          <p:cNvPr id="2" name="제목 1">
+            <a:extLst>
+              <a:ext uri="{FF2B5EF4-FFF2-40B4-BE49-F238E27FC236}">
+                <a16:creationId xmlns:a16="http://schemas.microsoft.com/office/drawing/2014/main" id="{0028B4BC-4750-45A9-8130-0A702B166F6D}"/>
+              </a:ext>
+            </a:extLst>
+          </p:cNvPr>
+          <p:cNvSpPr>
+            <a:spLocks noGrp="1"/>
+          </p:cNvSpPr>
+          <p:nvPr>
+            <p:ph type="ctrTitle"/>
+          </p:nvPr>
+        </p:nvSpPr>
+        <p:spPr/>
+        <p:txBody>
+          <a:bodyPr>
+            <a:normAutofit/>
+          </a:bodyPr>
+          <a:lstStyle/>
+          <a:p>
+            <a:r>
+              <a:rPr lang="en-US" altLang="ko-KR" sz="8000" dirty="0"/>
+              <a:t>Q&amp;A</a:t>
+            </a:r>
+            <a:endParaRPr lang="ko-KR" altLang="en-US" sz="8000" dirty="0"/>
+          </a:p>
+        </p:txBody>
+      </p:sp>
+    </p:spTree>
+    <p:extLst>
+      <p:ext uri="{BB962C8B-B14F-4D97-AF65-F5344CB8AC3E}">
+        <p14:creationId xmlns:p14="http://schemas.microsoft.com/office/powerpoint/2010/main" val="317497467"/>
+      </p:ext>
+    </p:extLst>
+  </p:cSld>
+  <p:clrMapOvr>
+    <a:masterClrMapping/>
+  </p:clrMapOvr>
+</p:sld>
+</file>
+
+<file path=ppt/slides/slide12.xml><?xml version="1.0" encoding="utf-8"?>
+<p:sld xmlns:a="http://schemas.openxmlformats.org/drawingml/2006/main" xmlns:r="http://schemas.openxmlformats.org/officeDocument/2006/relationships" xmlns:p="http://schemas.openxmlformats.org/presentationml/2006/main">
+  <p:cSld>
+    <p:spTree>
+      <p:nvGrpSpPr>
+        <p:cNvPr id="1" name=""/>
+        <p:cNvGrpSpPr/>
+        <p:nvPr/>
+      </p:nvGrpSpPr>
+      <p:grpSpPr>
+        <a:xfrm>
+          <a:off x="0" y="0"/>
+          <a:ext cx="0" cy="0"/>
+          <a:chOff x="0" y="0"/>
+          <a:chExt cx="0" cy="0"/>
+        </a:xfrm>
+      </p:grpSpPr>
+      <p:sp>
+        <p:nvSpPr>
+          <p:cNvPr id="2" name="제목 1">
+            <a:extLst>
+              <a:ext uri="{FF2B5EF4-FFF2-40B4-BE49-F238E27FC236}">
+                <a16:creationId xmlns:a16="http://schemas.microsoft.com/office/drawing/2014/main" id="{0028B4BC-4750-45A9-8130-0A702B166F6D}"/>
+              </a:ext>
+            </a:extLst>
+          </p:cNvPr>
+          <p:cNvSpPr>
+            <a:spLocks noGrp="1"/>
+          </p:cNvSpPr>
+          <p:nvPr>
+            <p:ph type="ctrTitle"/>
+          </p:nvPr>
+        </p:nvSpPr>
+        <p:spPr/>
+        <p:txBody>
+          <a:bodyPr/>
+          <a:lstStyle/>
+          <a:p>
+            <a:r>
+              <a:rPr lang="en-US" altLang="ko-KR" dirty="0"/>
+              <a:t>Thank you</a:t>
+            </a:r>
+            <a:endParaRPr lang="ko-KR" altLang="en-US" dirty="0"/>
+          </a:p>
+        </p:txBody>
+      </p:sp>
+      <p:sp>
+        <p:nvSpPr>
+          <p:cNvPr id="3" name="부제목 2">
+            <a:extLst>
+              <a:ext uri="{FF2B5EF4-FFF2-40B4-BE49-F238E27FC236}">
+                <a16:creationId xmlns:a16="http://schemas.microsoft.com/office/drawing/2014/main" id="{7F2A52C8-3283-49F4-BA8D-058C51721850}"/>
+              </a:ext>
+            </a:extLst>
+          </p:cNvPr>
+          <p:cNvSpPr>
+            <a:spLocks noGrp="1"/>
+          </p:cNvSpPr>
+          <p:nvPr>
+            <p:ph type="subTitle" idx="1"/>
+          </p:nvPr>
+        </p:nvSpPr>
+        <p:spPr/>
+        <p:txBody>
+          <a:bodyPr/>
+          <a:lstStyle/>
+          <a:p>
+            <a:r>
+              <a:rPr lang="en-US" altLang="ko-KR" dirty="0"/>
+              <a:t>3</a:t>
+            </a:r>
+            <a:r>
+              <a:rPr lang="ko-KR" altLang="en-US" dirty="0"/>
+              <a:t>조였습니다</a:t>
+            </a:r>
+            <a:r>
+              <a:rPr lang="en-US" altLang="ko-KR" dirty="0"/>
+              <a:t>.</a:t>
+            </a:r>
+            <a:endParaRPr lang="ko-KR" altLang="en-US" dirty="0"/>
+          </a:p>
+        </p:txBody>
+      </p:sp>
+    </p:spTree>
+    <p:extLst>
+      <p:ext uri="{BB962C8B-B14F-4D97-AF65-F5344CB8AC3E}">
+        <p14:creationId xmlns:p14="http://schemas.microsoft.com/office/powerpoint/2010/main" val="317497467"/>
+      </p:ext>
+    </p:extLst>
+  </p:cSld>
+  <p:clrMapOvr>
+    <a:masterClrMapping/>
+  </p:clrMapOvr>
+</p:sld>
+</file>
+
+<file path=ppt/slides/slide2.xml><?xml version="1.0" encoding="utf-8"?>
+<p:sld xmlns:a="http://schemas.openxmlformats.org/drawingml/2006/main" xmlns:r="http://schemas.openxmlformats.org/officeDocument/2006/relationships" xmlns:p="http://schemas.openxmlformats.org/presentationml/2006/main">
+  <p:cSld>
+    <p:spTree>
+      <p:nvGrpSpPr>
+        <p:cNvPr id="1" name=""/>
+        <p:cNvGrpSpPr/>
+        <p:nvPr/>
+      </p:nvGrpSpPr>
+      <p:grpSpPr>
+        <a:xfrm>
+          <a:off x="0" y="0"/>
+          <a:ext cx="0" cy="0"/>
+          <a:chOff x="0" y="0"/>
+          <a:chExt cx="0" cy="0"/>
+        </a:xfrm>
+      </p:grpSpPr>
+      <p:sp>
+        <p:nvSpPr>
+          <p:cNvPr id="2" name="제목 1">
+            <a:extLst>
+              <a:ext uri="{FF2B5EF4-FFF2-40B4-BE49-F238E27FC236}">
+                <a16:creationId xmlns:a16="http://schemas.microsoft.com/office/drawing/2014/main" id="{F89C2EA4-9B14-4B06-AF97-D1794B1F0C5A}"/>
+              </a:ext>
+            </a:extLst>
+          </p:cNvPr>
+          <p:cNvSpPr>
+            <a:spLocks noGrp="1"/>
+          </p:cNvSpPr>
+          <p:nvPr>
+            <p:ph type="title"/>
+          </p:nvPr>
+        </p:nvSpPr>
+        <p:spPr>
+          <a:xfrm>
+            <a:off x="561081" y="292969"/>
+            <a:ext cx="9784080" cy="1508760"/>
+          </a:xfrm>
+        </p:spPr>
+        <p:txBody>
+          <a:bodyPr>
+            <a:normAutofit/>
+          </a:bodyPr>
+          <a:lstStyle/>
+          <a:p>
+            <a:r>
+              <a:rPr lang="ko-KR" altLang="en-US" sz="6000" dirty="0"/>
+              <a:t>목차</a:t>
+            </a:r>
+          </a:p>
+        </p:txBody>
+      </p:sp>
+      <p:sp>
+        <p:nvSpPr>
+          <p:cNvPr id="3" name="내용 개체 틀 2">
+            <a:extLst>
+              <a:ext uri="{FF2B5EF4-FFF2-40B4-BE49-F238E27FC236}">
+                <a16:creationId xmlns:a16="http://schemas.microsoft.com/office/drawing/2014/main" id="{A508FD91-8F2F-4DBD-9035-D09EF0C138FA}"/>
+              </a:ext>
+            </a:extLst>
+          </p:cNvPr>
+          <p:cNvSpPr>
+            <a:spLocks noGrp="1"/>
+          </p:cNvSpPr>
+          <p:nvPr>
+            <p:ph idx="1"/>
+          </p:nvPr>
+        </p:nvSpPr>
+        <p:spPr>
+          <a:xfrm>
+            <a:off x="517120" y="2169941"/>
+            <a:ext cx="9784080" cy="4206240"/>
+          </a:xfrm>
+        </p:spPr>
+        <p:txBody>
+          <a:bodyPr/>
+          <a:lstStyle/>
+          <a:p>
+            <a:r>
+              <a:rPr lang="ko-KR" altLang="en-US" sz="2800" dirty="0"/>
+              <a:t>추진 일정</a:t>
+            </a:r>
+            <a:endParaRPr lang="en-US" altLang="ko-KR" sz="2800" dirty="0"/>
+          </a:p>
+          <a:p>
+            <a:r>
+              <a:rPr lang="ko-KR" altLang="en-US" sz="2800" dirty="0"/>
+              <a:t>주제 선정 배경 </a:t>
+            </a:r>
+            <a:endParaRPr lang="en-US" altLang="ko-KR" sz="2800" dirty="0"/>
+          </a:p>
+          <a:p>
+            <a:r>
+              <a:rPr lang="ko-KR" altLang="en-US" sz="2800" dirty="0"/>
+              <a:t>활용 데이터 </a:t>
+            </a:r>
+            <a:endParaRPr lang="en-US" altLang="ko-KR" sz="2800" dirty="0"/>
+          </a:p>
+          <a:p>
+            <a:r>
+              <a:rPr lang="ko-KR" altLang="en-US" sz="2800" dirty="0"/>
+              <a:t>데이터 </a:t>
+            </a:r>
+            <a:r>
+              <a:rPr lang="ko-KR" altLang="en-US" sz="2800" dirty="0" err="1"/>
+              <a:t>전처리</a:t>
+            </a:r>
+            <a:r>
+              <a:rPr lang="ko-KR" altLang="en-US" sz="2800" dirty="0"/>
+              <a:t> 방향 </a:t>
+            </a:r>
+            <a:endParaRPr lang="en-US" altLang="ko-KR" sz="2800" dirty="0"/>
+          </a:p>
+          <a:p>
+            <a:r>
+              <a:rPr lang="ko-KR" altLang="en-US" sz="2800" dirty="0"/>
+              <a:t>기대효과 </a:t>
+            </a:r>
+          </a:p>
+          <a:p>
+            <a:pPr marL="0" indent="0">
+              <a:buNone/>
+            </a:pPr>
+            <a:endParaRPr lang="en-US" altLang="ko-KR" dirty="0"/>
+          </a:p>
+        </p:txBody>
+      </p:sp>
+    </p:spTree>
+    <p:extLst>
+      <p:ext uri="{BB962C8B-B14F-4D97-AF65-F5344CB8AC3E}">
+        <p14:creationId xmlns:p14="http://schemas.microsoft.com/office/powerpoint/2010/main" val="3557914880"/>
+      </p:ext>
+    </p:extLst>
+  </p:cSld>
+  <p:clrMapOvr>
+    <a:masterClrMapping/>
+  </p:clrMapOvr>
+</p:sld>
+</file>
+
+<file path=ppt/slides/slide3.xml><?xml version="1.0" encoding="utf-8"?>
+<p:sld xmlns:a="http://schemas.openxmlformats.org/drawingml/2006/main" xmlns:r="http://schemas.openxmlformats.org/officeDocument/2006/relationships" xmlns:p="http://schemas.openxmlformats.org/presentationml/2006/main">
+  <p:cSld>
+    <p:spTree>
+      <p:nvGrpSpPr>
+        <p:cNvPr id="1" name=""/>
+        <p:cNvGrpSpPr/>
+        <p:nvPr/>
+      </p:nvGrpSpPr>
+      <p:grpSpPr>
+        <a:xfrm>
+          <a:off x="0" y="0"/>
+          <a:ext cx="0" cy="0"/>
+          <a:chOff x="0" y="0"/>
+          <a:chExt cx="0" cy="0"/>
+        </a:xfrm>
+      </p:grpSpPr>
+      <p:sp>
+        <p:nvSpPr>
+          <p:cNvPr id="2" name="제목 1">
+            <a:extLst>
+              <a:ext uri="{FF2B5EF4-FFF2-40B4-BE49-F238E27FC236}">
+                <a16:creationId xmlns:a16="http://schemas.microsoft.com/office/drawing/2014/main" id="{D4C882E9-E7C3-45F9-BA41-1D226D2570C9}"/>
+              </a:ext>
+            </a:extLst>
+          </p:cNvPr>
+          <p:cNvSpPr>
+            <a:spLocks noGrp="1"/>
+          </p:cNvSpPr>
+          <p:nvPr>
+            <p:ph type="title"/>
+          </p:nvPr>
+        </p:nvSpPr>
+        <p:spPr/>
+        <p:txBody>
+          <a:bodyPr/>
+          <a:lstStyle/>
+          <a:p>
+            <a:r>
+              <a:rPr lang="ko-KR" altLang="en-US" dirty="0"/>
+              <a:t>조원 소개</a:t>
+            </a:r>
+          </a:p>
+        </p:txBody>
+      </p:sp>
+      <p:sp>
+        <p:nvSpPr>
+          <p:cNvPr id="6" name="타원 5">
+            <a:extLst>
+              <a:ext uri="{FF2B5EF4-FFF2-40B4-BE49-F238E27FC236}">
+                <a16:creationId xmlns:a16="http://schemas.microsoft.com/office/drawing/2014/main" id="{41AD5764-4C17-422F-A647-CA4F1574F383}"/>
+              </a:ext>
+            </a:extLst>
+          </p:cNvPr>
+          <p:cNvSpPr/>
+          <p:nvPr/>
+        </p:nvSpPr>
+        <p:spPr>
+          <a:xfrm>
+            <a:off x="741872" y="4659621"/>
+            <a:ext cx="1656271" cy="1656271"/>
+          </a:xfrm>
+          <a:prstGeom prst="ellipse">
+            <a:avLst/>
+          </a:prstGeom>
+          <a:blipFill dpi="0" rotWithShape="1">
+            <a:blip r:embed="rId2">
+              <a:extLst>
+                <a:ext uri="{28A0092B-C50C-407E-A947-70E740481C1C}">
+                  <a14:useLocalDpi xmlns:a14="http://schemas.microsoft.com/office/drawing/2010/main" val="0"/>
+                </a:ext>
+              </a:extLst>
+            </a:blip>
+            <a:srcRect/>
+            <a:stretch>
+              <a:fillRect/>
+            </a:stretch>
+          </a:blipFill>
+          <a:ln>
+            <a:noFill/>
+          </a:ln>
+        </p:spPr>
+        <p:style>
+          <a:lnRef idx="2">
+            <a:schemeClr val="accent1">
+              <a:shade val="50000"/>
+            </a:schemeClr>
+          </a:lnRef>
+          <a:fillRef idx="1">
+            <a:schemeClr val="accent1"/>
+          </a:fillRef>
+          <a:effectRef idx="0">
+            <a:schemeClr val="accent1"/>
+          </a:effectRef>
+          <a:fontRef idx="minor">
+            <a:schemeClr val="lt1"/>
+          </a:fontRef>
+        </p:style>
+        <p:txBody>
+          <a:bodyPr rtlCol="0" anchor="ctr"/>
+          <a:lstStyle/>
+          <a:p>
+            <a:pPr algn="ctr"/>
+            <a:endParaRPr lang="ko-KR" altLang="en-US"/>
+          </a:p>
+        </p:txBody>
+      </p:sp>
+      <p:sp>
+        <p:nvSpPr>
+          <p:cNvPr id="7" name="타원 6">
+            <a:extLst>
+              <a:ext uri="{FF2B5EF4-FFF2-40B4-BE49-F238E27FC236}">
+                <a16:creationId xmlns:a16="http://schemas.microsoft.com/office/drawing/2014/main" id="{BEA37F84-FC27-4275-98CC-73573FA20AED}"/>
+              </a:ext>
+            </a:extLst>
+          </p:cNvPr>
+          <p:cNvSpPr/>
+          <p:nvPr/>
+        </p:nvSpPr>
+        <p:spPr>
+          <a:xfrm>
+            <a:off x="6096000" y="4659621"/>
+            <a:ext cx="1656271" cy="1656271"/>
+          </a:xfrm>
+          <a:prstGeom prst="ellipse">
+            <a:avLst/>
+          </a:prstGeom>
+          <a:blipFill dpi="0" rotWithShape="1">
+            <a:blip r:embed="rId2">
+              <a:extLst>
+                <a:ext uri="{28A0092B-C50C-407E-A947-70E740481C1C}">
+                  <a14:useLocalDpi xmlns:a14="http://schemas.microsoft.com/office/drawing/2010/main" val="0"/>
+                </a:ext>
+              </a:extLst>
+            </a:blip>
+            <a:srcRect/>
+            <a:stretch>
+              <a:fillRect/>
+            </a:stretch>
+          </a:blipFill>
+          <a:ln>
+            <a:noFill/>
+          </a:ln>
+        </p:spPr>
+        <p:style>
+          <a:lnRef idx="2">
+            <a:schemeClr val="accent1">
+              <a:shade val="50000"/>
+            </a:schemeClr>
+          </a:lnRef>
+          <a:fillRef idx="1">
+            <a:schemeClr val="accent1"/>
+          </a:fillRef>
+          <a:effectRef idx="0">
+            <a:schemeClr val="accent1"/>
+          </a:effectRef>
+          <a:fontRef idx="minor">
+            <a:schemeClr val="lt1"/>
+          </a:fontRef>
+        </p:style>
+        <p:txBody>
+          <a:bodyPr rtlCol="0" anchor="ctr"/>
+          <a:lstStyle/>
+          <a:p>
+            <a:pPr algn="ctr"/>
+            <a:endParaRPr lang="ko-KR" altLang="en-US"/>
+          </a:p>
+        </p:txBody>
+      </p:sp>
+      <p:cxnSp>
+        <p:nvCxnSpPr>
+          <p:cNvPr id="10" name="직선 연결선 9">
+            <a:extLst>
+              <a:ext uri="{FF2B5EF4-FFF2-40B4-BE49-F238E27FC236}">
+                <a16:creationId xmlns:a16="http://schemas.microsoft.com/office/drawing/2014/main" id="{A332F769-2B61-4592-AA7C-588B10780ED3}"/>
+              </a:ext>
+            </a:extLst>
+          </p:cNvPr>
+          <p:cNvCxnSpPr/>
+          <p:nvPr/>
+        </p:nvCxnSpPr>
+        <p:spPr>
+          <a:xfrm>
+            <a:off x="2560320" y="4054414"/>
+            <a:ext cx="3042458" cy="0"/>
+          </a:xfrm>
+          <a:prstGeom prst="line">
+            <a:avLst/>
+          </a:prstGeom>
+          <a:ln w="53975">
+            <a:solidFill>
+              <a:schemeClr val="tx1"/>
+            </a:solidFill>
+            <a:prstDash val="sysDash"/>
+          </a:ln>
+        </p:spPr>
+        <p:style>
+          <a:lnRef idx="1">
+            <a:schemeClr val="accent1"/>
+          </a:lnRef>
+          <a:fillRef idx="0">
+            <a:schemeClr val="accent1"/>
+          </a:fillRef>
+          <a:effectRef idx="0">
+            <a:schemeClr val="accent1"/>
+          </a:effectRef>
+          <a:fontRef idx="minor">
+            <a:schemeClr val="tx1"/>
+          </a:fontRef>
+        </p:style>
+      </p:cxnSp>
+      <p:cxnSp>
+        <p:nvCxnSpPr>
+          <p:cNvPr id="11" name="직선 연결선 10">
+            <a:extLst>
+              <a:ext uri="{FF2B5EF4-FFF2-40B4-BE49-F238E27FC236}">
+                <a16:creationId xmlns:a16="http://schemas.microsoft.com/office/drawing/2014/main" id="{6926DDA5-6CE7-4EA1-9B69-315B33B96E51}"/>
+              </a:ext>
+            </a:extLst>
+          </p:cNvPr>
+          <p:cNvCxnSpPr/>
+          <p:nvPr/>
+        </p:nvCxnSpPr>
+        <p:spPr>
+          <a:xfrm>
+            <a:off x="2560320" y="2446165"/>
+            <a:ext cx="3042458" cy="0"/>
+          </a:xfrm>
+          <a:prstGeom prst="line">
+            <a:avLst/>
+          </a:prstGeom>
+          <a:ln w="53975">
+            <a:solidFill>
+              <a:schemeClr val="tx1"/>
+            </a:solidFill>
+            <a:prstDash val="sysDash"/>
+          </a:ln>
+        </p:spPr>
+        <p:style>
+          <a:lnRef idx="1">
+            <a:schemeClr val="accent1"/>
+          </a:lnRef>
+          <a:fillRef idx="0">
+            <a:schemeClr val="accent1"/>
+          </a:fillRef>
+          <a:effectRef idx="0">
+            <a:schemeClr val="accent1"/>
+          </a:effectRef>
+          <a:fontRef idx="minor">
+            <a:schemeClr val="tx1"/>
+          </a:fontRef>
+        </p:style>
+      </p:cxnSp>
+      <p:sp>
+        <p:nvSpPr>
+          <p:cNvPr id="12" name="TextBox 11">
+            <a:extLst>
+              <a:ext uri="{FF2B5EF4-FFF2-40B4-BE49-F238E27FC236}">
+                <a16:creationId xmlns:a16="http://schemas.microsoft.com/office/drawing/2014/main" id="{7FBB0091-643C-40A5-951D-03842AA32A4C}"/>
+              </a:ext>
+            </a:extLst>
+          </p:cNvPr>
+          <p:cNvSpPr txBox="1"/>
+          <p:nvPr/>
+        </p:nvSpPr>
+        <p:spPr>
+          <a:xfrm>
+            <a:off x="2560320" y="2545236"/>
+            <a:ext cx="3042458" cy="1295868"/>
+          </a:xfrm>
+          <a:prstGeom prst="rect">
+            <a:avLst/>
+          </a:prstGeom>
+          <a:noFill/>
+        </p:spPr>
+        <p:txBody>
+          <a:bodyPr wrap="square" rtlCol="0">
+            <a:spAutoFit/>
+          </a:bodyPr>
+          <a:lstStyle/>
+          <a:p>
+            <a:pPr>
+              <a:lnSpc>
+                <a:spcPct val="150000"/>
+              </a:lnSpc>
+            </a:pPr>
+            <a:r>
+              <a:rPr lang="ko-KR" altLang="en-US" dirty="0"/>
+              <a:t>조장 이 소 정</a:t>
+            </a:r>
+            <a:endParaRPr lang="en-US" altLang="ko-KR" dirty="0"/>
+          </a:p>
+          <a:p>
+            <a:pPr>
+              <a:lnSpc>
+                <a:spcPct val="150000"/>
+              </a:lnSpc>
+            </a:pPr>
+            <a:r>
+              <a:rPr lang="ko-KR" altLang="en-US" dirty="0"/>
+              <a:t>지역 데이터 수집</a:t>
+            </a:r>
+            <a:endParaRPr lang="en-US" altLang="ko-KR" dirty="0"/>
+          </a:p>
+          <a:p>
+            <a:pPr>
+              <a:lnSpc>
+                <a:spcPct val="150000"/>
+              </a:lnSpc>
+            </a:pPr>
+            <a:r>
+              <a:rPr lang="ko-KR" altLang="en-US" dirty="0"/>
+              <a:t>지역 데이터 분석</a:t>
+            </a:r>
+            <a:endParaRPr lang="en-US" altLang="ko-KR" dirty="0"/>
+          </a:p>
+        </p:txBody>
+      </p:sp>
+      <p:cxnSp>
+        <p:nvCxnSpPr>
+          <p:cNvPr id="13" name="직선 연결선 12">
+            <a:extLst>
+              <a:ext uri="{FF2B5EF4-FFF2-40B4-BE49-F238E27FC236}">
+                <a16:creationId xmlns:a16="http://schemas.microsoft.com/office/drawing/2014/main" id="{7B19834B-22EC-42F3-8BE1-5043FDBEF070}"/>
+              </a:ext>
+            </a:extLst>
+          </p:cNvPr>
+          <p:cNvCxnSpPr/>
+          <p:nvPr/>
+        </p:nvCxnSpPr>
+        <p:spPr>
+          <a:xfrm>
+            <a:off x="7944541" y="4054414"/>
+            <a:ext cx="3042458" cy="0"/>
+          </a:xfrm>
+          <a:prstGeom prst="line">
+            <a:avLst/>
+          </a:prstGeom>
+          <a:ln w="53975">
+            <a:solidFill>
+              <a:schemeClr val="tx1"/>
+            </a:solidFill>
+            <a:prstDash val="sysDash"/>
+          </a:ln>
+        </p:spPr>
+        <p:style>
+          <a:lnRef idx="1">
+            <a:schemeClr val="accent1"/>
+          </a:lnRef>
+          <a:fillRef idx="0">
+            <a:schemeClr val="accent1"/>
+          </a:fillRef>
+          <a:effectRef idx="0">
+            <a:schemeClr val="accent1"/>
+          </a:effectRef>
+          <a:fontRef idx="minor">
+            <a:schemeClr val="tx1"/>
+          </a:fontRef>
+        </p:style>
+      </p:cxnSp>
+      <p:cxnSp>
+        <p:nvCxnSpPr>
+          <p:cNvPr id="14" name="직선 연결선 13">
+            <a:extLst>
+              <a:ext uri="{FF2B5EF4-FFF2-40B4-BE49-F238E27FC236}">
+                <a16:creationId xmlns:a16="http://schemas.microsoft.com/office/drawing/2014/main" id="{C3801B3B-8C28-4360-A775-DF953F0594CB}"/>
+              </a:ext>
+            </a:extLst>
+          </p:cNvPr>
+          <p:cNvCxnSpPr/>
+          <p:nvPr/>
+        </p:nvCxnSpPr>
+        <p:spPr>
+          <a:xfrm>
+            <a:off x="7944541" y="2446165"/>
+            <a:ext cx="3042458" cy="0"/>
+          </a:xfrm>
+          <a:prstGeom prst="line">
+            <a:avLst/>
+          </a:prstGeom>
+          <a:ln w="53975">
+            <a:solidFill>
+              <a:schemeClr val="tx1"/>
+            </a:solidFill>
+            <a:prstDash val="sysDash"/>
+          </a:ln>
+        </p:spPr>
+        <p:style>
+          <a:lnRef idx="1">
+            <a:schemeClr val="accent1"/>
+          </a:lnRef>
+          <a:fillRef idx="0">
+            <a:schemeClr val="accent1"/>
+          </a:fillRef>
+          <a:effectRef idx="0">
+            <a:schemeClr val="accent1"/>
+          </a:effectRef>
+          <a:fontRef idx="minor">
+            <a:schemeClr val="tx1"/>
+          </a:fontRef>
+        </p:style>
+      </p:cxnSp>
+      <p:sp>
+        <p:nvSpPr>
+          <p:cNvPr id="15" name="TextBox 14">
+            <a:extLst>
+              <a:ext uri="{FF2B5EF4-FFF2-40B4-BE49-F238E27FC236}">
+                <a16:creationId xmlns:a16="http://schemas.microsoft.com/office/drawing/2014/main" id="{DF531BD6-939E-4061-A52C-1FF80CF75560}"/>
+              </a:ext>
+            </a:extLst>
+          </p:cNvPr>
+          <p:cNvSpPr txBox="1"/>
+          <p:nvPr/>
+        </p:nvSpPr>
+        <p:spPr>
+          <a:xfrm>
+            <a:off x="7944541" y="2545236"/>
+            <a:ext cx="3042458" cy="1295868"/>
+          </a:xfrm>
+          <a:prstGeom prst="rect">
+            <a:avLst/>
+          </a:prstGeom>
+          <a:noFill/>
+        </p:spPr>
+        <p:txBody>
+          <a:bodyPr wrap="square" rtlCol="0">
+            <a:spAutoFit/>
+          </a:bodyPr>
+          <a:lstStyle/>
+          <a:p>
+            <a:pPr>
+              <a:lnSpc>
+                <a:spcPct val="150000"/>
+              </a:lnSpc>
+            </a:pPr>
+            <a:r>
+              <a:rPr lang="en-US" altLang="ko-KR" dirty="0"/>
+              <a:t>PM </a:t>
+            </a:r>
+            <a:r>
+              <a:rPr lang="ko-KR" altLang="en-US" dirty="0"/>
+              <a:t>박 민 혁 </a:t>
+            </a:r>
+            <a:endParaRPr lang="en-US" altLang="ko-KR" dirty="0"/>
+          </a:p>
+          <a:p>
+            <a:pPr>
+              <a:lnSpc>
+                <a:spcPct val="150000"/>
+              </a:lnSpc>
+            </a:pPr>
+            <a:r>
+              <a:rPr lang="ko-KR" altLang="en-US" dirty="0"/>
+              <a:t>적정 모델 탐색</a:t>
+            </a:r>
+            <a:endParaRPr lang="en-US" altLang="ko-KR" dirty="0"/>
+          </a:p>
+          <a:p>
+            <a:pPr>
+              <a:lnSpc>
+                <a:spcPct val="150000"/>
+              </a:lnSpc>
+            </a:pPr>
+            <a:r>
+              <a:rPr lang="ko-KR" altLang="en-US" dirty="0"/>
+              <a:t>전반적 진행 상황 확인</a:t>
+            </a:r>
+            <a:endParaRPr lang="en-US" altLang="ko-KR" dirty="0"/>
+          </a:p>
+        </p:txBody>
+      </p:sp>
+      <p:cxnSp>
+        <p:nvCxnSpPr>
+          <p:cNvPr id="16" name="직선 연결선 15">
+            <a:extLst>
+              <a:ext uri="{FF2B5EF4-FFF2-40B4-BE49-F238E27FC236}">
+                <a16:creationId xmlns:a16="http://schemas.microsoft.com/office/drawing/2014/main" id="{55C730CC-BF78-4705-A63B-9478F0BA184F}"/>
+              </a:ext>
+            </a:extLst>
+          </p:cNvPr>
+          <p:cNvCxnSpPr/>
+          <p:nvPr/>
+        </p:nvCxnSpPr>
+        <p:spPr>
+          <a:xfrm>
+            <a:off x="2560320" y="6488417"/>
+            <a:ext cx="3042458" cy="0"/>
+          </a:xfrm>
+          <a:prstGeom prst="line">
+            <a:avLst/>
+          </a:prstGeom>
+          <a:ln w="53975">
+            <a:solidFill>
+              <a:schemeClr val="tx1"/>
+            </a:solidFill>
+            <a:prstDash val="sysDash"/>
+          </a:ln>
+        </p:spPr>
+        <p:style>
+          <a:lnRef idx="1">
+            <a:schemeClr val="accent1"/>
+          </a:lnRef>
+          <a:fillRef idx="0">
+            <a:schemeClr val="accent1"/>
+          </a:fillRef>
+          <a:effectRef idx="0">
+            <a:schemeClr val="accent1"/>
+          </a:effectRef>
+          <a:fontRef idx="minor">
+            <a:schemeClr val="tx1"/>
+          </a:fontRef>
+        </p:style>
+      </p:cxnSp>
+      <p:cxnSp>
+        <p:nvCxnSpPr>
+          <p:cNvPr id="17" name="직선 연결선 16">
+            <a:extLst>
+              <a:ext uri="{FF2B5EF4-FFF2-40B4-BE49-F238E27FC236}">
+                <a16:creationId xmlns:a16="http://schemas.microsoft.com/office/drawing/2014/main" id="{37AA000C-3043-4B56-8D8A-31A4CCA30E18}"/>
+              </a:ext>
+            </a:extLst>
+          </p:cNvPr>
+          <p:cNvCxnSpPr/>
+          <p:nvPr/>
+        </p:nvCxnSpPr>
+        <p:spPr>
+          <a:xfrm>
+            <a:off x="2560320" y="4630009"/>
+            <a:ext cx="3042458" cy="0"/>
+          </a:xfrm>
+          <a:prstGeom prst="line">
+            <a:avLst/>
+          </a:prstGeom>
+          <a:ln w="53975">
+            <a:solidFill>
+              <a:schemeClr val="tx1"/>
+            </a:solidFill>
+            <a:prstDash val="sysDash"/>
+          </a:ln>
+        </p:spPr>
+        <p:style>
+          <a:lnRef idx="1">
+            <a:schemeClr val="accent1"/>
+          </a:lnRef>
+          <a:fillRef idx="0">
+            <a:schemeClr val="accent1"/>
+          </a:fillRef>
+          <a:effectRef idx="0">
+            <a:schemeClr val="accent1"/>
+          </a:effectRef>
+          <a:fontRef idx="minor">
+            <a:schemeClr val="tx1"/>
+          </a:fontRef>
+        </p:style>
+      </p:cxnSp>
+      <p:sp>
+        <p:nvSpPr>
+          <p:cNvPr id="18" name="TextBox 17">
+            <a:extLst>
+              <a:ext uri="{FF2B5EF4-FFF2-40B4-BE49-F238E27FC236}">
+                <a16:creationId xmlns:a16="http://schemas.microsoft.com/office/drawing/2014/main" id="{F81374DA-6723-4317-8897-2A0F32CD595B}"/>
+              </a:ext>
+            </a:extLst>
+          </p:cNvPr>
+          <p:cNvSpPr txBox="1"/>
+          <p:nvPr/>
+        </p:nvSpPr>
+        <p:spPr>
+          <a:xfrm>
+            <a:off x="2560320" y="4729080"/>
+            <a:ext cx="3180604" cy="1709122"/>
+          </a:xfrm>
+          <a:prstGeom prst="rect">
+            <a:avLst/>
+          </a:prstGeom>
+          <a:noFill/>
+        </p:spPr>
+        <p:txBody>
+          <a:bodyPr wrap="square" rtlCol="0">
+            <a:spAutoFit/>
+          </a:bodyPr>
+          <a:lstStyle/>
+          <a:p>
+            <a:pPr>
+              <a:lnSpc>
+                <a:spcPct val="150000"/>
+              </a:lnSpc>
+            </a:pPr>
+            <a:r>
+              <a:rPr lang="ko-KR" altLang="en-US" dirty="0"/>
+              <a:t>김 대 현</a:t>
+            </a:r>
+            <a:endParaRPr lang="en-US" altLang="ko-KR" dirty="0"/>
+          </a:p>
+          <a:p>
+            <a:pPr>
+              <a:lnSpc>
+                <a:spcPct val="150000"/>
+              </a:lnSpc>
+            </a:pPr>
+            <a:r>
+              <a:rPr lang="ko-KR" altLang="en-US" dirty="0"/>
+              <a:t>쓰레기 처리 관련 데이터 수집</a:t>
+            </a:r>
+            <a:endParaRPr lang="en-US" altLang="ko-KR" dirty="0"/>
+          </a:p>
+          <a:p>
+            <a:pPr>
+              <a:lnSpc>
+                <a:spcPct val="150000"/>
+              </a:lnSpc>
+            </a:pPr>
+            <a:r>
+              <a:rPr lang="ko-KR" altLang="en-US" dirty="0"/>
+              <a:t>쓰레기 처리 관련 데이터 분석</a:t>
+            </a:r>
+            <a:endParaRPr lang="en-US" altLang="ko-KR" dirty="0"/>
+          </a:p>
+          <a:p>
+            <a:pPr>
+              <a:lnSpc>
+                <a:spcPct val="150000"/>
+              </a:lnSpc>
+            </a:pPr>
+            <a:r>
+              <a:rPr lang="ko-KR" altLang="en-US" dirty="0"/>
+              <a:t>발표 </a:t>
+            </a:r>
+            <a:r>
+              <a:rPr lang="en-US" altLang="ko-KR" dirty="0"/>
+              <a:t>PPT</a:t>
+            </a:r>
+            <a:r>
+              <a:rPr lang="ko-KR" altLang="en-US" dirty="0"/>
+              <a:t> 제작</a:t>
+            </a:r>
+            <a:endParaRPr lang="en-US" altLang="ko-KR" dirty="0"/>
+          </a:p>
+        </p:txBody>
+      </p:sp>
+      <p:cxnSp>
+        <p:nvCxnSpPr>
+          <p:cNvPr id="19" name="직선 연결선 18">
+            <a:extLst>
+              <a:ext uri="{FF2B5EF4-FFF2-40B4-BE49-F238E27FC236}">
+                <a16:creationId xmlns:a16="http://schemas.microsoft.com/office/drawing/2014/main" id="{BC991C64-BE63-414A-B5D4-DFB4D1C58393}"/>
+              </a:ext>
+            </a:extLst>
+          </p:cNvPr>
+          <p:cNvCxnSpPr/>
+          <p:nvPr/>
+        </p:nvCxnSpPr>
+        <p:spPr>
+          <a:xfrm>
+            <a:off x="7944541" y="6522920"/>
+            <a:ext cx="3042458" cy="0"/>
+          </a:xfrm>
+          <a:prstGeom prst="line">
+            <a:avLst/>
+          </a:prstGeom>
+          <a:ln w="53975">
+            <a:solidFill>
+              <a:schemeClr val="tx1"/>
+            </a:solidFill>
+            <a:prstDash val="sysDash"/>
+          </a:ln>
+        </p:spPr>
+        <p:style>
+          <a:lnRef idx="1">
+            <a:schemeClr val="accent1"/>
+          </a:lnRef>
+          <a:fillRef idx="0">
+            <a:schemeClr val="accent1"/>
+          </a:fillRef>
+          <a:effectRef idx="0">
+            <a:schemeClr val="accent1"/>
+          </a:effectRef>
+          <a:fontRef idx="minor">
+            <a:schemeClr val="tx1"/>
+          </a:fontRef>
+        </p:style>
+      </p:cxnSp>
+      <p:cxnSp>
+        <p:nvCxnSpPr>
+          <p:cNvPr id="20" name="직선 연결선 19">
+            <a:extLst>
+              <a:ext uri="{FF2B5EF4-FFF2-40B4-BE49-F238E27FC236}">
+                <a16:creationId xmlns:a16="http://schemas.microsoft.com/office/drawing/2014/main" id="{60E239F2-DF8F-4660-932D-6B71002E1B5C}"/>
+              </a:ext>
+            </a:extLst>
+          </p:cNvPr>
+          <p:cNvCxnSpPr/>
+          <p:nvPr/>
+        </p:nvCxnSpPr>
+        <p:spPr>
+          <a:xfrm>
+            <a:off x="7944541" y="4664513"/>
+            <a:ext cx="3042458" cy="0"/>
+          </a:xfrm>
+          <a:prstGeom prst="line">
+            <a:avLst/>
+          </a:prstGeom>
+          <a:ln w="53975">
+            <a:solidFill>
+              <a:schemeClr val="tx1"/>
+            </a:solidFill>
+            <a:prstDash val="sysDash"/>
+          </a:ln>
+        </p:spPr>
+        <p:style>
+          <a:lnRef idx="1">
+            <a:schemeClr val="accent1"/>
+          </a:lnRef>
+          <a:fillRef idx="0">
+            <a:schemeClr val="accent1"/>
+          </a:fillRef>
+          <a:effectRef idx="0">
+            <a:schemeClr val="accent1"/>
+          </a:effectRef>
+          <a:fontRef idx="minor">
+            <a:schemeClr val="tx1"/>
+          </a:fontRef>
+        </p:style>
+      </p:cxnSp>
+      <p:sp>
+        <p:nvSpPr>
+          <p:cNvPr id="21" name="TextBox 20">
+            <a:extLst>
+              <a:ext uri="{FF2B5EF4-FFF2-40B4-BE49-F238E27FC236}">
+                <a16:creationId xmlns:a16="http://schemas.microsoft.com/office/drawing/2014/main" id="{EE328E22-DC8D-47E1-A6E5-A0A9C5DE010F}"/>
+              </a:ext>
+            </a:extLst>
+          </p:cNvPr>
+          <p:cNvSpPr txBox="1"/>
+          <p:nvPr/>
+        </p:nvSpPr>
+        <p:spPr>
+          <a:xfrm>
+            <a:off x="7944541" y="4806714"/>
+            <a:ext cx="3180604" cy="1709122"/>
+          </a:xfrm>
+          <a:prstGeom prst="rect">
+            <a:avLst/>
+          </a:prstGeom>
+          <a:noFill/>
+        </p:spPr>
+        <p:txBody>
+          <a:bodyPr wrap="square" rtlCol="0">
+            <a:spAutoFit/>
+          </a:bodyPr>
+          <a:lstStyle/>
+          <a:p>
+            <a:pPr>
+              <a:lnSpc>
+                <a:spcPct val="150000"/>
+              </a:lnSpc>
+            </a:pPr>
+            <a:r>
+              <a:rPr lang="ko-KR" altLang="en-US" dirty="0"/>
+              <a:t>현 동 </a:t>
+            </a:r>
+            <a:r>
+              <a:rPr lang="ko-KR" altLang="en-US" dirty="0" err="1"/>
+              <a:t>엽</a:t>
+            </a:r>
+            <a:endParaRPr lang="en-US" altLang="ko-KR" dirty="0"/>
+          </a:p>
+          <a:p>
+            <a:pPr>
+              <a:lnSpc>
+                <a:spcPct val="150000"/>
+              </a:lnSpc>
+            </a:pPr>
+            <a:r>
+              <a:rPr lang="ko-KR" altLang="en-US" dirty="0"/>
+              <a:t>지역 데이터 수집</a:t>
+            </a:r>
+            <a:endParaRPr lang="en-US" altLang="ko-KR" dirty="0"/>
+          </a:p>
+          <a:p>
+            <a:pPr>
+              <a:lnSpc>
+                <a:spcPct val="150000"/>
+              </a:lnSpc>
+            </a:pPr>
+            <a:r>
+              <a:rPr lang="ko-KR" altLang="en-US" dirty="0"/>
+              <a:t>지역 데이터 분석</a:t>
+            </a:r>
+            <a:endParaRPr lang="en-US" altLang="ko-KR" dirty="0"/>
+          </a:p>
+          <a:p>
+            <a:pPr>
+              <a:lnSpc>
+                <a:spcPct val="150000"/>
+              </a:lnSpc>
+            </a:pPr>
+            <a:r>
+              <a:rPr lang="ko-KR" altLang="en-US" dirty="0"/>
+              <a:t>모델 탐색</a:t>
+            </a:r>
+            <a:endParaRPr lang="en-US" altLang="ko-KR" dirty="0"/>
+          </a:p>
+        </p:txBody>
+      </p:sp>
+      <p:sp>
+        <p:nvSpPr>
+          <p:cNvPr id="23" name="타원 22">
+            <a:extLst>
+              <a:ext uri="{FF2B5EF4-FFF2-40B4-BE49-F238E27FC236}">
+                <a16:creationId xmlns:a16="http://schemas.microsoft.com/office/drawing/2014/main" id="{53B79E2A-61BB-4E04-82EF-70C18E0BA532}"/>
+              </a:ext>
+            </a:extLst>
+          </p:cNvPr>
+          <p:cNvSpPr/>
+          <p:nvPr/>
+        </p:nvSpPr>
+        <p:spPr>
+          <a:xfrm>
+            <a:off x="6096000" y="2398143"/>
+            <a:ext cx="1656271" cy="1656271"/>
+          </a:xfrm>
+          <a:prstGeom prst="ellipse">
+            <a:avLst/>
+          </a:prstGeom>
+          <a:blipFill dpi="0" rotWithShape="1">
+            <a:blip r:embed="rId3">
+              <a:extLst>
+                <a:ext uri="{28A0092B-C50C-407E-A947-70E740481C1C}">
+                  <a14:useLocalDpi xmlns:a14="http://schemas.microsoft.com/office/drawing/2010/main" val="0"/>
+                </a:ext>
+              </a:extLst>
+            </a:blip>
+            <a:srcRect/>
+            <a:stretch>
+              <a:fillRect/>
+            </a:stretch>
+          </a:blipFill>
+          <a:ln>
+            <a:noFill/>
+          </a:ln>
+        </p:spPr>
+        <p:style>
+          <a:lnRef idx="2">
+            <a:schemeClr val="accent1">
+              <a:shade val="50000"/>
+            </a:schemeClr>
+          </a:lnRef>
+          <a:fillRef idx="1">
+            <a:schemeClr val="accent1"/>
+          </a:fillRef>
+          <a:effectRef idx="0">
+            <a:schemeClr val="accent1"/>
+          </a:effectRef>
+          <a:fontRef idx="minor">
+            <a:schemeClr val="lt1"/>
+          </a:fontRef>
+        </p:style>
+        <p:txBody>
+          <a:bodyPr rtlCol="0" anchor="ctr"/>
+          <a:lstStyle/>
+          <a:p>
+            <a:pPr algn="ctr"/>
+            <a:endParaRPr lang="ko-KR" altLang="en-US"/>
+          </a:p>
+        </p:txBody>
+      </p:sp>
+      <p:sp>
+        <p:nvSpPr>
+          <p:cNvPr id="24" name="타원 23">
+            <a:extLst>
+              <a:ext uri="{FF2B5EF4-FFF2-40B4-BE49-F238E27FC236}">
+                <a16:creationId xmlns:a16="http://schemas.microsoft.com/office/drawing/2014/main" id="{AD7A7F84-4EA4-4978-A8F7-DD1DBD370CC6}"/>
+              </a:ext>
+            </a:extLst>
+          </p:cNvPr>
+          <p:cNvSpPr/>
+          <p:nvPr/>
+        </p:nvSpPr>
+        <p:spPr>
+          <a:xfrm>
+            <a:off x="711779" y="2446165"/>
+            <a:ext cx="1656271" cy="1656271"/>
+          </a:xfrm>
+          <a:prstGeom prst="ellipse">
+            <a:avLst/>
+          </a:prstGeom>
+          <a:blipFill dpi="0" rotWithShape="1">
+            <a:blip r:embed="rId2">
+              <a:extLst>
+                <a:ext uri="{28A0092B-C50C-407E-A947-70E740481C1C}">
+                  <a14:useLocalDpi xmlns:a14="http://schemas.microsoft.com/office/drawing/2010/main" val="0"/>
+                </a:ext>
+              </a:extLst>
+            </a:blip>
+            <a:srcRect/>
+            <a:stretch>
+              <a:fillRect/>
+            </a:stretch>
+          </a:blipFill>
+          <a:ln>
+            <a:noFill/>
+          </a:ln>
+        </p:spPr>
+        <p:style>
+          <a:lnRef idx="2">
+            <a:schemeClr val="accent1">
+              <a:shade val="50000"/>
+            </a:schemeClr>
+          </a:lnRef>
+          <a:fillRef idx="1">
+            <a:schemeClr val="accent1"/>
+          </a:fillRef>
+          <a:effectRef idx="0">
+            <a:schemeClr val="accent1"/>
+          </a:effectRef>
+          <a:fontRef idx="minor">
+            <a:schemeClr val="lt1"/>
+          </a:fontRef>
+        </p:style>
+        <p:txBody>
+          <a:bodyPr rtlCol="0" anchor="ctr"/>
+          <a:lstStyle/>
+          <a:p>
+            <a:pPr algn="ctr"/>
+            <a:endParaRPr lang="ko-KR" altLang="en-US"/>
+          </a:p>
+        </p:txBody>
+      </p:sp>
+    </p:spTree>
+    <p:extLst>
+      <p:ext uri="{BB962C8B-B14F-4D97-AF65-F5344CB8AC3E}">
+        <p14:creationId xmlns:p14="http://schemas.microsoft.com/office/powerpoint/2010/main" val="1199911923"/>
+      </p:ext>
+    </p:extLst>
+  </p:cSld>
+  <p:clrMapOvr>
+    <a:masterClrMapping/>
+  </p:clrMapOvr>
+</p:sld>
+</file>
+
+<file path=ppt/slides/slide4.xml><?xml version="1.0" encoding="utf-8"?>
+<p:sld xmlns:a="http://schemas.openxmlformats.org/drawingml/2006/main" xmlns:r="http://schemas.openxmlformats.org/officeDocument/2006/relationships" xmlns:p="http://schemas.openxmlformats.org/presentationml/2006/main">
+  <p:cSld>
+    <p:spTree>
+      <p:nvGrpSpPr>
+        <p:cNvPr id="1" name=""/>
+        <p:cNvGrpSpPr/>
+        <p:nvPr/>
+      </p:nvGrpSpPr>
+      <p:grpSpPr>
+        <a:xfrm>
+          <a:off x="0" y="0"/>
+          <a:ext cx="0" cy="0"/>
+          <a:chOff x="0" y="0"/>
+          <a:chExt cx="0" cy="0"/>
+        </a:xfrm>
+      </p:grpSpPr>
+      <p:sp>
+        <p:nvSpPr>
+          <p:cNvPr id="2" name="제목 1">
+            <a:extLst>
+              <a:ext uri="{FF2B5EF4-FFF2-40B4-BE49-F238E27FC236}">
                 <a16:creationId xmlns:a16="http://schemas.microsoft.com/office/drawing/2014/main" id="{E9170B64-D676-4579-A523-02123E8BD4D4}"/>
               </a:ext>
             </a:extLst>
@@ -4544,7 +5949,7 @@
         </p:nvSpPr>
         <p:spPr>
           <a:xfrm>
-            <a:off x="447701" y="2483618"/>
+            <a:off x="883929" y="2819178"/>
             <a:ext cx="10901367" cy="1090568"/>
           </a:xfrm>
           <a:custGeom>
@@ -4863,7 +6268,7 @@
         </p:nvSpPr>
         <p:spPr>
           <a:xfrm>
-            <a:off x="825679" y="2861122"/>
+            <a:off x="1261907" y="3179904"/>
             <a:ext cx="612397" cy="369332"/>
           </a:xfrm>
           <a:prstGeom prst="rect">
@@ -4902,7 +6307,7 @@
         </p:nvSpPr>
         <p:spPr>
           <a:xfrm>
-            <a:off x="2335697" y="2861122"/>
+            <a:off x="2771925" y="3179904"/>
             <a:ext cx="637563" cy="369332"/>
           </a:xfrm>
           <a:prstGeom prst="rect">
@@ -4941,7 +6346,7 @@
         </p:nvSpPr>
         <p:spPr>
           <a:xfrm>
-            <a:off x="3812159" y="2852733"/>
+            <a:off x="4248387" y="3171515"/>
             <a:ext cx="637563" cy="369332"/>
           </a:xfrm>
           <a:prstGeom prst="rect">
@@ -4980,7 +6385,7 @@
         </p:nvSpPr>
         <p:spPr>
           <a:xfrm>
-            <a:off x="5196343" y="2852733"/>
+            <a:off x="5632571" y="3171515"/>
             <a:ext cx="679510" cy="369332"/>
           </a:xfrm>
           <a:prstGeom prst="rect">
@@ -5019,7 +6424,7 @@
         </p:nvSpPr>
         <p:spPr>
           <a:xfrm>
-            <a:off x="6689585" y="2852733"/>
+            <a:off x="7125813" y="3171515"/>
             <a:ext cx="637563" cy="369332"/>
           </a:xfrm>
           <a:prstGeom prst="rect">
@@ -5058,7 +6463,7 @@
         </p:nvSpPr>
         <p:spPr>
           <a:xfrm>
-            <a:off x="8001066" y="2852733"/>
+            <a:off x="8437294" y="3171515"/>
             <a:ext cx="685099" cy="369332"/>
           </a:xfrm>
           <a:prstGeom prst="rect">
@@ -5097,7 +6502,7 @@
         </p:nvSpPr>
         <p:spPr>
           <a:xfrm>
-            <a:off x="447701" y="3674857"/>
+            <a:off x="883929" y="3993639"/>
             <a:ext cx="1406978" cy="1090568"/>
           </a:xfrm>
           <a:prstGeom prst="roundRect">
@@ -5178,7 +6583,7 @@
         </p:nvSpPr>
         <p:spPr>
           <a:xfrm>
-            <a:off x="1950989" y="3674857"/>
+            <a:off x="2387217" y="3993639"/>
             <a:ext cx="1406978" cy="1090568"/>
           </a:xfrm>
           <a:prstGeom prst="roundRect">
@@ -5253,7 +6658,7 @@
         </p:nvSpPr>
         <p:spPr>
           <a:xfrm>
-            <a:off x="3427451" y="3674857"/>
+            <a:off x="3863679" y="3993639"/>
             <a:ext cx="1325704" cy="1090568"/>
           </a:xfrm>
           <a:prstGeom prst="roundRect">
@@ -5318,7 +6723,7 @@
         </p:nvSpPr>
         <p:spPr>
           <a:xfrm>
-            <a:off x="4873246" y="3674857"/>
+            <a:off x="5309474" y="3993639"/>
             <a:ext cx="1325704" cy="1090568"/>
           </a:xfrm>
           <a:prstGeom prst="roundRect">
@@ -5383,7 +6788,7 @@
         </p:nvSpPr>
         <p:spPr>
           <a:xfrm>
-            <a:off x="6319041" y="3674857"/>
+            <a:off x="6755269" y="3993639"/>
             <a:ext cx="1325704" cy="1090568"/>
           </a:xfrm>
           <a:prstGeom prst="roundRect">
@@ -5441,7 +6846,7 @@
         </p:nvSpPr>
         <p:spPr>
           <a:xfrm>
-            <a:off x="7764836" y="3674857"/>
+            <a:off x="8201064" y="3993639"/>
             <a:ext cx="1325704" cy="1090568"/>
           </a:xfrm>
           <a:prstGeom prst="roundRect">
@@ -5498,1244 +6903,7 @@
 </p:sld>
 </file>
 
-<file path=ppt/slides/slide11.xml><?xml version="1.0" encoding="utf-8"?>
-<p:sld xmlns:a="http://schemas.openxmlformats.org/drawingml/2006/main" xmlns:r="http://schemas.openxmlformats.org/officeDocument/2006/relationships" xmlns:p="http://schemas.openxmlformats.org/presentationml/2006/main">
-  <p:cSld>
-    <p:spTree>
-      <p:nvGrpSpPr>
-        <p:cNvPr id="1" name=""/>
-        <p:cNvGrpSpPr/>
-        <p:nvPr/>
-      </p:nvGrpSpPr>
-      <p:grpSpPr>
-        <a:xfrm>
-          <a:off x="0" y="0"/>
-          <a:ext cx="0" cy="0"/>
-          <a:chOff x="0" y="0"/>
-          <a:chExt cx="0" cy="0"/>
-        </a:xfrm>
-      </p:grpSpPr>
-      <p:sp>
-        <p:nvSpPr>
-          <p:cNvPr id="2" name="제목 1">
-            <a:extLst>
-              <a:ext uri="{FF2B5EF4-FFF2-40B4-BE49-F238E27FC236}">
-                <a16:creationId xmlns:a16="http://schemas.microsoft.com/office/drawing/2014/main" id="{0028B4BC-4750-45A9-8130-0A702B166F6D}"/>
-              </a:ext>
-            </a:extLst>
-          </p:cNvPr>
-          <p:cNvSpPr>
-            <a:spLocks noGrp="1"/>
-          </p:cNvSpPr>
-          <p:nvPr>
-            <p:ph type="ctrTitle"/>
-          </p:nvPr>
-        </p:nvSpPr>
-        <p:spPr/>
-        <p:txBody>
-          <a:bodyPr>
-            <a:normAutofit/>
-          </a:bodyPr>
-          <a:lstStyle/>
-          <a:p>
-            <a:r>
-              <a:rPr lang="en-US" altLang="ko-KR" sz="8000" dirty="0"/>
-              <a:t>Q&amp;A</a:t>
-            </a:r>
-            <a:endParaRPr lang="ko-KR" altLang="en-US" sz="8000" dirty="0"/>
-          </a:p>
-        </p:txBody>
-      </p:sp>
-    </p:spTree>
-    <p:extLst>
-      <p:ext uri="{BB962C8B-B14F-4D97-AF65-F5344CB8AC3E}">
-        <p14:creationId xmlns:p14="http://schemas.microsoft.com/office/powerpoint/2010/main" val="317497467"/>
-      </p:ext>
-    </p:extLst>
-  </p:cSld>
-  <p:clrMapOvr>
-    <a:masterClrMapping/>
-  </p:clrMapOvr>
-</p:sld>
-</file>
-
-<file path=ppt/slides/slide12.xml><?xml version="1.0" encoding="utf-8"?>
-<p:sld xmlns:a="http://schemas.openxmlformats.org/drawingml/2006/main" xmlns:r="http://schemas.openxmlformats.org/officeDocument/2006/relationships" xmlns:p="http://schemas.openxmlformats.org/presentationml/2006/main">
-  <p:cSld>
-    <p:spTree>
-      <p:nvGrpSpPr>
-        <p:cNvPr id="1" name=""/>
-        <p:cNvGrpSpPr/>
-        <p:nvPr/>
-      </p:nvGrpSpPr>
-      <p:grpSpPr>
-        <a:xfrm>
-          <a:off x="0" y="0"/>
-          <a:ext cx="0" cy="0"/>
-          <a:chOff x="0" y="0"/>
-          <a:chExt cx="0" cy="0"/>
-        </a:xfrm>
-      </p:grpSpPr>
-      <p:sp>
-        <p:nvSpPr>
-          <p:cNvPr id="2" name="제목 1">
-            <a:extLst>
-              <a:ext uri="{FF2B5EF4-FFF2-40B4-BE49-F238E27FC236}">
-                <a16:creationId xmlns:a16="http://schemas.microsoft.com/office/drawing/2014/main" id="{0028B4BC-4750-45A9-8130-0A702B166F6D}"/>
-              </a:ext>
-            </a:extLst>
-          </p:cNvPr>
-          <p:cNvSpPr>
-            <a:spLocks noGrp="1"/>
-          </p:cNvSpPr>
-          <p:nvPr>
-            <p:ph type="ctrTitle"/>
-          </p:nvPr>
-        </p:nvSpPr>
-        <p:spPr/>
-        <p:txBody>
-          <a:bodyPr/>
-          <a:lstStyle/>
-          <a:p>
-            <a:r>
-              <a:rPr lang="en-US" altLang="ko-KR" dirty="0"/>
-              <a:t>Thank you</a:t>
-            </a:r>
-            <a:endParaRPr lang="ko-KR" altLang="en-US" dirty="0"/>
-          </a:p>
-        </p:txBody>
-      </p:sp>
-      <p:sp>
-        <p:nvSpPr>
-          <p:cNvPr id="3" name="부제목 2">
-            <a:extLst>
-              <a:ext uri="{FF2B5EF4-FFF2-40B4-BE49-F238E27FC236}">
-                <a16:creationId xmlns:a16="http://schemas.microsoft.com/office/drawing/2014/main" id="{7F2A52C8-3283-49F4-BA8D-058C51721850}"/>
-              </a:ext>
-            </a:extLst>
-          </p:cNvPr>
-          <p:cNvSpPr>
-            <a:spLocks noGrp="1"/>
-          </p:cNvSpPr>
-          <p:nvPr>
-            <p:ph type="subTitle" idx="1"/>
-          </p:nvPr>
-        </p:nvSpPr>
-        <p:spPr/>
-        <p:txBody>
-          <a:bodyPr/>
-          <a:lstStyle/>
-          <a:p>
-            <a:r>
-              <a:rPr lang="en-US" altLang="ko-KR" dirty="0"/>
-              <a:t>3</a:t>
-            </a:r>
-            <a:r>
-              <a:rPr lang="ko-KR" altLang="en-US" dirty="0"/>
-              <a:t>조였습니다</a:t>
-            </a:r>
-            <a:r>
-              <a:rPr lang="en-US" altLang="ko-KR" dirty="0"/>
-              <a:t>.</a:t>
-            </a:r>
-            <a:endParaRPr lang="ko-KR" altLang="en-US" dirty="0"/>
-          </a:p>
-        </p:txBody>
-      </p:sp>
-    </p:spTree>
-    <p:extLst>
-      <p:ext uri="{BB962C8B-B14F-4D97-AF65-F5344CB8AC3E}">
-        <p14:creationId xmlns:p14="http://schemas.microsoft.com/office/powerpoint/2010/main" val="317497467"/>
-      </p:ext>
-    </p:extLst>
-  </p:cSld>
-  <p:clrMapOvr>
-    <a:masterClrMapping/>
-  </p:clrMapOvr>
-</p:sld>
-</file>
-
-<file path=ppt/slides/slide2.xml><?xml version="1.0" encoding="utf-8"?>
-<p:sld xmlns:a="http://schemas.openxmlformats.org/drawingml/2006/main" xmlns:r="http://schemas.openxmlformats.org/officeDocument/2006/relationships" xmlns:p="http://schemas.openxmlformats.org/presentationml/2006/main">
-  <p:cSld>
-    <p:spTree>
-      <p:nvGrpSpPr>
-        <p:cNvPr id="1" name=""/>
-        <p:cNvGrpSpPr/>
-        <p:nvPr/>
-      </p:nvGrpSpPr>
-      <p:grpSpPr>
-        <a:xfrm>
-          <a:off x="0" y="0"/>
-          <a:ext cx="0" cy="0"/>
-          <a:chOff x="0" y="0"/>
-          <a:chExt cx="0" cy="0"/>
-        </a:xfrm>
-      </p:grpSpPr>
-      <p:sp>
-        <p:nvSpPr>
-          <p:cNvPr id="2" name="제목 1">
-            <a:extLst>
-              <a:ext uri="{FF2B5EF4-FFF2-40B4-BE49-F238E27FC236}">
-                <a16:creationId xmlns:a16="http://schemas.microsoft.com/office/drawing/2014/main" id="{F89C2EA4-9B14-4B06-AF97-D1794B1F0C5A}"/>
-              </a:ext>
-            </a:extLst>
-          </p:cNvPr>
-          <p:cNvSpPr>
-            <a:spLocks noGrp="1"/>
-          </p:cNvSpPr>
-          <p:nvPr>
-            <p:ph type="title"/>
-          </p:nvPr>
-        </p:nvSpPr>
-        <p:spPr>
-          <a:xfrm>
-            <a:off x="561081" y="292969"/>
-            <a:ext cx="9784080" cy="1508760"/>
-          </a:xfrm>
-        </p:spPr>
-        <p:txBody>
-          <a:bodyPr>
-            <a:normAutofit/>
-          </a:bodyPr>
-          <a:lstStyle/>
-          <a:p>
-            <a:r>
-              <a:rPr lang="ko-KR" altLang="en-US" sz="6000" dirty="0"/>
-              <a:t>목차</a:t>
-            </a:r>
-          </a:p>
-        </p:txBody>
-      </p:sp>
-      <p:sp>
-        <p:nvSpPr>
-          <p:cNvPr id="3" name="내용 개체 틀 2">
-            <a:extLst>
-              <a:ext uri="{FF2B5EF4-FFF2-40B4-BE49-F238E27FC236}">
-                <a16:creationId xmlns:a16="http://schemas.microsoft.com/office/drawing/2014/main" id="{A508FD91-8F2F-4DBD-9035-D09EF0C138FA}"/>
-              </a:ext>
-            </a:extLst>
-          </p:cNvPr>
-          <p:cNvSpPr>
-            <a:spLocks noGrp="1"/>
-          </p:cNvSpPr>
-          <p:nvPr>
-            <p:ph idx="1"/>
-          </p:nvPr>
-        </p:nvSpPr>
-        <p:spPr>
-          <a:xfrm>
-            <a:off x="517120" y="2169941"/>
-            <a:ext cx="9784080" cy="4206240"/>
-          </a:xfrm>
-        </p:spPr>
-        <p:txBody>
-          <a:bodyPr/>
-          <a:lstStyle/>
-          <a:p>
-            <a:r>
-              <a:rPr lang="ko-KR" altLang="en-US" sz="2800" dirty="0"/>
-              <a:t>주제 선정 배경 </a:t>
-            </a:r>
-            <a:endParaRPr lang="en-US" altLang="ko-KR" sz="2800" dirty="0"/>
-          </a:p>
-          <a:p>
-            <a:r>
-              <a:rPr lang="ko-KR" altLang="en-US" sz="2800" dirty="0"/>
-              <a:t>활용 데이터 </a:t>
-            </a:r>
-            <a:endParaRPr lang="en-US" altLang="ko-KR" sz="2800" dirty="0"/>
-          </a:p>
-          <a:p>
-            <a:r>
-              <a:rPr lang="ko-KR" altLang="en-US" sz="2800" dirty="0"/>
-              <a:t>데이터 </a:t>
-            </a:r>
-            <a:r>
-              <a:rPr lang="ko-KR" altLang="en-US" sz="2800" dirty="0" err="1"/>
-              <a:t>전처리</a:t>
-            </a:r>
-            <a:r>
-              <a:rPr lang="ko-KR" altLang="en-US" sz="2800" dirty="0"/>
-              <a:t> 방향 </a:t>
-            </a:r>
-            <a:endParaRPr lang="en-US" altLang="ko-KR" sz="2800" dirty="0"/>
-          </a:p>
-          <a:p>
-            <a:r>
-              <a:rPr lang="ko-KR" altLang="en-US" sz="2800" dirty="0"/>
-              <a:t>기대효과 </a:t>
-            </a:r>
-            <a:endParaRPr lang="en-US" altLang="ko-KR" sz="2800" dirty="0"/>
-          </a:p>
-          <a:p>
-            <a:r>
-              <a:rPr lang="ko-KR" altLang="en-US" sz="2800" dirty="0"/>
-              <a:t>추진 일정</a:t>
-            </a:r>
-            <a:endParaRPr lang="en-US" altLang="ko-KR" sz="2800" dirty="0"/>
-          </a:p>
-          <a:p>
-            <a:endParaRPr lang="en-US" altLang="ko-KR" dirty="0"/>
-          </a:p>
-        </p:txBody>
-      </p:sp>
-    </p:spTree>
-    <p:extLst>
-      <p:ext uri="{BB962C8B-B14F-4D97-AF65-F5344CB8AC3E}">
-        <p14:creationId xmlns:p14="http://schemas.microsoft.com/office/powerpoint/2010/main" val="3557914880"/>
-      </p:ext>
-    </p:extLst>
-  </p:cSld>
-  <p:clrMapOvr>
-    <a:masterClrMapping/>
-  </p:clrMapOvr>
-</p:sld>
-</file>
-
-<file path=ppt/slides/slide3.xml><?xml version="1.0" encoding="utf-8"?>
-<p:sld xmlns:a="http://schemas.openxmlformats.org/drawingml/2006/main" xmlns:r="http://schemas.openxmlformats.org/officeDocument/2006/relationships" xmlns:p="http://schemas.openxmlformats.org/presentationml/2006/main">
-  <p:cSld>
-    <p:spTree>
-      <p:nvGrpSpPr>
-        <p:cNvPr id="1" name=""/>
-        <p:cNvGrpSpPr/>
-        <p:nvPr/>
-      </p:nvGrpSpPr>
-      <p:grpSpPr>
-        <a:xfrm>
-          <a:off x="0" y="0"/>
-          <a:ext cx="0" cy="0"/>
-          <a:chOff x="0" y="0"/>
-          <a:chExt cx="0" cy="0"/>
-        </a:xfrm>
-      </p:grpSpPr>
-      <p:sp>
-        <p:nvSpPr>
-          <p:cNvPr id="2" name="제목 1">
-            <a:extLst>
-              <a:ext uri="{FF2B5EF4-FFF2-40B4-BE49-F238E27FC236}">
-                <a16:creationId xmlns:a16="http://schemas.microsoft.com/office/drawing/2014/main" id="{D4C882E9-E7C3-45F9-BA41-1D226D2570C9}"/>
-              </a:ext>
-            </a:extLst>
-          </p:cNvPr>
-          <p:cNvSpPr>
-            <a:spLocks noGrp="1"/>
-          </p:cNvSpPr>
-          <p:nvPr>
-            <p:ph type="title"/>
-          </p:nvPr>
-        </p:nvSpPr>
-        <p:spPr/>
-        <p:txBody>
-          <a:bodyPr/>
-          <a:lstStyle/>
-          <a:p>
-            <a:r>
-              <a:rPr lang="ko-KR" altLang="en-US" dirty="0"/>
-              <a:t>조원 소개</a:t>
-            </a:r>
-          </a:p>
-        </p:txBody>
-      </p:sp>
-      <p:sp>
-        <p:nvSpPr>
-          <p:cNvPr id="6" name="타원 5">
-            <a:extLst>
-              <a:ext uri="{FF2B5EF4-FFF2-40B4-BE49-F238E27FC236}">
-                <a16:creationId xmlns:a16="http://schemas.microsoft.com/office/drawing/2014/main" id="{41AD5764-4C17-422F-A647-CA4F1574F383}"/>
-              </a:ext>
-            </a:extLst>
-          </p:cNvPr>
-          <p:cNvSpPr/>
-          <p:nvPr/>
-        </p:nvSpPr>
-        <p:spPr>
-          <a:xfrm>
-            <a:off x="741872" y="4659621"/>
-            <a:ext cx="1656271" cy="1656271"/>
-          </a:xfrm>
-          <a:prstGeom prst="ellipse">
-            <a:avLst/>
-          </a:prstGeom>
-          <a:blipFill dpi="0" rotWithShape="1">
-            <a:blip r:embed="rId2">
-              <a:extLst>
-                <a:ext uri="{28A0092B-C50C-407E-A947-70E740481C1C}">
-                  <a14:useLocalDpi xmlns:a14="http://schemas.microsoft.com/office/drawing/2010/main" val="0"/>
-                </a:ext>
-              </a:extLst>
-            </a:blip>
-            <a:srcRect/>
-            <a:stretch>
-              <a:fillRect/>
-            </a:stretch>
-          </a:blipFill>
-          <a:ln>
-            <a:noFill/>
-          </a:ln>
-        </p:spPr>
-        <p:style>
-          <a:lnRef idx="2">
-            <a:schemeClr val="accent1">
-              <a:shade val="50000"/>
-            </a:schemeClr>
-          </a:lnRef>
-          <a:fillRef idx="1">
-            <a:schemeClr val="accent1"/>
-          </a:fillRef>
-          <a:effectRef idx="0">
-            <a:schemeClr val="accent1"/>
-          </a:effectRef>
-          <a:fontRef idx="minor">
-            <a:schemeClr val="lt1"/>
-          </a:fontRef>
-        </p:style>
-        <p:txBody>
-          <a:bodyPr rtlCol="0" anchor="ctr"/>
-          <a:lstStyle/>
-          <a:p>
-            <a:pPr algn="ctr"/>
-            <a:endParaRPr lang="ko-KR" altLang="en-US"/>
-          </a:p>
-        </p:txBody>
-      </p:sp>
-      <p:sp>
-        <p:nvSpPr>
-          <p:cNvPr id="7" name="타원 6">
-            <a:extLst>
-              <a:ext uri="{FF2B5EF4-FFF2-40B4-BE49-F238E27FC236}">
-                <a16:creationId xmlns:a16="http://schemas.microsoft.com/office/drawing/2014/main" id="{BEA37F84-FC27-4275-98CC-73573FA20AED}"/>
-              </a:ext>
-            </a:extLst>
-          </p:cNvPr>
-          <p:cNvSpPr/>
-          <p:nvPr/>
-        </p:nvSpPr>
-        <p:spPr>
-          <a:xfrm>
-            <a:off x="6096000" y="4659621"/>
-            <a:ext cx="1656271" cy="1656271"/>
-          </a:xfrm>
-          <a:prstGeom prst="ellipse">
-            <a:avLst/>
-          </a:prstGeom>
-          <a:blipFill dpi="0" rotWithShape="1">
-            <a:blip r:embed="rId2">
-              <a:extLst>
-                <a:ext uri="{28A0092B-C50C-407E-A947-70E740481C1C}">
-                  <a14:useLocalDpi xmlns:a14="http://schemas.microsoft.com/office/drawing/2010/main" val="0"/>
-                </a:ext>
-              </a:extLst>
-            </a:blip>
-            <a:srcRect/>
-            <a:stretch>
-              <a:fillRect/>
-            </a:stretch>
-          </a:blipFill>
-          <a:ln>
-            <a:noFill/>
-          </a:ln>
-        </p:spPr>
-        <p:style>
-          <a:lnRef idx="2">
-            <a:schemeClr val="accent1">
-              <a:shade val="50000"/>
-            </a:schemeClr>
-          </a:lnRef>
-          <a:fillRef idx="1">
-            <a:schemeClr val="accent1"/>
-          </a:fillRef>
-          <a:effectRef idx="0">
-            <a:schemeClr val="accent1"/>
-          </a:effectRef>
-          <a:fontRef idx="minor">
-            <a:schemeClr val="lt1"/>
-          </a:fontRef>
-        </p:style>
-        <p:txBody>
-          <a:bodyPr rtlCol="0" anchor="ctr"/>
-          <a:lstStyle/>
-          <a:p>
-            <a:pPr algn="ctr"/>
-            <a:endParaRPr lang="ko-KR" altLang="en-US"/>
-          </a:p>
-        </p:txBody>
-      </p:sp>
-      <p:cxnSp>
-        <p:nvCxnSpPr>
-          <p:cNvPr id="10" name="직선 연결선 9">
-            <a:extLst>
-              <a:ext uri="{FF2B5EF4-FFF2-40B4-BE49-F238E27FC236}">
-                <a16:creationId xmlns:a16="http://schemas.microsoft.com/office/drawing/2014/main" id="{A332F769-2B61-4592-AA7C-588B10780ED3}"/>
-              </a:ext>
-            </a:extLst>
-          </p:cNvPr>
-          <p:cNvCxnSpPr/>
-          <p:nvPr/>
-        </p:nvCxnSpPr>
-        <p:spPr>
-          <a:xfrm>
-            <a:off x="2560320" y="4054414"/>
-            <a:ext cx="3042458" cy="0"/>
-          </a:xfrm>
-          <a:prstGeom prst="line">
-            <a:avLst/>
-          </a:prstGeom>
-          <a:ln w="53975">
-            <a:solidFill>
-              <a:schemeClr val="tx1"/>
-            </a:solidFill>
-            <a:prstDash val="sysDash"/>
-          </a:ln>
-        </p:spPr>
-        <p:style>
-          <a:lnRef idx="1">
-            <a:schemeClr val="accent1"/>
-          </a:lnRef>
-          <a:fillRef idx="0">
-            <a:schemeClr val="accent1"/>
-          </a:fillRef>
-          <a:effectRef idx="0">
-            <a:schemeClr val="accent1"/>
-          </a:effectRef>
-          <a:fontRef idx="minor">
-            <a:schemeClr val="tx1"/>
-          </a:fontRef>
-        </p:style>
-      </p:cxnSp>
-      <p:cxnSp>
-        <p:nvCxnSpPr>
-          <p:cNvPr id="11" name="직선 연결선 10">
-            <a:extLst>
-              <a:ext uri="{FF2B5EF4-FFF2-40B4-BE49-F238E27FC236}">
-                <a16:creationId xmlns:a16="http://schemas.microsoft.com/office/drawing/2014/main" id="{6926DDA5-6CE7-4EA1-9B69-315B33B96E51}"/>
-              </a:ext>
-            </a:extLst>
-          </p:cNvPr>
-          <p:cNvCxnSpPr/>
-          <p:nvPr/>
-        </p:nvCxnSpPr>
-        <p:spPr>
-          <a:xfrm>
-            <a:off x="2560320" y="2446165"/>
-            <a:ext cx="3042458" cy="0"/>
-          </a:xfrm>
-          <a:prstGeom prst="line">
-            <a:avLst/>
-          </a:prstGeom>
-          <a:ln w="53975">
-            <a:solidFill>
-              <a:schemeClr val="tx1"/>
-            </a:solidFill>
-            <a:prstDash val="sysDash"/>
-          </a:ln>
-        </p:spPr>
-        <p:style>
-          <a:lnRef idx="1">
-            <a:schemeClr val="accent1"/>
-          </a:lnRef>
-          <a:fillRef idx="0">
-            <a:schemeClr val="accent1"/>
-          </a:fillRef>
-          <a:effectRef idx="0">
-            <a:schemeClr val="accent1"/>
-          </a:effectRef>
-          <a:fontRef idx="minor">
-            <a:schemeClr val="tx1"/>
-          </a:fontRef>
-        </p:style>
-      </p:cxnSp>
-      <p:sp>
-        <p:nvSpPr>
-          <p:cNvPr id="12" name="TextBox 11">
-            <a:extLst>
-              <a:ext uri="{FF2B5EF4-FFF2-40B4-BE49-F238E27FC236}">
-                <a16:creationId xmlns:a16="http://schemas.microsoft.com/office/drawing/2014/main" id="{7FBB0091-643C-40A5-951D-03842AA32A4C}"/>
-              </a:ext>
-            </a:extLst>
-          </p:cNvPr>
-          <p:cNvSpPr txBox="1"/>
-          <p:nvPr/>
-        </p:nvSpPr>
-        <p:spPr>
-          <a:xfrm>
-            <a:off x="2560320" y="2545236"/>
-            <a:ext cx="3042458" cy="1295868"/>
-          </a:xfrm>
-          <a:prstGeom prst="rect">
-            <a:avLst/>
-          </a:prstGeom>
-          <a:noFill/>
-        </p:spPr>
-        <p:txBody>
-          <a:bodyPr wrap="square" rtlCol="0">
-            <a:spAutoFit/>
-          </a:bodyPr>
-          <a:lstStyle/>
-          <a:p>
-            <a:pPr>
-              <a:lnSpc>
-                <a:spcPct val="150000"/>
-              </a:lnSpc>
-            </a:pPr>
-            <a:r>
-              <a:rPr lang="ko-KR" altLang="en-US" dirty="0"/>
-              <a:t>조장 이 소 정</a:t>
-            </a:r>
-            <a:endParaRPr lang="en-US" altLang="ko-KR" dirty="0"/>
-          </a:p>
-          <a:p>
-            <a:pPr>
-              <a:lnSpc>
-                <a:spcPct val="150000"/>
-              </a:lnSpc>
-            </a:pPr>
-            <a:r>
-              <a:rPr lang="ko-KR" altLang="en-US" dirty="0"/>
-              <a:t>지역 데이터 수집</a:t>
-            </a:r>
-            <a:endParaRPr lang="en-US" altLang="ko-KR" dirty="0"/>
-          </a:p>
-          <a:p>
-            <a:pPr>
-              <a:lnSpc>
-                <a:spcPct val="150000"/>
-              </a:lnSpc>
-            </a:pPr>
-            <a:r>
-              <a:rPr lang="ko-KR" altLang="en-US" dirty="0"/>
-              <a:t>지역 데이터 분석</a:t>
-            </a:r>
-            <a:endParaRPr lang="en-US" altLang="ko-KR" dirty="0"/>
-          </a:p>
-        </p:txBody>
-      </p:sp>
-      <p:cxnSp>
-        <p:nvCxnSpPr>
-          <p:cNvPr id="13" name="직선 연결선 12">
-            <a:extLst>
-              <a:ext uri="{FF2B5EF4-FFF2-40B4-BE49-F238E27FC236}">
-                <a16:creationId xmlns:a16="http://schemas.microsoft.com/office/drawing/2014/main" id="{7B19834B-22EC-42F3-8BE1-5043FDBEF070}"/>
-              </a:ext>
-            </a:extLst>
-          </p:cNvPr>
-          <p:cNvCxnSpPr/>
-          <p:nvPr/>
-        </p:nvCxnSpPr>
-        <p:spPr>
-          <a:xfrm>
-            <a:off x="7944541" y="4054414"/>
-            <a:ext cx="3042458" cy="0"/>
-          </a:xfrm>
-          <a:prstGeom prst="line">
-            <a:avLst/>
-          </a:prstGeom>
-          <a:ln w="53975">
-            <a:solidFill>
-              <a:schemeClr val="tx1"/>
-            </a:solidFill>
-            <a:prstDash val="sysDash"/>
-          </a:ln>
-        </p:spPr>
-        <p:style>
-          <a:lnRef idx="1">
-            <a:schemeClr val="accent1"/>
-          </a:lnRef>
-          <a:fillRef idx="0">
-            <a:schemeClr val="accent1"/>
-          </a:fillRef>
-          <a:effectRef idx="0">
-            <a:schemeClr val="accent1"/>
-          </a:effectRef>
-          <a:fontRef idx="minor">
-            <a:schemeClr val="tx1"/>
-          </a:fontRef>
-        </p:style>
-      </p:cxnSp>
-      <p:cxnSp>
-        <p:nvCxnSpPr>
-          <p:cNvPr id="14" name="직선 연결선 13">
-            <a:extLst>
-              <a:ext uri="{FF2B5EF4-FFF2-40B4-BE49-F238E27FC236}">
-                <a16:creationId xmlns:a16="http://schemas.microsoft.com/office/drawing/2014/main" id="{C3801B3B-8C28-4360-A775-DF953F0594CB}"/>
-              </a:ext>
-            </a:extLst>
-          </p:cNvPr>
-          <p:cNvCxnSpPr/>
-          <p:nvPr/>
-        </p:nvCxnSpPr>
-        <p:spPr>
-          <a:xfrm>
-            <a:off x="7944541" y="2446165"/>
-            <a:ext cx="3042458" cy="0"/>
-          </a:xfrm>
-          <a:prstGeom prst="line">
-            <a:avLst/>
-          </a:prstGeom>
-          <a:ln w="53975">
-            <a:solidFill>
-              <a:schemeClr val="tx1"/>
-            </a:solidFill>
-            <a:prstDash val="sysDash"/>
-          </a:ln>
-        </p:spPr>
-        <p:style>
-          <a:lnRef idx="1">
-            <a:schemeClr val="accent1"/>
-          </a:lnRef>
-          <a:fillRef idx="0">
-            <a:schemeClr val="accent1"/>
-          </a:fillRef>
-          <a:effectRef idx="0">
-            <a:schemeClr val="accent1"/>
-          </a:effectRef>
-          <a:fontRef idx="minor">
-            <a:schemeClr val="tx1"/>
-          </a:fontRef>
-        </p:style>
-      </p:cxnSp>
-      <p:sp>
-        <p:nvSpPr>
-          <p:cNvPr id="15" name="TextBox 14">
-            <a:extLst>
-              <a:ext uri="{FF2B5EF4-FFF2-40B4-BE49-F238E27FC236}">
-                <a16:creationId xmlns:a16="http://schemas.microsoft.com/office/drawing/2014/main" id="{DF531BD6-939E-4061-A52C-1FF80CF75560}"/>
-              </a:ext>
-            </a:extLst>
-          </p:cNvPr>
-          <p:cNvSpPr txBox="1"/>
-          <p:nvPr/>
-        </p:nvSpPr>
-        <p:spPr>
-          <a:xfrm>
-            <a:off x="7944541" y="2545236"/>
-            <a:ext cx="3042458" cy="1295868"/>
-          </a:xfrm>
-          <a:prstGeom prst="rect">
-            <a:avLst/>
-          </a:prstGeom>
-          <a:noFill/>
-        </p:spPr>
-        <p:txBody>
-          <a:bodyPr wrap="square" rtlCol="0">
-            <a:spAutoFit/>
-          </a:bodyPr>
-          <a:lstStyle/>
-          <a:p>
-            <a:pPr>
-              <a:lnSpc>
-                <a:spcPct val="150000"/>
-              </a:lnSpc>
-            </a:pPr>
-            <a:r>
-              <a:rPr lang="en-US" altLang="ko-KR" dirty="0"/>
-              <a:t>PM </a:t>
-            </a:r>
-            <a:r>
-              <a:rPr lang="ko-KR" altLang="en-US" dirty="0"/>
-              <a:t>박 민 혁 </a:t>
-            </a:r>
-            <a:endParaRPr lang="en-US" altLang="ko-KR" dirty="0"/>
-          </a:p>
-          <a:p>
-            <a:pPr>
-              <a:lnSpc>
-                <a:spcPct val="150000"/>
-              </a:lnSpc>
-            </a:pPr>
-            <a:r>
-              <a:rPr lang="ko-KR" altLang="en-US" dirty="0"/>
-              <a:t>적정 모델 탐색</a:t>
-            </a:r>
-            <a:endParaRPr lang="en-US" altLang="ko-KR" dirty="0"/>
-          </a:p>
-          <a:p>
-            <a:pPr>
-              <a:lnSpc>
-                <a:spcPct val="150000"/>
-              </a:lnSpc>
-            </a:pPr>
-            <a:r>
-              <a:rPr lang="ko-KR" altLang="en-US" dirty="0"/>
-              <a:t>전반적 진행 상황 확인</a:t>
-            </a:r>
-            <a:endParaRPr lang="en-US" altLang="ko-KR" dirty="0"/>
-          </a:p>
-        </p:txBody>
-      </p:sp>
-      <p:cxnSp>
-        <p:nvCxnSpPr>
-          <p:cNvPr id="16" name="직선 연결선 15">
-            <a:extLst>
-              <a:ext uri="{FF2B5EF4-FFF2-40B4-BE49-F238E27FC236}">
-                <a16:creationId xmlns:a16="http://schemas.microsoft.com/office/drawing/2014/main" id="{55C730CC-BF78-4705-A63B-9478F0BA184F}"/>
-              </a:ext>
-            </a:extLst>
-          </p:cNvPr>
-          <p:cNvCxnSpPr/>
-          <p:nvPr/>
-        </p:nvCxnSpPr>
-        <p:spPr>
-          <a:xfrm>
-            <a:off x="2560320" y="6488417"/>
-            <a:ext cx="3042458" cy="0"/>
-          </a:xfrm>
-          <a:prstGeom prst="line">
-            <a:avLst/>
-          </a:prstGeom>
-          <a:ln w="53975">
-            <a:solidFill>
-              <a:schemeClr val="tx1"/>
-            </a:solidFill>
-            <a:prstDash val="sysDash"/>
-          </a:ln>
-        </p:spPr>
-        <p:style>
-          <a:lnRef idx="1">
-            <a:schemeClr val="accent1"/>
-          </a:lnRef>
-          <a:fillRef idx="0">
-            <a:schemeClr val="accent1"/>
-          </a:fillRef>
-          <a:effectRef idx="0">
-            <a:schemeClr val="accent1"/>
-          </a:effectRef>
-          <a:fontRef idx="minor">
-            <a:schemeClr val="tx1"/>
-          </a:fontRef>
-        </p:style>
-      </p:cxnSp>
-      <p:cxnSp>
-        <p:nvCxnSpPr>
-          <p:cNvPr id="17" name="직선 연결선 16">
-            <a:extLst>
-              <a:ext uri="{FF2B5EF4-FFF2-40B4-BE49-F238E27FC236}">
-                <a16:creationId xmlns:a16="http://schemas.microsoft.com/office/drawing/2014/main" id="{37AA000C-3043-4B56-8D8A-31A4CCA30E18}"/>
-              </a:ext>
-            </a:extLst>
-          </p:cNvPr>
-          <p:cNvCxnSpPr/>
-          <p:nvPr/>
-        </p:nvCxnSpPr>
-        <p:spPr>
-          <a:xfrm>
-            <a:off x="2560320" y="4630009"/>
-            <a:ext cx="3042458" cy="0"/>
-          </a:xfrm>
-          <a:prstGeom prst="line">
-            <a:avLst/>
-          </a:prstGeom>
-          <a:ln w="53975">
-            <a:solidFill>
-              <a:schemeClr val="tx1"/>
-            </a:solidFill>
-            <a:prstDash val="sysDash"/>
-          </a:ln>
-        </p:spPr>
-        <p:style>
-          <a:lnRef idx="1">
-            <a:schemeClr val="accent1"/>
-          </a:lnRef>
-          <a:fillRef idx="0">
-            <a:schemeClr val="accent1"/>
-          </a:fillRef>
-          <a:effectRef idx="0">
-            <a:schemeClr val="accent1"/>
-          </a:effectRef>
-          <a:fontRef idx="minor">
-            <a:schemeClr val="tx1"/>
-          </a:fontRef>
-        </p:style>
-      </p:cxnSp>
-      <p:sp>
-        <p:nvSpPr>
-          <p:cNvPr id="18" name="TextBox 17">
-            <a:extLst>
-              <a:ext uri="{FF2B5EF4-FFF2-40B4-BE49-F238E27FC236}">
-                <a16:creationId xmlns:a16="http://schemas.microsoft.com/office/drawing/2014/main" id="{F81374DA-6723-4317-8897-2A0F32CD595B}"/>
-              </a:ext>
-            </a:extLst>
-          </p:cNvPr>
-          <p:cNvSpPr txBox="1"/>
-          <p:nvPr/>
-        </p:nvSpPr>
-        <p:spPr>
-          <a:xfrm>
-            <a:off x="2560320" y="4729080"/>
-            <a:ext cx="3180604" cy="1709122"/>
-          </a:xfrm>
-          <a:prstGeom prst="rect">
-            <a:avLst/>
-          </a:prstGeom>
-          <a:noFill/>
-        </p:spPr>
-        <p:txBody>
-          <a:bodyPr wrap="square" rtlCol="0">
-            <a:spAutoFit/>
-          </a:bodyPr>
-          <a:lstStyle/>
-          <a:p>
-            <a:pPr>
-              <a:lnSpc>
-                <a:spcPct val="150000"/>
-              </a:lnSpc>
-            </a:pPr>
-            <a:r>
-              <a:rPr lang="ko-KR" altLang="en-US" dirty="0"/>
-              <a:t>김 대 현</a:t>
-            </a:r>
-            <a:endParaRPr lang="en-US" altLang="ko-KR" dirty="0"/>
-          </a:p>
-          <a:p>
-            <a:pPr>
-              <a:lnSpc>
-                <a:spcPct val="150000"/>
-              </a:lnSpc>
-            </a:pPr>
-            <a:r>
-              <a:rPr lang="ko-KR" altLang="en-US" dirty="0"/>
-              <a:t>쓰레기 처리 관련 데이터 수집</a:t>
-            </a:r>
-            <a:endParaRPr lang="en-US" altLang="ko-KR" dirty="0"/>
-          </a:p>
-          <a:p>
-            <a:pPr>
-              <a:lnSpc>
-                <a:spcPct val="150000"/>
-              </a:lnSpc>
-            </a:pPr>
-            <a:r>
-              <a:rPr lang="ko-KR" altLang="en-US" dirty="0"/>
-              <a:t>쓰레기 처리 관련 데이터 분석</a:t>
-            </a:r>
-            <a:endParaRPr lang="en-US" altLang="ko-KR" dirty="0"/>
-          </a:p>
-          <a:p>
-            <a:pPr>
-              <a:lnSpc>
-                <a:spcPct val="150000"/>
-              </a:lnSpc>
-            </a:pPr>
-            <a:r>
-              <a:rPr lang="ko-KR" altLang="en-US" dirty="0"/>
-              <a:t>발표 </a:t>
-            </a:r>
-            <a:r>
-              <a:rPr lang="en-US" altLang="ko-KR" dirty="0"/>
-              <a:t>PPT</a:t>
-            </a:r>
-            <a:r>
-              <a:rPr lang="ko-KR" altLang="en-US" dirty="0"/>
-              <a:t> 제작</a:t>
-            </a:r>
-            <a:endParaRPr lang="en-US" altLang="ko-KR" dirty="0"/>
-          </a:p>
-        </p:txBody>
-      </p:sp>
-      <p:cxnSp>
-        <p:nvCxnSpPr>
-          <p:cNvPr id="19" name="직선 연결선 18">
-            <a:extLst>
-              <a:ext uri="{FF2B5EF4-FFF2-40B4-BE49-F238E27FC236}">
-                <a16:creationId xmlns:a16="http://schemas.microsoft.com/office/drawing/2014/main" id="{BC991C64-BE63-414A-B5D4-DFB4D1C58393}"/>
-              </a:ext>
-            </a:extLst>
-          </p:cNvPr>
-          <p:cNvCxnSpPr/>
-          <p:nvPr/>
-        </p:nvCxnSpPr>
-        <p:spPr>
-          <a:xfrm>
-            <a:off x="7944541" y="6522920"/>
-            <a:ext cx="3042458" cy="0"/>
-          </a:xfrm>
-          <a:prstGeom prst="line">
-            <a:avLst/>
-          </a:prstGeom>
-          <a:ln w="53975">
-            <a:solidFill>
-              <a:schemeClr val="tx1"/>
-            </a:solidFill>
-            <a:prstDash val="sysDash"/>
-          </a:ln>
-        </p:spPr>
-        <p:style>
-          <a:lnRef idx="1">
-            <a:schemeClr val="accent1"/>
-          </a:lnRef>
-          <a:fillRef idx="0">
-            <a:schemeClr val="accent1"/>
-          </a:fillRef>
-          <a:effectRef idx="0">
-            <a:schemeClr val="accent1"/>
-          </a:effectRef>
-          <a:fontRef idx="minor">
-            <a:schemeClr val="tx1"/>
-          </a:fontRef>
-        </p:style>
-      </p:cxnSp>
-      <p:cxnSp>
-        <p:nvCxnSpPr>
-          <p:cNvPr id="20" name="직선 연결선 19">
-            <a:extLst>
-              <a:ext uri="{FF2B5EF4-FFF2-40B4-BE49-F238E27FC236}">
-                <a16:creationId xmlns:a16="http://schemas.microsoft.com/office/drawing/2014/main" id="{60E239F2-DF8F-4660-932D-6B71002E1B5C}"/>
-              </a:ext>
-            </a:extLst>
-          </p:cNvPr>
-          <p:cNvCxnSpPr/>
-          <p:nvPr/>
-        </p:nvCxnSpPr>
-        <p:spPr>
-          <a:xfrm>
-            <a:off x="7944541" y="4664513"/>
-            <a:ext cx="3042458" cy="0"/>
-          </a:xfrm>
-          <a:prstGeom prst="line">
-            <a:avLst/>
-          </a:prstGeom>
-          <a:ln w="53975">
-            <a:solidFill>
-              <a:schemeClr val="tx1"/>
-            </a:solidFill>
-            <a:prstDash val="sysDash"/>
-          </a:ln>
-        </p:spPr>
-        <p:style>
-          <a:lnRef idx="1">
-            <a:schemeClr val="accent1"/>
-          </a:lnRef>
-          <a:fillRef idx="0">
-            <a:schemeClr val="accent1"/>
-          </a:fillRef>
-          <a:effectRef idx="0">
-            <a:schemeClr val="accent1"/>
-          </a:effectRef>
-          <a:fontRef idx="minor">
-            <a:schemeClr val="tx1"/>
-          </a:fontRef>
-        </p:style>
-      </p:cxnSp>
-      <p:sp>
-        <p:nvSpPr>
-          <p:cNvPr id="21" name="TextBox 20">
-            <a:extLst>
-              <a:ext uri="{FF2B5EF4-FFF2-40B4-BE49-F238E27FC236}">
-                <a16:creationId xmlns:a16="http://schemas.microsoft.com/office/drawing/2014/main" id="{EE328E22-DC8D-47E1-A6E5-A0A9C5DE010F}"/>
-              </a:ext>
-            </a:extLst>
-          </p:cNvPr>
-          <p:cNvSpPr txBox="1"/>
-          <p:nvPr/>
-        </p:nvSpPr>
-        <p:spPr>
-          <a:xfrm>
-            <a:off x="7944541" y="4806714"/>
-            <a:ext cx="3180604" cy="1709122"/>
-          </a:xfrm>
-          <a:prstGeom prst="rect">
-            <a:avLst/>
-          </a:prstGeom>
-          <a:noFill/>
-        </p:spPr>
-        <p:txBody>
-          <a:bodyPr wrap="square" rtlCol="0">
-            <a:spAutoFit/>
-          </a:bodyPr>
-          <a:lstStyle/>
-          <a:p>
-            <a:pPr>
-              <a:lnSpc>
-                <a:spcPct val="150000"/>
-              </a:lnSpc>
-            </a:pPr>
-            <a:r>
-              <a:rPr lang="ko-KR" altLang="en-US" dirty="0"/>
-              <a:t>현 동 </a:t>
-            </a:r>
-            <a:r>
-              <a:rPr lang="ko-KR" altLang="en-US" dirty="0" err="1"/>
-              <a:t>엽</a:t>
-            </a:r>
-            <a:endParaRPr lang="en-US" altLang="ko-KR" dirty="0"/>
-          </a:p>
-          <a:p>
-            <a:pPr>
-              <a:lnSpc>
-                <a:spcPct val="150000"/>
-              </a:lnSpc>
-            </a:pPr>
-            <a:r>
-              <a:rPr lang="ko-KR" altLang="en-US" dirty="0"/>
-              <a:t>지역 데이터 수집</a:t>
-            </a:r>
-            <a:endParaRPr lang="en-US" altLang="ko-KR" dirty="0"/>
-          </a:p>
-          <a:p>
-            <a:pPr>
-              <a:lnSpc>
-                <a:spcPct val="150000"/>
-              </a:lnSpc>
-            </a:pPr>
-            <a:r>
-              <a:rPr lang="ko-KR" altLang="en-US" dirty="0"/>
-              <a:t>지역 데이터 분석</a:t>
-            </a:r>
-            <a:endParaRPr lang="en-US" altLang="ko-KR" dirty="0"/>
-          </a:p>
-          <a:p>
-            <a:pPr>
-              <a:lnSpc>
-                <a:spcPct val="150000"/>
-              </a:lnSpc>
-            </a:pPr>
-            <a:r>
-              <a:rPr lang="ko-KR" altLang="en-US" dirty="0"/>
-              <a:t>모델 탐색</a:t>
-            </a:r>
-            <a:endParaRPr lang="en-US" altLang="ko-KR" dirty="0"/>
-          </a:p>
-        </p:txBody>
-      </p:sp>
-      <p:sp>
-        <p:nvSpPr>
-          <p:cNvPr id="23" name="타원 22">
-            <a:extLst>
-              <a:ext uri="{FF2B5EF4-FFF2-40B4-BE49-F238E27FC236}">
-                <a16:creationId xmlns:a16="http://schemas.microsoft.com/office/drawing/2014/main" id="{53B79E2A-61BB-4E04-82EF-70C18E0BA532}"/>
-              </a:ext>
-            </a:extLst>
-          </p:cNvPr>
-          <p:cNvSpPr/>
-          <p:nvPr/>
-        </p:nvSpPr>
-        <p:spPr>
-          <a:xfrm>
-            <a:off x="6096000" y="2398143"/>
-            <a:ext cx="1656271" cy="1656271"/>
-          </a:xfrm>
-          <a:prstGeom prst="ellipse">
-            <a:avLst/>
-          </a:prstGeom>
-          <a:blipFill dpi="0" rotWithShape="1">
-            <a:blip r:embed="rId3">
-              <a:extLst>
-                <a:ext uri="{28A0092B-C50C-407E-A947-70E740481C1C}">
-                  <a14:useLocalDpi xmlns:a14="http://schemas.microsoft.com/office/drawing/2010/main" val="0"/>
-                </a:ext>
-              </a:extLst>
-            </a:blip>
-            <a:srcRect/>
-            <a:stretch>
-              <a:fillRect/>
-            </a:stretch>
-          </a:blipFill>
-          <a:ln>
-            <a:noFill/>
-          </a:ln>
-        </p:spPr>
-        <p:style>
-          <a:lnRef idx="2">
-            <a:schemeClr val="accent1">
-              <a:shade val="50000"/>
-            </a:schemeClr>
-          </a:lnRef>
-          <a:fillRef idx="1">
-            <a:schemeClr val="accent1"/>
-          </a:fillRef>
-          <a:effectRef idx="0">
-            <a:schemeClr val="accent1"/>
-          </a:effectRef>
-          <a:fontRef idx="minor">
-            <a:schemeClr val="lt1"/>
-          </a:fontRef>
-        </p:style>
-        <p:txBody>
-          <a:bodyPr rtlCol="0" anchor="ctr"/>
-          <a:lstStyle/>
-          <a:p>
-            <a:pPr algn="ctr"/>
-            <a:endParaRPr lang="ko-KR" altLang="en-US"/>
-          </a:p>
-        </p:txBody>
-      </p:sp>
-      <p:sp>
-        <p:nvSpPr>
-          <p:cNvPr id="24" name="타원 23">
-            <a:extLst>
-              <a:ext uri="{FF2B5EF4-FFF2-40B4-BE49-F238E27FC236}">
-                <a16:creationId xmlns:a16="http://schemas.microsoft.com/office/drawing/2014/main" id="{AD7A7F84-4EA4-4978-A8F7-DD1DBD370CC6}"/>
-              </a:ext>
-            </a:extLst>
-          </p:cNvPr>
-          <p:cNvSpPr/>
-          <p:nvPr/>
-        </p:nvSpPr>
-        <p:spPr>
-          <a:xfrm>
-            <a:off x="711779" y="2446165"/>
-            <a:ext cx="1656271" cy="1656271"/>
-          </a:xfrm>
-          <a:prstGeom prst="ellipse">
-            <a:avLst/>
-          </a:prstGeom>
-          <a:blipFill dpi="0" rotWithShape="1">
-            <a:blip r:embed="rId2">
-              <a:extLst>
-                <a:ext uri="{28A0092B-C50C-407E-A947-70E740481C1C}">
-                  <a14:useLocalDpi xmlns:a14="http://schemas.microsoft.com/office/drawing/2010/main" val="0"/>
-                </a:ext>
-              </a:extLst>
-            </a:blip>
-            <a:srcRect/>
-            <a:stretch>
-              <a:fillRect/>
-            </a:stretch>
-          </a:blipFill>
-          <a:ln>
-            <a:noFill/>
-          </a:ln>
-        </p:spPr>
-        <p:style>
-          <a:lnRef idx="2">
-            <a:schemeClr val="accent1">
-              <a:shade val="50000"/>
-            </a:schemeClr>
-          </a:lnRef>
-          <a:fillRef idx="1">
-            <a:schemeClr val="accent1"/>
-          </a:fillRef>
-          <a:effectRef idx="0">
-            <a:schemeClr val="accent1"/>
-          </a:effectRef>
-          <a:fontRef idx="minor">
-            <a:schemeClr val="lt1"/>
-          </a:fontRef>
-        </p:style>
-        <p:txBody>
-          <a:bodyPr rtlCol="0" anchor="ctr"/>
-          <a:lstStyle/>
-          <a:p>
-            <a:pPr algn="ctr"/>
-            <a:endParaRPr lang="ko-KR" altLang="en-US"/>
-          </a:p>
-        </p:txBody>
-      </p:sp>
-    </p:spTree>
-    <p:extLst>
-      <p:ext uri="{BB962C8B-B14F-4D97-AF65-F5344CB8AC3E}">
-        <p14:creationId xmlns:p14="http://schemas.microsoft.com/office/powerpoint/2010/main" val="1199911923"/>
-      </p:ext>
-    </p:extLst>
-  </p:cSld>
-  <p:clrMapOvr>
-    <a:masterClrMapping/>
-  </p:clrMapOvr>
-</p:sld>
-</file>
-
-<file path=ppt/slides/slide4.xml><?xml version="1.0" encoding="utf-8"?>
+<file path=ppt/slides/slide5.xml><?xml version="1.0" encoding="utf-8"?>
 <p:sld xmlns:a="http://schemas.openxmlformats.org/drawingml/2006/main" xmlns:r="http://schemas.openxmlformats.org/officeDocument/2006/relationships" xmlns:p="http://schemas.openxmlformats.org/presentationml/2006/main">
   <p:cSld>
     <p:spTree>
@@ -7083,7 +7251,7 @@
 </p:sld>
 </file>
 
-<file path=ppt/slides/slide5.xml><?xml version="1.0" encoding="utf-8"?>
+<file path=ppt/slides/slide6.xml><?xml version="1.0" encoding="utf-8"?>
 <p:sld xmlns:a="http://schemas.openxmlformats.org/drawingml/2006/main" xmlns:r="http://schemas.openxmlformats.org/officeDocument/2006/relationships" xmlns:p="http://schemas.openxmlformats.org/presentationml/2006/main">
   <p:cSld>
     <p:spTree>
@@ -7328,7 +7496,7 @@
 </p:sld>
 </file>
 
-<file path=ppt/slides/slide6.xml><?xml version="1.0" encoding="utf-8"?>
+<file path=ppt/slides/slide7.xml><?xml version="1.0" encoding="utf-8"?>
 <p:sld xmlns:a="http://schemas.openxmlformats.org/drawingml/2006/main" xmlns:r="http://schemas.openxmlformats.org/officeDocument/2006/relationships" xmlns:p="http://schemas.openxmlformats.org/presentationml/2006/main">
   <p:cSld>
     <p:spTree>
@@ -7619,7 +7787,7 @@
 </p:sld>
 </file>
 
-<file path=ppt/slides/slide7.xml><?xml version="1.0" encoding="utf-8"?>
+<file path=ppt/slides/slide8.xml><?xml version="1.0" encoding="utf-8"?>
 <p:sld xmlns:a="http://schemas.openxmlformats.org/drawingml/2006/main" xmlns:r="http://schemas.openxmlformats.org/officeDocument/2006/relationships" xmlns:p="http://schemas.openxmlformats.org/presentationml/2006/main">
   <p:cSld>
     <p:spTree>
@@ -8115,331 +8283,6 @@
 </p:sld>
 </file>
 
-<file path=ppt/slides/slide8.xml><?xml version="1.0" encoding="utf-8"?>
-<p:sld xmlns:a="http://schemas.openxmlformats.org/drawingml/2006/main" xmlns:r="http://schemas.openxmlformats.org/officeDocument/2006/relationships" xmlns:p="http://schemas.openxmlformats.org/presentationml/2006/main">
-  <p:cSld>
-    <p:spTree>
-      <p:nvGrpSpPr>
-        <p:cNvPr id="1" name=""/>
-        <p:cNvGrpSpPr/>
-        <p:nvPr/>
-      </p:nvGrpSpPr>
-      <p:grpSpPr>
-        <a:xfrm>
-          <a:off x="0" y="0"/>
-          <a:ext cx="0" cy="0"/>
-          <a:chOff x="0" y="0"/>
-          <a:chExt cx="0" cy="0"/>
-        </a:xfrm>
-      </p:grpSpPr>
-      <p:sp>
-        <p:nvSpPr>
-          <p:cNvPr id="2" name="제목 1">
-            <a:extLst>
-              <a:ext uri="{FF2B5EF4-FFF2-40B4-BE49-F238E27FC236}">
-                <a16:creationId xmlns:a16="http://schemas.microsoft.com/office/drawing/2014/main" id="{5573004E-1D02-4C3C-9DF7-AFE37041D6EA}"/>
-              </a:ext>
-            </a:extLst>
-          </p:cNvPr>
-          <p:cNvSpPr>
-            <a:spLocks noGrp="1"/>
-          </p:cNvSpPr>
-          <p:nvPr>
-            <p:ph type="title"/>
-          </p:nvPr>
-        </p:nvSpPr>
-        <p:spPr>
-          <a:xfrm>
-            <a:off x="490742" y="266591"/>
-            <a:ext cx="9784080" cy="1508760"/>
-          </a:xfrm>
-        </p:spPr>
-        <p:txBody>
-          <a:bodyPr/>
-          <a:lstStyle/>
-          <a:p>
-            <a:r>
-              <a:rPr lang="ko-KR" altLang="en-US" dirty="0"/>
-              <a:t>데이터 </a:t>
-            </a:r>
-            <a:r>
-              <a:rPr lang="ko-KR" altLang="en-US" dirty="0" err="1"/>
-              <a:t>전처리</a:t>
-            </a:r>
-            <a:r>
-              <a:rPr lang="ko-KR" altLang="en-US" dirty="0"/>
-              <a:t> 방향</a:t>
-            </a:r>
-          </a:p>
-        </p:txBody>
-      </p:sp>
-      <p:sp>
-        <p:nvSpPr>
-          <p:cNvPr id="4" name="TextBox 3">
-            <a:extLst>
-              <a:ext uri="{FF2B5EF4-FFF2-40B4-BE49-F238E27FC236}">
-                <a16:creationId xmlns:a16="http://schemas.microsoft.com/office/drawing/2014/main" id="{7D43268F-77D9-4E9D-B184-9A8C0360E789}"/>
-              </a:ext>
-            </a:extLst>
-          </p:cNvPr>
-          <p:cNvSpPr txBox="1"/>
-          <p:nvPr/>
-        </p:nvSpPr>
-        <p:spPr>
-          <a:xfrm>
-            <a:off x="575187" y="1929195"/>
-            <a:ext cx="9276736" cy="4661276"/>
-          </a:xfrm>
-          <a:prstGeom prst="rect">
-            <a:avLst/>
-          </a:prstGeom>
-          <a:noFill/>
-        </p:spPr>
-        <p:txBody>
-          <a:bodyPr wrap="square" rtlCol="0">
-            <a:spAutoFit/>
-          </a:bodyPr>
-          <a:lstStyle/>
-          <a:p>
-            <a:pPr>
-              <a:lnSpc>
-                <a:spcPct val="150000"/>
-              </a:lnSpc>
-            </a:pPr>
-            <a:r>
-              <a:rPr lang="ko-KR" altLang="en-US" sz="2000" dirty="0" err="1"/>
-              <a:t>ㅇ</a:t>
-            </a:r>
-            <a:r>
-              <a:rPr lang="ko-KR" altLang="en-US" sz="2000" dirty="0"/>
-              <a:t> 제주도 지역별 데이터와 쓰레기 배출량 상관 관계 분석</a:t>
-            </a:r>
-            <a:endParaRPr lang="en-US" altLang="ko-KR" sz="2000" dirty="0"/>
-          </a:p>
-          <a:p>
-            <a:pPr>
-              <a:lnSpc>
-                <a:spcPct val="150000"/>
-              </a:lnSpc>
-            </a:pPr>
-            <a:r>
-              <a:rPr lang="en-US" altLang="ko-KR" sz="2000" dirty="0"/>
-              <a:t>  </a:t>
-            </a:r>
-          </a:p>
-          <a:p>
-            <a:pPr>
-              <a:lnSpc>
-                <a:spcPct val="150000"/>
-              </a:lnSpc>
-            </a:pPr>
-            <a:r>
-              <a:rPr lang="ko-KR" altLang="en-US" sz="2000" dirty="0" err="1"/>
-              <a:t>ㅇ</a:t>
-            </a:r>
-            <a:r>
-              <a:rPr lang="ko-KR" altLang="en-US" sz="2000" dirty="0"/>
-              <a:t> 동 별 </a:t>
-            </a:r>
-            <a:r>
-              <a:rPr lang="ko-KR" altLang="en-US" sz="2000" dirty="0" err="1"/>
-              <a:t>재활용도움센터</a:t>
-            </a:r>
-            <a:r>
-              <a:rPr lang="ko-KR" altLang="en-US" sz="2000" dirty="0"/>
-              <a:t> 및 </a:t>
-            </a:r>
-            <a:r>
-              <a:rPr lang="ko-KR" altLang="en-US" sz="2000" dirty="0" err="1"/>
-              <a:t>클린하우스</a:t>
-            </a:r>
-            <a:r>
-              <a:rPr lang="ko-KR" altLang="en-US" sz="2000" dirty="0"/>
-              <a:t> 구분</a:t>
-            </a:r>
-            <a:endParaRPr lang="en-US" altLang="ko-KR" sz="2000" dirty="0"/>
-          </a:p>
-          <a:p>
-            <a:pPr>
-              <a:lnSpc>
-                <a:spcPct val="150000"/>
-              </a:lnSpc>
-            </a:pPr>
-            <a:endParaRPr lang="en-US" altLang="ko-KR" sz="2000" dirty="0"/>
-          </a:p>
-          <a:p>
-            <a:pPr>
-              <a:lnSpc>
-                <a:spcPct val="150000"/>
-              </a:lnSpc>
-            </a:pPr>
-            <a:r>
-              <a:rPr lang="ko-KR" altLang="en-US" sz="2000" dirty="0" err="1"/>
-              <a:t>ㅇ</a:t>
-            </a:r>
-            <a:r>
-              <a:rPr lang="ko-KR" altLang="en-US" sz="2000" dirty="0"/>
-              <a:t> 쓰레기 배출량 </a:t>
-            </a:r>
-            <a:r>
-              <a:rPr lang="en-US" altLang="ko-KR" sz="2000" dirty="0"/>
-              <a:t>/ (</a:t>
-            </a:r>
-            <a:r>
-              <a:rPr lang="ko-KR" altLang="en-US" sz="2000" dirty="0" err="1"/>
-              <a:t>클린하우스</a:t>
-            </a:r>
-            <a:r>
-              <a:rPr lang="ko-KR" altLang="en-US" sz="2000" dirty="0"/>
-              <a:t> </a:t>
-            </a:r>
-            <a:r>
-              <a:rPr lang="en-US" altLang="ko-KR" sz="2000" dirty="0"/>
-              <a:t>+ </a:t>
-            </a:r>
-            <a:r>
-              <a:rPr lang="ko-KR" altLang="en-US" sz="2000" dirty="0" err="1"/>
-              <a:t>재활용도움센터</a:t>
-            </a:r>
-            <a:r>
-              <a:rPr lang="en-US" altLang="ko-KR" sz="2000" dirty="0"/>
-              <a:t>)</a:t>
-            </a:r>
-          </a:p>
-          <a:p>
-            <a:pPr>
-              <a:lnSpc>
-                <a:spcPct val="150000"/>
-              </a:lnSpc>
-            </a:pPr>
-            <a:endParaRPr lang="en-US" altLang="ko-KR" sz="2000" dirty="0"/>
-          </a:p>
-          <a:p>
-            <a:pPr>
-              <a:lnSpc>
-                <a:spcPct val="150000"/>
-              </a:lnSpc>
-            </a:pPr>
-            <a:r>
-              <a:rPr lang="en-US" altLang="ko-KR" sz="2000" dirty="0">
-                <a:sym typeface="Wingdings" panose="05000000000000000000" pitchFamily="2" charset="2"/>
-              </a:rPr>
-              <a:t>   </a:t>
-            </a:r>
-            <a:r>
-              <a:rPr lang="ko-KR" altLang="en-US" sz="2000" dirty="0">
-                <a:sym typeface="Wingdings" panose="05000000000000000000" pitchFamily="2" charset="2"/>
-              </a:rPr>
-              <a:t>지역별 쓰레기 배출량 파악</a:t>
-            </a:r>
-            <a:endParaRPr lang="en-US" altLang="ko-KR" sz="2000" dirty="0">
-              <a:sym typeface="Wingdings" panose="05000000000000000000" pitchFamily="2" charset="2"/>
-            </a:endParaRPr>
-          </a:p>
-          <a:p>
-            <a:pPr>
-              <a:lnSpc>
-                <a:spcPct val="150000"/>
-              </a:lnSpc>
-            </a:pPr>
-            <a:r>
-              <a:rPr lang="en-US" altLang="ko-KR" sz="2000" dirty="0">
-                <a:sym typeface="Wingdings" panose="05000000000000000000" pitchFamily="2" charset="2"/>
-              </a:rPr>
-              <a:t>   </a:t>
-            </a:r>
-            <a:r>
-              <a:rPr lang="ko-KR" altLang="en-US" sz="2000" dirty="0">
-                <a:sym typeface="Wingdings" panose="05000000000000000000" pitchFamily="2" charset="2"/>
-              </a:rPr>
-              <a:t>기존의 </a:t>
-            </a:r>
-            <a:r>
-              <a:rPr lang="ko-KR" altLang="en-US" sz="2000" dirty="0" err="1">
-                <a:sym typeface="Wingdings" panose="05000000000000000000" pitchFamily="2" charset="2"/>
-              </a:rPr>
-              <a:t>재활용도움센터</a:t>
-            </a:r>
-            <a:r>
-              <a:rPr lang="ko-KR" altLang="en-US" sz="2000" dirty="0">
-                <a:sym typeface="Wingdings" panose="05000000000000000000" pitchFamily="2" charset="2"/>
-              </a:rPr>
-              <a:t> 위치를 바탕으로 지역 인구밀집도</a:t>
-            </a:r>
-            <a:r>
-              <a:rPr lang="en-US" altLang="ko-KR" sz="2000" dirty="0">
-                <a:sym typeface="Wingdings" panose="05000000000000000000" pitchFamily="2" charset="2"/>
-              </a:rPr>
-              <a:t>, </a:t>
-            </a:r>
-            <a:r>
-              <a:rPr lang="ko-KR" altLang="en-US" sz="2000" dirty="0">
-                <a:sym typeface="Wingdings" panose="05000000000000000000" pitchFamily="2" charset="2"/>
-              </a:rPr>
-              <a:t>쓰레기 배출량을        </a:t>
-            </a:r>
-            <a:endParaRPr lang="en-US" altLang="ko-KR" sz="2000" dirty="0">
-              <a:sym typeface="Wingdings" panose="05000000000000000000" pitchFamily="2" charset="2"/>
-            </a:endParaRPr>
-          </a:p>
-          <a:p>
-            <a:pPr>
-              <a:lnSpc>
-                <a:spcPct val="150000"/>
-              </a:lnSpc>
-            </a:pPr>
-            <a:r>
-              <a:rPr lang="en-US" altLang="ko-KR" sz="2000" dirty="0">
-                <a:sym typeface="Wingdings" panose="05000000000000000000" pitchFamily="2" charset="2"/>
-              </a:rPr>
-              <a:t>         </a:t>
-            </a:r>
-            <a:r>
-              <a:rPr lang="ko-KR" altLang="en-US" sz="2000" dirty="0">
-                <a:sym typeface="Wingdings" panose="05000000000000000000" pitchFamily="2" charset="2"/>
-              </a:rPr>
-              <a:t>비교하여 </a:t>
-            </a:r>
-            <a:r>
-              <a:rPr lang="ko-KR" altLang="en-US" sz="2000" dirty="0" err="1">
-                <a:sym typeface="Wingdings" panose="05000000000000000000" pitchFamily="2" charset="2"/>
-              </a:rPr>
-              <a:t>재활용도움센터의</a:t>
-            </a:r>
-            <a:r>
-              <a:rPr lang="ko-KR" altLang="en-US" sz="2000" dirty="0">
-                <a:sym typeface="Wingdings" panose="05000000000000000000" pitchFamily="2" charset="2"/>
-              </a:rPr>
-              <a:t> 추가 설치 필요지역 탐색</a:t>
-            </a:r>
-            <a:endParaRPr lang="en-US" altLang="ko-KR" sz="2000" dirty="0"/>
-          </a:p>
-          <a:p>
-            <a:pPr>
-              <a:lnSpc>
-                <a:spcPct val="150000"/>
-              </a:lnSpc>
-            </a:pPr>
-            <a:r>
-              <a:rPr lang="en-US" altLang="ko-KR" sz="2000" dirty="0"/>
-              <a:t>  </a:t>
-            </a:r>
-          </a:p>
-        </p:txBody>
-      </p:sp>
-    </p:spTree>
-    <p:extLst>
-      <p:ext uri="{BB962C8B-B14F-4D97-AF65-F5344CB8AC3E}">
-        <p14:creationId xmlns:p14="http://schemas.microsoft.com/office/powerpoint/2010/main" val="1473660708"/>
-      </p:ext>
-    </p:extLst>
-  </p:cSld>
-  <p:clrMapOvr>
-    <a:masterClrMapping/>
-  </p:clrMapOvr>
-</p:sld>
-</file>
-
 <file path=ppt/slides/slide9.xml><?xml version="1.0" encoding="utf-8"?>
 <p:sld xmlns:a="http://schemas.openxmlformats.org/drawingml/2006/main" xmlns:r="http://schemas.openxmlformats.org/officeDocument/2006/relationships" xmlns:p="http://schemas.openxmlformats.org/presentationml/2006/main">
   <p:cSld>
@@ -8475,7 +8318,7 @@
         </p:nvSpPr>
         <p:spPr>
           <a:xfrm>
-            <a:off x="490742" y="284176"/>
+            <a:off x="490742" y="266591"/>
             <a:ext cx="9784080" cy="1508760"/>
           </a:xfrm>
         </p:spPr>
@@ -8485,7 +8328,15 @@
           <a:p>
             <a:r>
               <a:rPr lang="ko-KR" altLang="en-US" dirty="0"/>
-              <a:t>기대효과</a:t>
+              <a:t>데이터 </a:t>
+            </a:r>
+            <a:r>
+              <a:rPr lang="ko-KR" altLang="en-US" dirty="0" err="1"/>
+              <a:t>전처리</a:t>
+            </a:r>
+            <a:r>
+              <a:rPr lang="ko-KR" altLang="en-US" dirty="0"/>
+              <a:t> 방향</a:t>
             </a:r>
           </a:p>
         </p:txBody>
@@ -8504,8 +8355,8 @@
         </p:nvSpPr>
         <p:spPr>
           <a:xfrm>
-            <a:off x="575187" y="2330245"/>
-            <a:ext cx="9276736" cy="1938992"/>
+            <a:off x="575187" y="1929195"/>
+            <a:ext cx="9276736" cy="4661276"/>
           </a:xfrm>
           <a:prstGeom prst="rect">
             <a:avLst/>
@@ -8518,85 +8369,236 @@
           </a:bodyPr>
           <a:lstStyle/>
           <a:p>
+            <a:pPr>
+              <a:lnSpc>
+                <a:spcPct val="150000"/>
+              </a:lnSpc>
+            </a:pPr>
             <a:r>
               <a:rPr lang="ko-KR" altLang="en-US" sz="2000" dirty="0" err="1"/>
               <a:t>ㅇ</a:t>
             </a:r>
             <a:r>
               <a:rPr lang="ko-KR" altLang="en-US" sz="2000" dirty="0"/>
-              <a:t> </a:t>
+              <a:t> 제주도 지역별 데이터와 쓰레기 배출량 상관 관계 분석</a:t>
+            </a:r>
+            <a:endParaRPr lang="en-US" altLang="ko-KR" sz="2000" dirty="0"/>
+          </a:p>
+          <a:p>
+            <a:pPr>
+              <a:lnSpc>
+                <a:spcPct val="150000"/>
+              </a:lnSpc>
+            </a:pPr>
+            <a:r>
+              <a:rPr lang="en-US" altLang="ko-KR" sz="2000" dirty="0"/>
+              <a:t>  </a:t>
+            </a:r>
+          </a:p>
+          <a:p>
+            <a:pPr>
+              <a:lnSpc>
+                <a:spcPct val="150000"/>
+              </a:lnSpc>
+            </a:pPr>
+            <a:r>
+              <a:rPr lang="ko-KR" altLang="en-US" sz="2000" dirty="0" err="1"/>
+              <a:t>ㅇ</a:t>
+            </a:r>
+            <a:r>
+              <a:rPr lang="ko-KR" altLang="en-US" sz="2000" dirty="0"/>
+              <a:t> 동 별 </a:t>
+            </a:r>
+            <a:r>
+              <a:rPr lang="ko-KR" altLang="en-US" sz="2000" dirty="0" err="1"/>
+              <a:t>재활용도움센터</a:t>
+            </a:r>
+            <a:r>
+              <a:rPr lang="ko-KR" altLang="en-US" sz="2000" dirty="0"/>
+              <a:t> 및 </a:t>
             </a:r>
             <a:r>
               <a:rPr lang="ko-KR" altLang="en-US" sz="2000" dirty="0" err="1"/>
               <a:t>클린하우스</a:t>
             </a:r>
             <a:r>
+              <a:rPr lang="ko-KR" altLang="en-US" sz="2000" dirty="0"/>
+              <a:t> 구분</a:t>
+            </a:r>
+            <a:endParaRPr lang="en-US" altLang="ko-KR" sz="2000" dirty="0"/>
+          </a:p>
+          <a:p>
+            <a:pPr>
+              <a:lnSpc>
+                <a:spcPct val="150000"/>
+              </a:lnSpc>
+            </a:pPr>
+            <a:endParaRPr lang="en-US" altLang="ko-KR" sz="2000" dirty="0"/>
+          </a:p>
+          <a:p>
+            <a:pPr>
+              <a:lnSpc>
+                <a:spcPct val="150000"/>
+              </a:lnSpc>
+            </a:pPr>
+            <a:r>
+              <a:rPr lang="ko-KR" altLang="en-US" sz="2000" dirty="0" err="1"/>
+              <a:t>ㅇ</a:t>
+            </a:r>
+            <a:r>
+              <a:rPr lang="ko-KR" altLang="en-US" sz="2000" dirty="0"/>
+              <a:t> 쓰레기 배출량 </a:t>
+            </a:r>
+            <a:r>
               <a:rPr lang="en-US" altLang="ko-KR" sz="2000" dirty="0"/>
-              <a:t>, </a:t>
+              <a:t>/ (</a:t>
+            </a:r>
+            <a:r>
+              <a:rPr lang="ko-KR" altLang="en-US" sz="2000" dirty="0" err="1"/>
+              <a:t>클린하우스</a:t>
+            </a:r>
+            <a:r>
+              <a:rPr lang="ko-KR" altLang="en-US" sz="2000" dirty="0"/>
+              <a:t> </a:t>
+            </a:r>
+            <a:r>
+              <a:rPr lang="en-US" altLang="ko-KR" sz="2000" dirty="0"/>
+              <a:t>+ </a:t>
             </a:r>
             <a:r>
               <a:rPr lang="ko-KR" altLang="en-US" sz="2000" dirty="0" err="1"/>
               <a:t>재활용도움센터</a:t>
             </a:r>
             <a:r>
-              <a:rPr lang="ko-KR" altLang="en-US" sz="2000" dirty="0"/>
-              <a:t> 하나 당 효용성을 파악할 수 있음</a:t>
-            </a:r>
+              <a:rPr lang="en-US" altLang="ko-KR" sz="2000" dirty="0"/>
+              <a:t>)</a:t>
+            </a:r>
+          </a:p>
+          <a:p>
+            <a:pPr>
+              <a:lnSpc>
+                <a:spcPct val="150000"/>
+              </a:lnSpc>
+            </a:pPr>
             <a:endParaRPr lang="en-US" altLang="ko-KR" sz="2000" dirty="0"/>
           </a:p>
           <a:p>
+            <a:pPr>
+              <a:lnSpc>
+                <a:spcPct val="150000"/>
+              </a:lnSpc>
+            </a:pPr>
+            <a:r>
+              <a:rPr lang="en-US" altLang="ko-KR" sz="2000" dirty="0">
+                <a:sym typeface="Wingdings" panose="05000000000000000000" pitchFamily="2" charset="2"/>
+              </a:rPr>
+              <a:t>   </a:t>
+            </a:r>
+            <a:r>
+              <a:rPr lang="ko-KR" altLang="en-US" sz="2000" dirty="0">
+                <a:sym typeface="Wingdings" panose="05000000000000000000" pitchFamily="2" charset="2"/>
+              </a:rPr>
+              <a:t>지역별 쓰레기 배출량 파악</a:t>
+            </a:r>
+            <a:endParaRPr lang="en-US" altLang="ko-KR" sz="2000" dirty="0">
+              <a:sym typeface="Wingdings" panose="05000000000000000000" pitchFamily="2" charset="2"/>
+            </a:endParaRPr>
+          </a:p>
+          <a:p>
+            <a:pPr>
+              <a:lnSpc>
+                <a:spcPct val="150000"/>
+              </a:lnSpc>
+            </a:pPr>
+            <a:r>
+              <a:rPr lang="en-US" altLang="ko-KR" sz="2000" dirty="0">
+                <a:sym typeface="Wingdings" panose="05000000000000000000" pitchFamily="2" charset="2"/>
+              </a:rPr>
+              <a:t>   </a:t>
+            </a:r>
+            <a:r>
+              <a:rPr lang="ko-KR" altLang="en-US" sz="2000" dirty="0">
+                <a:sym typeface="Wingdings" panose="05000000000000000000" pitchFamily="2" charset="2"/>
+              </a:rPr>
+              <a:t>기존의 </a:t>
+            </a:r>
+            <a:r>
+              <a:rPr lang="ko-KR" altLang="en-US" sz="2000" dirty="0" err="1">
+                <a:sym typeface="Wingdings" panose="05000000000000000000" pitchFamily="2" charset="2"/>
+              </a:rPr>
+              <a:t>재활용도움센터</a:t>
+            </a:r>
+            <a:r>
+              <a:rPr lang="ko-KR" altLang="en-US" sz="2000" dirty="0">
+                <a:sym typeface="Wingdings" panose="05000000000000000000" pitchFamily="2" charset="2"/>
+              </a:rPr>
+              <a:t> 위치를 바탕으로 지역 인구밀집도</a:t>
+            </a:r>
+            <a:r>
+              <a:rPr lang="en-US" altLang="ko-KR" sz="2000" dirty="0">
+                <a:sym typeface="Wingdings" panose="05000000000000000000" pitchFamily="2" charset="2"/>
+              </a:rPr>
+              <a:t>, </a:t>
+            </a:r>
+            <a:r>
+              <a:rPr lang="ko-KR" altLang="en-US" sz="2000" dirty="0">
+                <a:sym typeface="Wingdings" panose="05000000000000000000" pitchFamily="2" charset="2"/>
+              </a:rPr>
+              <a:t>쓰레기 배출량을        </a:t>
+            </a:r>
+            <a:endParaRPr lang="en-US" altLang="ko-KR" sz="2000" dirty="0">
+              <a:sym typeface="Wingdings" panose="05000000000000000000" pitchFamily="2" charset="2"/>
+            </a:endParaRPr>
+          </a:p>
+          <a:p>
+            <a:pPr>
+              <a:lnSpc>
+                <a:spcPct val="150000"/>
+              </a:lnSpc>
+            </a:pPr>
+            <a:r>
+              <a:rPr lang="en-US" altLang="ko-KR" sz="2000" dirty="0">
+                <a:sym typeface="Wingdings" panose="05000000000000000000" pitchFamily="2" charset="2"/>
+              </a:rPr>
+              <a:t>         </a:t>
+            </a:r>
+            <a:r>
+              <a:rPr lang="ko-KR" altLang="en-US" sz="2000" dirty="0">
+                <a:sym typeface="Wingdings" panose="05000000000000000000" pitchFamily="2" charset="2"/>
+              </a:rPr>
+              <a:t>비교하여 </a:t>
+            </a:r>
+            <a:r>
+              <a:rPr lang="ko-KR" altLang="en-US" sz="2000" dirty="0" err="1">
+                <a:sym typeface="Wingdings" panose="05000000000000000000" pitchFamily="2" charset="2"/>
+              </a:rPr>
+              <a:t>재활용도움센터의</a:t>
+            </a:r>
+            <a:r>
+              <a:rPr lang="ko-KR" altLang="en-US" sz="2000" dirty="0">
+                <a:sym typeface="Wingdings" panose="05000000000000000000" pitchFamily="2" charset="2"/>
+              </a:rPr>
+              <a:t> 추가 설치 필요지역 탐색</a:t>
+            </a:r>
             <a:endParaRPr lang="en-US" altLang="ko-KR" sz="2000" dirty="0"/>
           </a:p>
           <a:p>
-            <a:r>
-              <a:rPr lang="ko-KR" altLang="en-US" sz="2000" dirty="0" err="1"/>
-              <a:t>ㅇ</a:t>
-            </a:r>
-            <a:r>
-              <a:rPr lang="ko-KR" altLang="en-US" sz="2000" dirty="0"/>
-              <a:t> </a:t>
-            </a:r>
-            <a:r>
-              <a:rPr lang="ko-KR" altLang="en-US" sz="2000" dirty="0" err="1"/>
-              <a:t>재활용도움센터의</a:t>
-            </a:r>
-            <a:r>
-              <a:rPr lang="ko-KR" altLang="en-US" sz="2000" dirty="0"/>
-              <a:t> 추가적인 설치가 필요한  지역을 추정 가능</a:t>
-            </a:r>
-            <a:endParaRPr lang="en-US" altLang="ko-KR" sz="2000" dirty="0"/>
-          </a:p>
-          <a:p>
+            <a:pPr>
+              <a:lnSpc>
+                <a:spcPct val="150000"/>
+              </a:lnSpc>
+            </a:pPr>
             <a:r>
               <a:rPr lang="en-US" altLang="ko-KR" sz="2000" dirty="0"/>
-              <a:t>   - </a:t>
-            </a:r>
-            <a:r>
-              <a:rPr lang="ko-KR" altLang="en-US" sz="2000" dirty="0"/>
-              <a:t>필요 없는 지역에 설치하는 예산낭비 방지 가능</a:t>
-            </a:r>
-            <a:endParaRPr lang="en-US" altLang="ko-KR" sz="2000" dirty="0"/>
-          </a:p>
-          <a:p>
-            <a:endParaRPr lang="en-US" altLang="ko-KR" sz="2000" dirty="0"/>
-          </a:p>
-          <a:p>
-            <a:r>
-              <a:rPr lang="ko-KR" altLang="en-US" sz="2000" dirty="0" err="1"/>
-              <a:t>ㅇ</a:t>
-            </a:r>
-            <a:r>
-              <a:rPr lang="ko-KR" altLang="en-US" sz="2000" dirty="0"/>
-              <a:t> 도민들의 재활용에 대한 인식을 바꿀 수 있음</a:t>
-            </a:r>
-            <a:endParaRPr lang="en-US" altLang="ko-KR" sz="2000" dirty="0"/>
+              <a:t>  </a:t>
+            </a:r>
           </a:p>
         </p:txBody>
       </p:sp>
     </p:spTree>
     <p:extLst>
       <p:ext uri="{BB962C8B-B14F-4D97-AF65-F5344CB8AC3E}">
-        <p14:creationId xmlns:p14="http://schemas.microsoft.com/office/powerpoint/2010/main" val="3884077143"/>
+        <p14:creationId xmlns:p14="http://schemas.microsoft.com/office/powerpoint/2010/main" val="1473660708"/>
       </p:ext>
     </p:extLst>
   </p:cSld>

--- a/3조- 계획서.pptx
+++ b/3조- 계획서.pptx
@@ -8,15 +8,16 @@
     <p:sldId id="256" r:id="rId2"/>
     <p:sldId id="257" r:id="rId3"/>
     <p:sldId id="267" r:id="rId4"/>
-    <p:sldId id="266" r:id="rId5"/>
-    <p:sldId id="258" r:id="rId6"/>
-    <p:sldId id="259" r:id="rId7"/>
+    <p:sldId id="258" r:id="rId5"/>
+    <p:sldId id="259" r:id="rId6"/>
+    <p:sldId id="268" r:id="rId7"/>
     <p:sldId id="265" r:id="rId8"/>
     <p:sldId id="260" r:id="rId9"/>
     <p:sldId id="261" r:id="rId10"/>
     <p:sldId id="262" r:id="rId11"/>
-    <p:sldId id="263" r:id="rId12"/>
-    <p:sldId id="264" r:id="rId13"/>
+    <p:sldId id="266" r:id="rId12"/>
+    <p:sldId id="263" r:id="rId13"/>
+    <p:sldId id="264" r:id="rId14"/>
   </p:sldIdLst>
   <p:sldSz cx="12192000" cy="6858000"/>
   <p:notesSz cx="6858000" cy="9144000"/>
@@ -194,6 +195,14 @@
           </a:p>
         </c:rich>
       </c:tx>
+      <c:layout>
+        <c:manualLayout>
+          <c:xMode val="edge"/>
+          <c:yMode val="edge"/>
+          <c:x val="0.2419791509238334"/>
+          <c:y val="6.3234934035331897E-2"/>
+        </c:manualLayout>
+      </c:layout>
       <c:overlay val="0"/>
       <c:spPr>
         <a:noFill/>
@@ -267,253 +276,6 @@
       <c:layout/>
       <c:pie3DChart>
         <c:varyColors val="1"/>
-        <c:ser>
-          <c:idx val="0"/>
-          <c:order val="0"/>
-          <c:tx>
-            <c:strRef>
-              <c:f>데이터!$B$59</c:f>
-              <c:strCache>
-                <c:ptCount val="1"/>
-                <c:pt idx="0">
-                  <c:v>소계</c:v>
-                </c:pt>
-              </c:strCache>
-            </c:strRef>
-          </c:tx>
-          <c:dPt>
-            <c:idx val="0"/>
-            <c:bubble3D val="0"/>
-            <c:spPr>
-              <a:solidFill>
-                <a:schemeClr val="accent1"/>
-              </a:solidFill>
-              <a:ln w="25400">
-                <a:solidFill>
-                  <a:schemeClr val="lt1"/>
-                </a:solidFill>
-              </a:ln>
-              <a:effectLst/>
-              <a:sp3d contourW="25400">
-                <a:contourClr>
-                  <a:schemeClr val="lt1"/>
-                </a:contourClr>
-              </a:sp3d>
-            </c:spPr>
-            <c:extLst>
-              <c:ext xmlns:c16="http://schemas.microsoft.com/office/drawing/2014/chart" uri="{C3380CC4-5D6E-409C-BE32-E72D297353CC}">
-                <c16:uniqueId val="{00000001-9FD1-4CA7-B830-703DB343BAB9}"/>
-              </c:ext>
-            </c:extLst>
-          </c:dPt>
-          <c:dPt>
-            <c:idx val="1"/>
-            <c:bubble3D val="0"/>
-            <c:spPr>
-              <a:solidFill>
-                <a:schemeClr val="accent2"/>
-              </a:solidFill>
-              <a:ln w="25400">
-                <a:solidFill>
-                  <a:schemeClr val="lt1"/>
-                </a:solidFill>
-              </a:ln>
-              <a:effectLst/>
-              <a:sp3d contourW="25400">
-                <a:contourClr>
-                  <a:schemeClr val="lt1"/>
-                </a:contourClr>
-              </a:sp3d>
-            </c:spPr>
-            <c:extLst>
-              <c:ext xmlns:c16="http://schemas.microsoft.com/office/drawing/2014/chart" uri="{C3380CC4-5D6E-409C-BE32-E72D297353CC}">
-                <c16:uniqueId val="{00000003-9FD1-4CA7-B830-703DB343BAB9}"/>
-              </c:ext>
-            </c:extLst>
-          </c:dPt>
-          <c:dPt>
-            <c:idx val="2"/>
-            <c:bubble3D val="0"/>
-            <c:spPr>
-              <a:solidFill>
-                <a:schemeClr val="accent3"/>
-              </a:solidFill>
-              <a:ln w="25400">
-                <a:solidFill>
-                  <a:schemeClr val="lt1"/>
-                </a:solidFill>
-              </a:ln>
-              <a:effectLst/>
-              <a:sp3d contourW="25400">
-                <a:contourClr>
-                  <a:schemeClr val="lt1"/>
-                </a:contourClr>
-              </a:sp3d>
-            </c:spPr>
-            <c:extLst>
-              <c:ext xmlns:c16="http://schemas.microsoft.com/office/drawing/2014/chart" uri="{C3380CC4-5D6E-409C-BE32-E72D297353CC}">
-                <c16:uniqueId val="{00000005-9FD1-4CA7-B830-703DB343BAB9}"/>
-              </c:ext>
-            </c:extLst>
-          </c:dPt>
-          <c:dPt>
-            <c:idx val="3"/>
-            <c:bubble3D val="0"/>
-            <c:spPr>
-              <a:solidFill>
-                <a:schemeClr val="accent4"/>
-              </a:solidFill>
-              <a:ln w="25400">
-                <a:solidFill>
-                  <a:schemeClr val="lt1"/>
-                </a:solidFill>
-              </a:ln>
-              <a:effectLst/>
-              <a:sp3d contourW="25400">
-                <a:contourClr>
-                  <a:schemeClr val="lt1"/>
-                </a:contourClr>
-              </a:sp3d>
-            </c:spPr>
-            <c:extLst>
-              <c:ext xmlns:c16="http://schemas.microsoft.com/office/drawing/2014/chart" uri="{C3380CC4-5D6E-409C-BE32-E72D297353CC}">
-                <c16:uniqueId val="{00000007-9FD1-4CA7-B830-703DB343BAB9}"/>
-              </c:ext>
-            </c:extLst>
-          </c:dPt>
-          <c:dPt>
-            <c:idx val="4"/>
-            <c:bubble3D val="0"/>
-            <c:spPr>
-              <a:solidFill>
-                <a:schemeClr val="accent5"/>
-              </a:solidFill>
-              <a:ln w="25400">
-                <a:solidFill>
-                  <a:schemeClr val="lt1"/>
-                </a:solidFill>
-              </a:ln>
-              <a:effectLst/>
-              <a:sp3d contourW="25400">
-                <a:contourClr>
-                  <a:schemeClr val="lt1"/>
-                </a:contourClr>
-              </a:sp3d>
-            </c:spPr>
-            <c:extLst>
-              <c:ext xmlns:c16="http://schemas.microsoft.com/office/drawing/2014/chart" uri="{C3380CC4-5D6E-409C-BE32-E72D297353CC}">
-                <c16:uniqueId val="{00000009-9FD1-4CA7-B830-703DB343BAB9}"/>
-              </c:ext>
-            </c:extLst>
-          </c:dPt>
-          <c:dLbls>
-            <c:spPr>
-              <a:noFill/>
-              <a:ln>
-                <a:noFill/>
-              </a:ln>
-              <a:effectLst/>
-            </c:spPr>
-            <c:txPr>
-              <a:bodyPr rot="0" spcFirstLastPara="1" vertOverflow="ellipsis" vert="horz" wrap="square" lIns="38100" tIns="19050" rIns="38100" bIns="19050" anchor="ctr" anchorCtr="1">
-                <a:spAutoFit/>
-              </a:bodyPr>
-              <a:lstStyle/>
-              <a:p>
-                <a:pPr>
-                  <a:defRPr sz="900" b="0" i="0" u="none" strike="noStrike" kern="1200" baseline="0">
-                    <a:solidFill>
-                      <a:schemeClr val="tx1">
-                        <a:lumMod val="75000"/>
-                        <a:lumOff val="25000"/>
-                      </a:schemeClr>
-                    </a:solidFill>
-                    <a:latin typeface="+mn-lt"/>
-                    <a:ea typeface="+mn-ea"/>
-                    <a:cs typeface="+mn-cs"/>
-                  </a:defRPr>
-                </a:pPr>
-                <a:endParaRPr lang="ko-KR"/>
-              </a:p>
-            </c:txPr>
-            <c:showLegendKey val="0"/>
-            <c:showVal val="1"/>
-            <c:showCatName val="0"/>
-            <c:showSerName val="0"/>
-            <c:showPercent val="0"/>
-            <c:showBubbleSize val="0"/>
-            <c:showLeaderLines val="1"/>
-            <c:leaderLines>
-              <c:spPr>
-                <a:ln w="9525" cap="flat" cmpd="sng" algn="ctr">
-                  <a:solidFill>
-                    <a:schemeClr val="tx1">
-                      <a:lumMod val="35000"/>
-                      <a:lumOff val="65000"/>
-                    </a:schemeClr>
-                  </a:solidFill>
-                  <a:round/>
-                </a:ln>
-                <a:effectLst/>
-              </c:spPr>
-            </c:leaderLines>
-            <c:extLst>
-              <c:ext xmlns:c15="http://schemas.microsoft.com/office/drawing/2012/chart" uri="{CE6537A1-D6FC-4f65-9D91-7224C49458BB}"/>
-            </c:extLst>
-          </c:dLbls>
-          <c:cat>
-            <c:strRef>
-              <c:f>데이터!$C$58:$G$58</c:f>
-              <c:strCache>
-                <c:ptCount val="5"/>
-                <c:pt idx="0">
-                  <c:v>매우 편리해짐 (%)</c:v>
-                </c:pt>
-                <c:pt idx="1">
-                  <c:v>약간 편리해짐 (%)</c:v>
-                </c:pt>
-                <c:pt idx="2">
-                  <c:v>보통이다 (%)</c:v>
-                </c:pt>
-                <c:pt idx="3">
-                  <c:v>약간 불편해짐 (%)</c:v>
-                </c:pt>
-                <c:pt idx="4">
-                  <c:v>매우 불편해짐 (%)</c:v>
-                </c:pt>
-              </c:strCache>
-            </c:strRef>
-          </c:cat>
-          <c:val>
-            <c:numRef>
-              <c:f>데이터!$C$59:$G$59</c:f>
-              <c:numCache>
-                <c:formatCode>#,##0.0</c:formatCode>
-                <c:ptCount val="5"/>
-                <c:pt idx="0">
-                  <c:v>8.8000000000000007</c:v>
-                </c:pt>
-                <c:pt idx="1">
-                  <c:v>37.4</c:v>
-                </c:pt>
-                <c:pt idx="2">
-                  <c:v>20.100000000000001</c:v>
-                </c:pt>
-                <c:pt idx="3">
-                  <c:v>20.399999999999999</c:v>
-                </c:pt>
-                <c:pt idx="4">
-                  <c:v>13.3</c:v>
-                </c:pt>
-              </c:numCache>
-            </c:numRef>
-          </c:val>
-          <c:extLst>
-            <c:ext xmlns:c16="http://schemas.microsoft.com/office/drawing/2014/chart" uri="{C3380CC4-5D6E-409C-BE32-E72D297353CC}">
-              <c16:uniqueId val="{0000000A-9FD1-4CA7-B830-703DB343BAB9}"/>
-            </c:ext>
-          </c:extLst>
-        </c:ser>
         <c:dLbls>
           <c:showLegendKey val="0"/>
           <c:showVal val="0"/>
@@ -521,7 +283,7 @@
           <c:showSerName val="0"/>
           <c:showPercent val="0"/>
           <c:showBubbleSize val="0"/>
-          <c:showLeaderLines val="1"/>
+          <c:showLeaderLines val="0"/>
         </c:dLbls>
       </c:pie3DChart>
       <c:spPr>
@@ -597,6 +359,608 @@
 </c:chartSpace>
 </file>
 
+<file path=ppt/charts/chart2.xml><?xml version="1.0" encoding="utf-8"?>
+<c:chartSpace xmlns:c="http://schemas.openxmlformats.org/drawingml/2006/chart" xmlns:a="http://schemas.openxmlformats.org/drawingml/2006/main" xmlns:r="http://schemas.openxmlformats.org/officeDocument/2006/relationships" xmlns:c16r2="http://schemas.microsoft.com/office/drawing/2015/06/chart">
+  <c:date1904 val="0"/>
+  <c:lang val="ko-KR"/>
+  <c:roundedCorners val="0"/>
+  <mc:AlternateContent xmlns:mc="http://schemas.openxmlformats.org/markup-compatibility/2006">
+    <mc:Choice xmlns:c14="http://schemas.microsoft.com/office/drawing/2007/8/2/chart" Requires="c14">
+      <c14:style val="108"/>
+    </mc:Choice>
+    <mc:Fallback>
+      <c:style val="8"/>
+    </mc:Fallback>
+  </mc:AlternateContent>
+  <c:chart>
+    <c:title>
+      <c:tx>
+        <c:rich>
+          <a:bodyPr rot="0" spcFirstLastPara="1" vertOverflow="ellipsis" vert="horz" wrap="square" anchor="ctr" anchorCtr="1"/>
+          <a:lstStyle/>
+          <a:p>
+            <a:pPr>
+              <a:defRPr sz="1600" b="1" i="0" u="none" strike="noStrike" kern="1200" baseline="0">
+                <a:solidFill>
+                  <a:schemeClr val="tx1">
+                    <a:lumMod val="65000"/>
+                    <a:lumOff val="35000"/>
+                  </a:schemeClr>
+                </a:solidFill>
+                <a:latin typeface="+mn-lt"/>
+                <a:ea typeface="+mn-ea"/>
+                <a:cs typeface="+mn-cs"/>
+              </a:defRPr>
+            </a:pPr>
+            <a:r>
+              <a:rPr lang="ko-KR" altLang="en-US"/>
+              <a:t>클린하우스 요일별 배출제</a:t>
+            </a:r>
+            <a:r>
+              <a:rPr lang="ko-KR" altLang="en-US" baseline="0"/>
+              <a:t> 편리 여부</a:t>
+            </a:r>
+            <a:endParaRPr lang="ko-KR"/>
+          </a:p>
+        </c:rich>
+      </c:tx>
+      <c:overlay val="0"/>
+      <c:spPr>
+        <a:noFill/>
+        <a:ln>
+          <a:noFill/>
+        </a:ln>
+        <a:effectLst/>
+      </c:spPr>
+      <c:txPr>
+        <a:bodyPr rot="0" spcFirstLastPara="1" vertOverflow="ellipsis" vert="horz" wrap="square" anchor="ctr" anchorCtr="1"/>
+        <a:lstStyle/>
+        <a:p>
+          <a:pPr>
+            <a:defRPr sz="1600" b="1" i="0" u="none" strike="noStrike" kern="1200" baseline="0">
+              <a:solidFill>
+                <a:schemeClr val="tx1">
+                  <a:lumMod val="65000"/>
+                  <a:lumOff val="35000"/>
+                </a:schemeClr>
+              </a:solidFill>
+              <a:latin typeface="+mn-lt"/>
+              <a:ea typeface="+mn-ea"/>
+              <a:cs typeface="+mn-cs"/>
+            </a:defRPr>
+          </a:pPr>
+          <a:endParaRPr lang="ko-KR"/>
+        </a:p>
+      </c:txPr>
+    </c:title>
+    <c:autoTitleDeleted val="0"/>
+    <c:view3D>
+      <c:rotX val="30"/>
+      <c:rotY val="0"/>
+      <c:depthPercent val="100"/>
+      <c:rAngAx val="0"/>
+    </c:view3D>
+    <c:floor>
+      <c:thickness val="0"/>
+      <c:spPr>
+        <a:noFill/>
+        <a:ln>
+          <a:noFill/>
+        </a:ln>
+        <a:effectLst/>
+        <a:sp3d/>
+      </c:spPr>
+    </c:floor>
+    <c:sideWall>
+      <c:thickness val="0"/>
+      <c:spPr>
+        <a:noFill/>
+        <a:ln>
+          <a:noFill/>
+        </a:ln>
+        <a:effectLst/>
+        <a:sp3d/>
+      </c:spPr>
+    </c:sideWall>
+    <c:backWall>
+      <c:thickness val="0"/>
+      <c:spPr>
+        <a:noFill/>
+        <a:ln>
+          <a:noFill/>
+        </a:ln>
+        <a:effectLst/>
+        <a:sp3d/>
+      </c:spPr>
+    </c:backWall>
+    <c:plotArea>
+      <c:layout/>
+      <c:pie3DChart>
+        <c:varyColors val="1"/>
+        <c:ser>
+          <c:idx val="0"/>
+          <c:order val="0"/>
+          <c:dPt>
+            <c:idx val="0"/>
+            <c:bubble3D val="0"/>
+            <c:spPr>
+              <a:gradFill rotWithShape="1">
+                <a:gsLst>
+                  <a:gs pos="0">
+                    <a:schemeClr val="accent6">
+                      <a:tint val="54000"/>
+                      <a:tint val="85000"/>
+                      <a:shade val="98000"/>
+                      <a:satMod val="110000"/>
+                      <a:lumMod val="103000"/>
+                    </a:schemeClr>
+                  </a:gs>
+                  <a:gs pos="50000">
+                    <a:schemeClr val="accent6">
+                      <a:tint val="54000"/>
+                      <a:shade val="85000"/>
+                      <a:satMod val="105000"/>
+                      <a:lumMod val="100000"/>
+                    </a:schemeClr>
+                  </a:gs>
+                  <a:gs pos="100000">
+                    <a:schemeClr val="accent6">
+                      <a:tint val="54000"/>
+                      <a:shade val="60000"/>
+                      <a:satMod val="120000"/>
+                      <a:lumMod val="100000"/>
+                    </a:schemeClr>
+                  </a:gs>
+                </a:gsLst>
+                <a:lin ang="5400000" scaled="0"/>
+              </a:gradFill>
+              <a:ln>
+                <a:noFill/>
+              </a:ln>
+              <a:effectLst>
+                <a:outerShdw blurRad="57150" dist="19050" dir="5400000" algn="ctr" rotWithShape="0">
+                  <a:srgbClr val="000000">
+                    <a:alpha val="63000"/>
+                  </a:srgbClr>
+                </a:outerShdw>
+              </a:effectLst>
+              <a:sp3d/>
+            </c:spPr>
+            <c:extLst>
+              <c:ext xmlns:c16="http://schemas.microsoft.com/office/drawing/2014/chart" uri="{C3380CC4-5D6E-409C-BE32-E72D297353CC}">
+                <c16:uniqueId val="{00000001-233E-4414-8DD4-4747621376B9}"/>
+              </c:ext>
+            </c:extLst>
+          </c:dPt>
+          <c:dPt>
+            <c:idx val="1"/>
+            <c:bubble3D val="0"/>
+            <c:spPr>
+              <a:gradFill rotWithShape="1">
+                <a:gsLst>
+                  <a:gs pos="0">
+                    <a:schemeClr val="accent6">
+                      <a:tint val="77000"/>
+                      <a:tint val="85000"/>
+                      <a:shade val="98000"/>
+                      <a:satMod val="110000"/>
+                      <a:lumMod val="103000"/>
+                    </a:schemeClr>
+                  </a:gs>
+                  <a:gs pos="50000">
+                    <a:schemeClr val="accent6">
+                      <a:tint val="77000"/>
+                      <a:shade val="85000"/>
+                      <a:satMod val="105000"/>
+                      <a:lumMod val="100000"/>
+                    </a:schemeClr>
+                  </a:gs>
+                  <a:gs pos="100000">
+                    <a:schemeClr val="accent6">
+                      <a:tint val="77000"/>
+                      <a:shade val="60000"/>
+                      <a:satMod val="120000"/>
+                      <a:lumMod val="100000"/>
+                    </a:schemeClr>
+                  </a:gs>
+                </a:gsLst>
+                <a:lin ang="5400000" scaled="0"/>
+              </a:gradFill>
+              <a:ln>
+                <a:noFill/>
+              </a:ln>
+              <a:effectLst>
+                <a:outerShdw blurRad="57150" dist="19050" dir="5400000" algn="ctr" rotWithShape="0">
+                  <a:srgbClr val="000000">
+                    <a:alpha val="63000"/>
+                  </a:srgbClr>
+                </a:outerShdw>
+              </a:effectLst>
+              <a:sp3d/>
+            </c:spPr>
+            <c:extLst>
+              <c:ext xmlns:c16="http://schemas.microsoft.com/office/drawing/2014/chart" uri="{C3380CC4-5D6E-409C-BE32-E72D297353CC}">
+                <c16:uniqueId val="{00000003-233E-4414-8DD4-4747621376B9}"/>
+              </c:ext>
+            </c:extLst>
+          </c:dPt>
+          <c:dPt>
+            <c:idx val="2"/>
+            <c:bubble3D val="0"/>
+            <c:spPr>
+              <a:gradFill rotWithShape="1">
+                <a:gsLst>
+                  <a:gs pos="0">
+                    <a:schemeClr val="accent6">
+                      <a:tint val="85000"/>
+                      <a:shade val="98000"/>
+                      <a:satMod val="110000"/>
+                      <a:lumMod val="103000"/>
+                    </a:schemeClr>
+                  </a:gs>
+                  <a:gs pos="50000">
+                    <a:schemeClr val="accent6">
+                      <a:shade val="85000"/>
+                      <a:satMod val="105000"/>
+                      <a:lumMod val="100000"/>
+                    </a:schemeClr>
+                  </a:gs>
+                  <a:gs pos="100000">
+                    <a:schemeClr val="accent6">
+                      <a:shade val="60000"/>
+                      <a:satMod val="120000"/>
+                      <a:lumMod val="100000"/>
+                    </a:schemeClr>
+                  </a:gs>
+                </a:gsLst>
+                <a:lin ang="5400000" scaled="0"/>
+              </a:gradFill>
+              <a:ln>
+                <a:noFill/>
+              </a:ln>
+              <a:effectLst>
+                <a:outerShdw blurRad="57150" dist="19050" dir="5400000" algn="ctr" rotWithShape="0">
+                  <a:srgbClr val="000000">
+                    <a:alpha val="63000"/>
+                  </a:srgbClr>
+                </a:outerShdw>
+              </a:effectLst>
+              <a:sp3d/>
+            </c:spPr>
+            <c:extLst>
+              <c:ext xmlns:c16="http://schemas.microsoft.com/office/drawing/2014/chart" uri="{C3380CC4-5D6E-409C-BE32-E72D297353CC}">
+                <c16:uniqueId val="{00000005-233E-4414-8DD4-4747621376B9}"/>
+              </c:ext>
+            </c:extLst>
+          </c:dPt>
+          <c:dPt>
+            <c:idx val="3"/>
+            <c:bubble3D val="0"/>
+            <c:spPr>
+              <a:gradFill rotWithShape="1">
+                <a:gsLst>
+                  <a:gs pos="0">
+                    <a:schemeClr val="accent6">
+                      <a:shade val="76000"/>
+                      <a:tint val="85000"/>
+                      <a:shade val="98000"/>
+                      <a:satMod val="110000"/>
+                      <a:lumMod val="103000"/>
+                    </a:schemeClr>
+                  </a:gs>
+                  <a:gs pos="50000">
+                    <a:schemeClr val="accent6">
+                      <a:shade val="76000"/>
+                      <a:shade val="85000"/>
+                      <a:satMod val="105000"/>
+                      <a:lumMod val="100000"/>
+                    </a:schemeClr>
+                  </a:gs>
+                  <a:gs pos="100000">
+                    <a:schemeClr val="accent6">
+                      <a:shade val="76000"/>
+                      <a:shade val="60000"/>
+                      <a:satMod val="120000"/>
+                      <a:lumMod val="100000"/>
+                    </a:schemeClr>
+                  </a:gs>
+                </a:gsLst>
+                <a:lin ang="5400000" scaled="0"/>
+              </a:gradFill>
+              <a:ln>
+                <a:noFill/>
+              </a:ln>
+              <a:effectLst>
+                <a:outerShdw blurRad="57150" dist="19050" dir="5400000" algn="ctr" rotWithShape="0">
+                  <a:srgbClr val="000000">
+                    <a:alpha val="63000"/>
+                  </a:srgbClr>
+                </a:outerShdw>
+              </a:effectLst>
+              <a:sp3d/>
+            </c:spPr>
+            <c:extLst>
+              <c:ext xmlns:c16="http://schemas.microsoft.com/office/drawing/2014/chart" uri="{C3380CC4-5D6E-409C-BE32-E72D297353CC}">
+                <c16:uniqueId val="{00000007-233E-4414-8DD4-4747621376B9}"/>
+              </c:ext>
+            </c:extLst>
+          </c:dPt>
+          <c:dPt>
+            <c:idx val="4"/>
+            <c:bubble3D val="0"/>
+            <c:spPr>
+              <a:gradFill rotWithShape="1">
+                <a:gsLst>
+                  <a:gs pos="0">
+                    <a:schemeClr val="accent6">
+                      <a:shade val="53000"/>
+                      <a:tint val="85000"/>
+                      <a:shade val="98000"/>
+                      <a:satMod val="110000"/>
+                      <a:lumMod val="103000"/>
+                    </a:schemeClr>
+                  </a:gs>
+                  <a:gs pos="50000">
+                    <a:schemeClr val="accent6">
+                      <a:shade val="53000"/>
+                      <a:shade val="85000"/>
+                      <a:satMod val="105000"/>
+                      <a:lumMod val="100000"/>
+                    </a:schemeClr>
+                  </a:gs>
+                  <a:gs pos="100000">
+                    <a:schemeClr val="accent6">
+                      <a:shade val="53000"/>
+                      <a:shade val="60000"/>
+                      <a:satMod val="120000"/>
+                      <a:lumMod val="100000"/>
+                    </a:schemeClr>
+                  </a:gs>
+                </a:gsLst>
+                <a:lin ang="5400000" scaled="0"/>
+              </a:gradFill>
+              <a:ln>
+                <a:noFill/>
+              </a:ln>
+              <a:effectLst>
+                <a:outerShdw blurRad="57150" dist="19050" dir="5400000" algn="ctr" rotWithShape="0">
+                  <a:srgbClr val="000000">
+                    <a:alpha val="63000"/>
+                  </a:srgbClr>
+                </a:outerShdw>
+              </a:effectLst>
+              <a:sp3d/>
+            </c:spPr>
+            <c:extLst>
+              <c:ext xmlns:c16="http://schemas.microsoft.com/office/drawing/2014/chart" uri="{C3380CC4-5D6E-409C-BE32-E72D297353CC}">
+                <c16:uniqueId val="{00000009-233E-4414-8DD4-4747621376B9}"/>
+              </c:ext>
+            </c:extLst>
+          </c:dPt>
+          <c:dLbls>
+            <c:dLbl>
+              <c:idx val="1"/>
+              <c:layout>
+                <c:manualLayout>
+                  <c:x val="-0.21006052976409623"/>
+                  <c:y val="-0.16299962504686913"/>
+                </c:manualLayout>
+              </c:layout>
+              <c:dLblPos val="bestFit"/>
+              <c:showLegendKey val="0"/>
+              <c:showVal val="0"/>
+              <c:showCatName val="1"/>
+              <c:showSerName val="0"/>
+              <c:showPercent val="1"/>
+              <c:showBubbleSize val="0"/>
+              <c:extLst>
+                <c:ext xmlns:c15="http://schemas.microsoft.com/office/drawing/2012/chart" uri="{CE6537A1-D6FC-4f65-9D91-7224C49458BB}"/>
+                <c:ext xmlns:c16="http://schemas.microsoft.com/office/drawing/2014/chart" uri="{C3380CC4-5D6E-409C-BE32-E72D297353CC}">
+                  <c16:uniqueId val="{00000003-233E-4414-8DD4-4747621376B9}"/>
+                </c:ext>
+              </c:extLst>
+            </c:dLbl>
+            <c:spPr>
+              <a:noFill/>
+              <a:ln>
+                <a:noFill/>
+              </a:ln>
+              <a:effectLst/>
+            </c:spPr>
+            <c:txPr>
+              <a:bodyPr rot="0" spcFirstLastPara="1" vertOverflow="ellipsis" vert="horz" wrap="square" lIns="38100" tIns="19050" rIns="38100" bIns="19050" anchor="ctr" anchorCtr="1">
+                <a:spAutoFit/>
+              </a:bodyPr>
+              <a:lstStyle/>
+              <a:p>
+                <a:pPr>
+                  <a:defRPr sz="1100" b="0" i="0" u="none" strike="noStrike" kern="1200" baseline="0">
+                    <a:solidFill>
+                      <a:schemeClr val="tx1">
+                        <a:lumMod val="75000"/>
+                        <a:lumOff val="25000"/>
+                      </a:schemeClr>
+                    </a:solidFill>
+                    <a:latin typeface="+mn-lt"/>
+                    <a:ea typeface="+mn-ea"/>
+                    <a:cs typeface="+mn-cs"/>
+                  </a:defRPr>
+                </a:pPr>
+                <a:endParaRPr lang="ko-KR"/>
+              </a:p>
+            </c:txPr>
+            <c:dLblPos val="inEnd"/>
+            <c:showLegendKey val="0"/>
+            <c:showVal val="0"/>
+            <c:showCatName val="1"/>
+            <c:showSerName val="0"/>
+            <c:showPercent val="1"/>
+            <c:showBubbleSize val="0"/>
+            <c:showLeaderLines val="1"/>
+            <c:leaderLines>
+              <c:spPr>
+                <a:ln w="9525" cap="flat" cmpd="sng" algn="ctr">
+                  <a:solidFill>
+                    <a:schemeClr val="tx1">
+                      <a:lumMod val="35000"/>
+                      <a:lumOff val="65000"/>
+                    </a:schemeClr>
+                  </a:solidFill>
+                  <a:round/>
+                </a:ln>
+                <a:effectLst/>
+              </c:spPr>
+            </c:leaderLines>
+            <c:extLst>
+              <c:ext xmlns:c15="http://schemas.microsoft.com/office/drawing/2012/chart" uri="{CE6537A1-D6FC-4f65-9D91-7224C49458BB}"/>
+            </c:extLst>
+          </c:dLbls>
+          <c:cat>
+            <c:strRef>
+              <c:f>Sheet1!$A$1:$E$1</c:f>
+              <c:strCache>
+                <c:ptCount val="5"/>
+                <c:pt idx="0">
+                  <c:v>매우 편리해짐</c:v>
+                </c:pt>
+                <c:pt idx="1">
+                  <c:v>약간 편리해짐</c:v>
+                </c:pt>
+                <c:pt idx="2">
+                  <c:v>보통이다</c:v>
+                </c:pt>
+                <c:pt idx="3">
+                  <c:v>약간 불편해짐</c:v>
+                </c:pt>
+                <c:pt idx="4">
+                  <c:v>매우 불편해짐</c:v>
+                </c:pt>
+              </c:strCache>
+            </c:strRef>
+          </c:cat>
+          <c:val>
+            <c:numRef>
+              <c:f>Sheet1!$A$2:$E$2</c:f>
+              <c:numCache>
+                <c:formatCode>General</c:formatCode>
+                <c:ptCount val="5"/>
+                <c:pt idx="0">
+                  <c:v>8.8000000000000007</c:v>
+                </c:pt>
+                <c:pt idx="1">
+                  <c:v>37.4</c:v>
+                </c:pt>
+                <c:pt idx="2">
+                  <c:v>20.100000000000001</c:v>
+                </c:pt>
+                <c:pt idx="3">
+                  <c:v>20.399999999999999</c:v>
+                </c:pt>
+                <c:pt idx="4">
+                  <c:v>13.3</c:v>
+                </c:pt>
+              </c:numCache>
+            </c:numRef>
+          </c:val>
+          <c:extLst>
+            <c:ext xmlns:c16="http://schemas.microsoft.com/office/drawing/2014/chart" uri="{C3380CC4-5D6E-409C-BE32-E72D297353CC}">
+              <c16:uniqueId val="{0000000A-233E-4414-8DD4-4747621376B9}"/>
+            </c:ext>
+          </c:extLst>
+        </c:ser>
+        <c:dLbls>
+          <c:dLblPos val="inEnd"/>
+          <c:showLegendKey val="0"/>
+          <c:showVal val="0"/>
+          <c:showCatName val="0"/>
+          <c:showSerName val="0"/>
+          <c:showPercent val="1"/>
+          <c:showBubbleSize val="0"/>
+          <c:showLeaderLines val="1"/>
+        </c:dLbls>
+      </c:pie3DChart>
+      <c:spPr>
+        <a:noFill/>
+        <a:ln>
+          <a:noFill/>
+        </a:ln>
+        <a:effectLst/>
+      </c:spPr>
+    </c:plotArea>
+    <c:legend>
+      <c:legendPos val="b"/>
+      <c:layout>
+        <c:manualLayout>
+          <c:xMode val="edge"/>
+          <c:yMode val="edge"/>
+          <c:x val="0.12645803889898377"/>
+          <c:y val="0.90362776081561247"/>
+          <c:w val="0.74708376385078556"/>
+          <c:h val="7.8231649615226675E-2"/>
+        </c:manualLayout>
+      </c:layout>
+      <c:overlay val="0"/>
+      <c:spPr>
+        <a:noFill/>
+        <a:ln>
+          <a:noFill/>
+        </a:ln>
+        <a:effectLst/>
+      </c:spPr>
+      <c:txPr>
+        <a:bodyPr rot="0" spcFirstLastPara="1" vertOverflow="ellipsis" vert="horz" wrap="square" anchor="ctr" anchorCtr="1"/>
+        <a:lstStyle/>
+        <a:p>
+          <a:pPr>
+            <a:defRPr sz="1000" b="0" i="0" u="none" strike="noStrike" kern="1200" baseline="0">
+              <a:solidFill>
+                <a:schemeClr val="tx1">
+                  <a:lumMod val="65000"/>
+                  <a:lumOff val="35000"/>
+                </a:schemeClr>
+              </a:solidFill>
+              <a:latin typeface="+mn-lt"/>
+              <a:ea typeface="+mn-ea"/>
+              <a:cs typeface="+mn-cs"/>
+            </a:defRPr>
+          </a:pPr>
+          <a:endParaRPr lang="ko-KR"/>
+        </a:p>
+      </c:txPr>
+    </c:legend>
+    <c:plotVisOnly val="1"/>
+    <c:dispBlanksAs val="gap"/>
+    <c:showDLblsOverMax val="0"/>
+  </c:chart>
+  <c:spPr>
+    <a:noFill/>
+    <a:ln w="9525" cap="flat" cmpd="sng" algn="ctr">
+      <a:solidFill>
+        <a:schemeClr val="tx1">
+          <a:lumMod val="15000"/>
+          <a:lumOff val="85000"/>
+        </a:schemeClr>
+      </a:solidFill>
+      <a:round/>
+    </a:ln>
+    <a:effectLst/>
+  </c:spPr>
+  <c:txPr>
+    <a:bodyPr/>
+    <a:lstStyle/>
+    <a:p>
+      <a:pPr>
+        <a:defRPr/>
+      </a:pPr>
+      <a:endParaRPr lang="ko-KR"/>
+    </a:p>
+  </c:txPr>
+  <c:externalData r:id="rId3">
+    <c:autoUpdate val="0"/>
+  </c:externalData>
+</c:chartSpace>
+</file>
+
 <file path=ppt/charts/colors1.xml><?xml version="1.0" encoding="utf-8"?>
 <cs:colorStyle xmlns:cs="http://schemas.microsoft.com/office/drawing/2012/chartStyle" xmlns:a="http://schemas.openxmlformats.org/drawingml/2006/main" meth="cycle" id="10">
   <a:schemeClr val="accent1"/>
@@ -634,6 +998,12 @@
     <a:lumMod val="50000"/>
     <a:lumOff val="50000"/>
   </cs:variation>
+</cs:colorStyle>
+</file>
+
+<file path=ppt/charts/colors2.xml><?xml version="1.0" encoding="utf-8"?>
+<cs:colorStyle xmlns:cs="http://schemas.microsoft.com/office/drawing/2012/chartStyle" xmlns:a="http://schemas.openxmlformats.org/drawingml/2006/main" meth="withinLinearReversed" id="26">
+  <a:schemeClr val="accent6"/>
 </cs:colorStyle>
 </file>
 
@@ -1156,6 +1526,508 @@
 </cs:chartStyle>
 </file>
 
+<file path=ppt/charts/style2.xml><?xml version="1.0" encoding="utf-8"?>
+<cs:chartStyle xmlns:cs="http://schemas.microsoft.com/office/drawing/2012/chartStyle" xmlns:a="http://schemas.openxmlformats.org/drawingml/2006/main" id="344">
+  <cs:axisTitle>
+    <cs:lnRef idx="0"/>
+    <cs:fillRef idx="0"/>
+    <cs:effectRef idx="0"/>
+    <cs:fontRef idx="minor">
+      <a:schemeClr val="tx1">
+        <a:lumMod val="65000"/>
+        <a:lumOff val="35000"/>
+      </a:schemeClr>
+    </cs:fontRef>
+    <cs:defRPr sz="900" kern="1200"/>
+  </cs:axisTitle>
+  <cs:categoryAxis>
+    <cs:lnRef idx="0"/>
+    <cs:fillRef idx="0"/>
+    <cs:effectRef idx="0"/>
+    <cs:fontRef idx="minor">
+      <a:schemeClr val="tx1">
+        <a:lumMod val="65000"/>
+        <a:lumOff val="35000"/>
+      </a:schemeClr>
+    </cs:fontRef>
+    <cs:spPr>
+      <a:ln w="12700" cap="flat" cmpd="sng" algn="ctr">
+        <a:solidFill>
+          <a:schemeClr val="tx1">
+            <a:lumMod val="15000"/>
+            <a:lumOff val="85000"/>
+          </a:schemeClr>
+        </a:solidFill>
+        <a:round/>
+      </a:ln>
+    </cs:spPr>
+    <cs:defRPr sz="900" kern="1200"/>
+  </cs:categoryAxis>
+  <cs:chartArea mods="allowNoFillOverride allowNoLineOverride">
+    <cs:lnRef idx="0"/>
+    <cs:fillRef idx="0"/>
+    <cs:effectRef idx="0"/>
+    <cs:fontRef idx="minor">
+      <a:schemeClr val="tx2"/>
+    </cs:fontRef>
+    <cs:spPr>
+      <a:solidFill>
+        <a:schemeClr val="bg1"/>
+      </a:solidFill>
+      <a:ln w="9525" cap="flat" cmpd="sng" algn="ctr">
+        <a:solidFill>
+          <a:schemeClr val="tx1">
+            <a:lumMod val="15000"/>
+            <a:lumOff val="85000"/>
+          </a:schemeClr>
+        </a:solidFill>
+        <a:round/>
+      </a:ln>
+    </cs:spPr>
+    <cs:defRPr sz="900" kern="1200"/>
+  </cs:chartArea>
+  <cs:dataLabel>
+    <cs:lnRef idx="0"/>
+    <cs:fillRef idx="0"/>
+    <cs:effectRef idx="0"/>
+    <cs:fontRef idx="minor">
+      <a:schemeClr val="tx1">
+        <a:lumMod val="75000"/>
+        <a:lumOff val="25000"/>
+      </a:schemeClr>
+    </cs:fontRef>
+    <cs:defRPr sz="900" kern="1200"/>
+  </cs:dataLabel>
+  <cs:dataLabelCallout>
+    <cs:lnRef idx="0"/>
+    <cs:fillRef idx="0"/>
+    <cs:effectRef idx="0"/>
+    <cs:fontRef idx="minor">
+      <a:schemeClr val="dk1">
+        <a:lumMod val="65000"/>
+        <a:lumOff val="35000"/>
+      </a:schemeClr>
+    </cs:fontRef>
+    <cs:spPr>
+      <a:solidFill>
+        <a:schemeClr val="lt1"/>
+      </a:solidFill>
+      <a:ln>
+        <a:solidFill>
+          <a:schemeClr val="dk1">
+            <a:lumMod val="25000"/>
+            <a:lumOff val="75000"/>
+          </a:schemeClr>
+        </a:solidFill>
+      </a:ln>
+    </cs:spPr>
+    <cs:defRPr sz="900" kern="1200"/>
+    <cs:bodyPr rot="0" spcFirstLastPara="1" vertOverflow="clip" horzOverflow="clip" vert="horz" wrap="square" lIns="36576" tIns="18288" rIns="36576" bIns="18288" anchor="ctr" anchorCtr="1">
+      <a:spAutoFit/>
+    </cs:bodyPr>
+  </cs:dataLabelCallout>
+  <cs:dataPoint>
+    <cs:lnRef idx="0"/>
+    <cs:fillRef idx="3">
+      <cs:styleClr val="auto"/>
+    </cs:fillRef>
+    <cs:effectRef idx="3"/>
+    <cs:fontRef idx="minor">
+      <a:schemeClr val="tx1"/>
+    </cs:fontRef>
+  </cs:dataPoint>
+  <cs:dataPoint3D>
+    <cs:lnRef idx="0"/>
+    <cs:fillRef idx="3">
+      <cs:styleClr val="auto"/>
+    </cs:fillRef>
+    <cs:effectRef idx="3"/>
+    <cs:fontRef idx="minor">
+      <a:schemeClr val="tx1"/>
+    </cs:fontRef>
+  </cs:dataPoint3D>
+  <cs:dataPointLine>
+    <cs:lnRef idx="0">
+      <cs:styleClr val="auto"/>
+    </cs:lnRef>
+    <cs:fillRef idx="3"/>
+    <cs:effectRef idx="3"/>
+    <cs:fontRef idx="minor">
+      <a:schemeClr val="tx1"/>
+    </cs:fontRef>
+    <cs:spPr>
+      <a:ln w="34925" cap="rnd">
+        <a:solidFill>
+          <a:schemeClr val="phClr"/>
+        </a:solidFill>
+        <a:round/>
+      </a:ln>
+    </cs:spPr>
+  </cs:dataPointLine>
+  <cs:dataPointMarker>
+    <cs:lnRef idx="0">
+      <cs:styleClr val="auto"/>
+    </cs:lnRef>
+    <cs:fillRef idx="3">
+      <cs:styleClr val="auto"/>
+    </cs:fillRef>
+    <cs:effectRef idx="3"/>
+    <cs:fontRef idx="minor">
+      <a:schemeClr val="tx1"/>
+    </cs:fontRef>
+    <cs:spPr>
+      <a:ln w="9525">
+        <a:solidFill>
+          <a:schemeClr val="phClr"/>
+        </a:solidFill>
+        <a:round/>
+      </a:ln>
+    </cs:spPr>
+  </cs:dataPointMarker>
+  <cs:dataPointMarkerLayout symbol="circle" size="6"/>
+  <cs:dataPointWireframe>
+    <cs:lnRef idx="0">
+      <cs:styleClr val="auto"/>
+    </cs:lnRef>
+    <cs:fillRef idx="3"/>
+    <cs:effectRef idx="3"/>
+    <cs:fontRef idx="minor">
+      <a:schemeClr val="tx1"/>
+    </cs:fontRef>
+    <cs:spPr>
+      <a:ln w="9525" cap="rnd">
+        <a:solidFill>
+          <a:schemeClr val="phClr"/>
+        </a:solidFill>
+        <a:round/>
+      </a:ln>
+    </cs:spPr>
+  </cs:dataPointWireframe>
+  <cs:dataTable>
+    <cs:lnRef idx="0"/>
+    <cs:fillRef idx="0"/>
+    <cs:effectRef idx="0"/>
+    <cs:fontRef idx="minor">
+      <a:schemeClr val="tx1">
+        <a:lumMod val="65000"/>
+        <a:lumOff val="35000"/>
+      </a:schemeClr>
+    </cs:fontRef>
+    <cs:spPr>
+      <a:noFill/>
+      <a:ln w="9525" cap="flat" cmpd="sng" algn="ctr">
+        <a:solidFill>
+          <a:schemeClr val="tx1">
+            <a:lumMod val="15000"/>
+            <a:lumOff val="85000"/>
+          </a:schemeClr>
+        </a:solidFill>
+        <a:round/>
+      </a:ln>
+    </cs:spPr>
+    <cs:defRPr sz="900" kern="1200"/>
+  </cs:dataTable>
+  <cs:downBar>
+    <cs:lnRef idx="0"/>
+    <cs:fillRef idx="0"/>
+    <cs:effectRef idx="0"/>
+    <cs:fontRef idx="minor">
+      <a:schemeClr val="dk1"/>
+    </cs:fontRef>
+    <cs:spPr>
+      <a:solidFill>
+        <a:schemeClr val="dk1">
+          <a:lumMod val="65000"/>
+          <a:lumOff val="35000"/>
+        </a:schemeClr>
+      </a:solidFill>
+      <a:ln w="9525">
+        <a:solidFill>
+          <a:schemeClr val="tx1">
+            <a:lumMod val="65000"/>
+            <a:lumOff val="35000"/>
+          </a:schemeClr>
+        </a:solidFill>
+      </a:ln>
+    </cs:spPr>
+  </cs:downBar>
+  <cs:dropLine>
+    <cs:lnRef idx="0"/>
+    <cs:fillRef idx="0"/>
+    <cs:effectRef idx="0"/>
+    <cs:fontRef idx="minor">
+      <a:schemeClr val="tx1"/>
+    </cs:fontRef>
+    <cs:spPr>
+      <a:ln w="9525" cap="flat" cmpd="sng" algn="ctr">
+        <a:solidFill>
+          <a:schemeClr val="tx1">
+            <a:lumMod val="35000"/>
+            <a:lumOff val="65000"/>
+          </a:schemeClr>
+        </a:solidFill>
+        <a:round/>
+      </a:ln>
+    </cs:spPr>
+  </cs:dropLine>
+  <cs:errorBar>
+    <cs:lnRef idx="0"/>
+    <cs:fillRef idx="0"/>
+    <cs:effectRef idx="0"/>
+    <cs:fontRef idx="minor">
+      <a:schemeClr val="tx1"/>
+    </cs:fontRef>
+    <cs:spPr>
+      <a:ln w="9525" cap="flat" cmpd="sng" algn="ctr">
+        <a:solidFill>
+          <a:schemeClr val="tx1">
+            <a:lumMod val="65000"/>
+            <a:lumOff val="35000"/>
+          </a:schemeClr>
+        </a:solidFill>
+        <a:round/>
+      </a:ln>
+    </cs:spPr>
+  </cs:errorBar>
+  <cs:floor>
+    <cs:lnRef idx="0"/>
+    <cs:fillRef idx="0"/>
+    <cs:effectRef idx="0"/>
+    <cs:fontRef idx="minor">
+      <a:schemeClr val="lt1"/>
+    </cs:fontRef>
+  </cs:floor>
+  <cs:gridlineMajor>
+    <cs:lnRef idx="0"/>
+    <cs:fillRef idx="0"/>
+    <cs:effectRef idx="0"/>
+    <cs:fontRef idx="minor">
+      <a:schemeClr val="tx1"/>
+    </cs:fontRef>
+    <cs:spPr>
+      <a:ln w="9525" cap="flat" cmpd="sng" algn="ctr">
+        <a:solidFill>
+          <a:schemeClr val="tx1">
+            <a:lumMod val="15000"/>
+            <a:lumOff val="85000"/>
+          </a:schemeClr>
+        </a:solidFill>
+        <a:round/>
+      </a:ln>
+    </cs:spPr>
+  </cs:gridlineMajor>
+  <cs:gridlineMinor>
+    <cs:lnRef idx="0"/>
+    <cs:fillRef idx="0"/>
+    <cs:effectRef idx="0"/>
+    <cs:fontRef idx="minor">
+      <a:schemeClr val="tx1"/>
+    </cs:fontRef>
+    <cs:spPr>
+      <a:ln w="9525" cap="flat" cmpd="sng" algn="ctr">
+        <a:solidFill>
+          <a:schemeClr val="tx1">
+            <a:lumMod val="5000"/>
+            <a:lumOff val="95000"/>
+          </a:schemeClr>
+        </a:solidFill>
+        <a:round/>
+      </a:ln>
+    </cs:spPr>
+  </cs:gridlineMinor>
+  <cs:hiLoLine>
+    <cs:lnRef idx="0"/>
+    <cs:fillRef idx="0"/>
+    <cs:effectRef idx="0"/>
+    <cs:fontRef idx="minor">
+      <a:schemeClr val="tx1"/>
+    </cs:fontRef>
+    <cs:spPr>
+      <a:ln w="9525" cap="flat" cmpd="sng" algn="ctr">
+        <a:solidFill>
+          <a:schemeClr val="tx1">
+            <a:lumMod val="75000"/>
+            <a:lumOff val="25000"/>
+          </a:schemeClr>
+        </a:solidFill>
+        <a:round/>
+      </a:ln>
+    </cs:spPr>
+  </cs:hiLoLine>
+  <cs:leaderLine>
+    <cs:lnRef idx="0"/>
+    <cs:fillRef idx="0"/>
+    <cs:effectRef idx="0"/>
+    <cs:fontRef idx="minor">
+      <a:schemeClr val="tx1"/>
+    </cs:fontRef>
+    <cs:spPr>
+      <a:ln w="9525" cap="flat" cmpd="sng" algn="ctr">
+        <a:solidFill>
+          <a:schemeClr val="tx1">
+            <a:lumMod val="35000"/>
+            <a:lumOff val="65000"/>
+          </a:schemeClr>
+        </a:solidFill>
+        <a:round/>
+      </a:ln>
+    </cs:spPr>
+  </cs:leaderLine>
+  <cs:legend>
+    <cs:lnRef idx="0"/>
+    <cs:fillRef idx="0"/>
+    <cs:effectRef idx="0"/>
+    <cs:fontRef idx="minor">
+      <a:schemeClr val="tx1">
+        <a:lumMod val="65000"/>
+        <a:lumOff val="35000"/>
+      </a:schemeClr>
+    </cs:fontRef>
+    <cs:defRPr sz="900" kern="1200"/>
+  </cs:legend>
+  <cs:plotArea>
+    <cs:lnRef idx="0"/>
+    <cs:fillRef idx="0"/>
+    <cs:effectRef idx="0"/>
+    <cs:fontRef idx="minor">
+      <a:schemeClr val="lt1"/>
+    </cs:fontRef>
+  </cs:plotArea>
+  <cs:plotArea3D>
+    <cs:lnRef idx="0"/>
+    <cs:fillRef idx="0"/>
+    <cs:effectRef idx="0"/>
+    <cs:fontRef idx="minor">
+      <a:schemeClr val="lt1"/>
+    </cs:fontRef>
+  </cs:plotArea3D>
+  <cs:seriesAxis>
+    <cs:lnRef idx="0"/>
+    <cs:fillRef idx="0"/>
+    <cs:effectRef idx="0"/>
+    <cs:fontRef idx="minor">
+      <a:schemeClr val="tx1">
+        <a:lumMod val="65000"/>
+        <a:lumOff val="35000"/>
+      </a:schemeClr>
+    </cs:fontRef>
+    <cs:spPr>
+      <a:ln w="12700" cap="flat" cmpd="sng" algn="ctr">
+        <a:solidFill>
+          <a:schemeClr val="tx1">
+            <a:lumMod val="15000"/>
+            <a:lumOff val="85000"/>
+          </a:schemeClr>
+        </a:solidFill>
+        <a:round/>
+      </a:ln>
+    </cs:spPr>
+    <cs:defRPr sz="900" kern="1200"/>
+  </cs:seriesAxis>
+  <cs:seriesLine>
+    <cs:lnRef idx="0"/>
+    <cs:fillRef idx="0"/>
+    <cs:effectRef idx="0"/>
+    <cs:fontRef idx="minor">
+      <a:schemeClr val="tx1"/>
+    </cs:fontRef>
+    <cs:spPr>
+      <a:ln w="9525" cap="flat" cmpd="sng" algn="ctr">
+        <a:solidFill>
+          <a:schemeClr val="tx1">
+            <a:lumMod val="35000"/>
+            <a:lumOff val="65000"/>
+          </a:schemeClr>
+        </a:solidFill>
+        <a:round/>
+      </a:ln>
+    </cs:spPr>
+  </cs:seriesLine>
+  <cs:title>
+    <cs:lnRef idx="0"/>
+    <cs:fillRef idx="0"/>
+    <cs:effectRef idx="0"/>
+    <cs:fontRef idx="minor">
+      <a:schemeClr val="tx1">
+        <a:lumMod val="65000"/>
+        <a:lumOff val="35000"/>
+      </a:schemeClr>
+    </cs:fontRef>
+    <cs:defRPr sz="1600" b="1" kern="1200" baseline="0"/>
+  </cs:title>
+  <cs:trendline>
+    <cs:lnRef idx="0">
+      <cs:styleClr val="auto"/>
+    </cs:lnRef>
+    <cs:fillRef idx="0"/>
+    <cs:effectRef idx="0"/>
+    <cs:fontRef idx="minor">
+      <a:schemeClr val="lt1"/>
+    </cs:fontRef>
+    <cs:spPr>
+      <a:ln w="19050" cap="rnd">
+        <a:solidFill>
+          <a:schemeClr val="phClr"/>
+        </a:solidFill>
+      </a:ln>
+    </cs:spPr>
+  </cs:trendline>
+  <cs:trendlineLabel>
+    <cs:lnRef idx="0"/>
+    <cs:fillRef idx="0"/>
+    <cs:effectRef idx="0"/>
+    <cs:fontRef idx="minor">
+      <a:schemeClr val="tx1">
+        <a:lumMod val="65000"/>
+        <a:lumOff val="35000"/>
+      </a:schemeClr>
+    </cs:fontRef>
+    <cs:defRPr sz="900" kern="1200"/>
+  </cs:trendlineLabel>
+  <cs:upBar>
+    <cs:lnRef idx="0"/>
+    <cs:fillRef idx="0"/>
+    <cs:effectRef idx="0"/>
+    <cs:fontRef idx="minor">
+      <a:schemeClr val="dk1"/>
+    </cs:fontRef>
+    <cs:spPr>
+      <a:solidFill>
+        <a:schemeClr val="lt1"/>
+      </a:solidFill>
+      <a:ln w="9525">
+        <a:solidFill>
+          <a:schemeClr val="tx1">
+            <a:lumMod val="15000"/>
+            <a:lumOff val="85000"/>
+          </a:schemeClr>
+        </a:solidFill>
+      </a:ln>
+    </cs:spPr>
+  </cs:upBar>
+  <cs:valueAxis>
+    <cs:lnRef idx="0"/>
+    <cs:fillRef idx="0"/>
+    <cs:effectRef idx="0"/>
+    <cs:fontRef idx="minor">
+      <a:schemeClr val="tx1">
+        <a:lumMod val="65000"/>
+        <a:lumOff val="35000"/>
+      </a:schemeClr>
+    </cs:fontRef>
+    <cs:defRPr sz="900" kern="1200"/>
+  </cs:valueAxis>
+  <cs:wall>
+    <cs:lnRef idx="0"/>
+    <cs:fillRef idx="0"/>
+    <cs:effectRef idx="0"/>
+    <cs:fontRef idx="minor">
+      <a:schemeClr val="lt1"/>
+    </cs:fontRef>
+  </cs:wall>
+</cs:chartStyle>
+</file>
+
 <file path=ppt/slideLayouts/slideLayout1.xml><?xml version="1.0" encoding="utf-8"?>
 <p:sldLayout xmlns:a="http://schemas.openxmlformats.org/drawingml/2006/main" xmlns:r="http://schemas.openxmlformats.org/officeDocument/2006/relationships" xmlns:p="http://schemas.openxmlformats.org/presentationml/2006/main" showMasterSp="0" type="title" preserve="1">
   <p:cSld name="제목 슬라이드">
@@ -1332,7 +2204,7 @@
           <a:p>
             <a:fld id="{D4B58FAA-21F7-4B8C-A176-1E5B0EF4045F}" type="datetimeFigureOut">
               <a:rPr lang="ko-KR" altLang="en-US" smtClean="0"/>
-              <a:t>2020-01-16</a:t>
+              <a:t>2020-01-17</a:t>
             </a:fld>
             <a:endParaRPr lang="ko-KR" altLang="en-US"/>
           </a:p>
@@ -1502,7 +2374,7 @@
           <a:p>
             <a:fld id="{D4B58FAA-21F7-4B8C-A176-1E5B0EF4045F}" type="datetimeFigureOut">
               <a:rPr lang="ko-KR" altLang="en-US" smtClean="0"/>
-              <a:t>2020-01-16</a:t>
+              <a:t>2020-01-17</a:t>
             </a:fld>
             <a:endParaRPr lang="ko-KR" altLang="en-US"/>
           </a:p>
@@ -1725,7 +2597,7 @@
           <a:p>
             <a:fld id="{D4B58FAA-21F7-4B8C-A176-1E5B0EF4045F}" type="datetimeFigureOut">
               <a:rPr lang="ko-KR" altLang="en-US" smtClean="0"/>
-              <a:t>2020-01-16</a:t>
+              <a:t>2020-01-17</a:t>
             </a:fld>
             <a:endParaRPr lang="ko-KR" altLang="en-US"/>
           </a:p>
@@ -1905,7 +2777,7 @@
           <a:p>
             <a:fld id="{D4B58FAA-21F7-4B8C-A176-1E5B0EF4045F}" type="datetimeFigureOut">
               <a:rPr lang="ko-KR" altLang="en-US" smtClean="0"/>
-              <a:t>2020-01-16</a:t>
+              <a:t>2020-01-17</a:t>
             </a:fld>
             <a:endParaRPr lang="ko-KR" altLang="en-US"/>
           </a:p>
@@ -2211,7 +3083,7 @@
           <a:p>
             <a:fld id="{D4B58FAA-21F7-4B8C-A176-1E5B0EF4045F}" type="datetimeFigureOut">
               <a:rPr lang="ko-KR" altLang="en-US" smtClean="0"/>
-              <a:t>2020-01-16</a:t>
+              <a:t>2020-01-17</a:t>
             </a:fld>
             <a:endParaRPr lang="ko-KR" altLang="en-US"/>
           </a:p>
@@ -2515,7 +3387,7 @@
           <a:p>
             <a:fld id="{D4B58FAA-21F7-4B8C-A176-1E5B0EF4045F}" type="datetimeFigureOut">
               <a:rPr lang="ko-KR" altLang="en-US" smtClean="0"/>
-              <a:t>2020-01-16</a:t>
+              <a:t>2020-01-17</a:t>
             </a:fld>
             <a:endParaRPr lang="ko-KR" altLang="en-US"/>
           </a:p>
@@ -2937,7 +3809,7 @@
           <a:p>
             <a:fld id="{D4B58FAA-21F7-4B8C-A176-1E5B0EF4045F}" type="datetimeFigureOut">
               <a:rPr lang="ko-KR" altLang="en-US" smtClean="0"/>
-              <a:t>2020-01-16</a:t>
+              <a:t>2020-01-17</a:t>
             </a:fld>
             <a:endParaRPr lang="ko-KR" altLang="en-US"/>
           </a:p>
@@ -3055,7 +3927,7 @@
           <a:p>
             <a:fld id="{D4B58FAA-21F7-4B8C-A176-1E5B0EF4045F}" type="datetimeFigureOut">
               <a:rPr lang="ko-KR" altLang="en-US" smtClean="0"/>
-              <a:t>2020-01-16</a:t>
+              <a:t>2020-01-17</a:t>
             </a:fld>
             <a:endParaRPr lang="ko-KR" altLang="en-US"/>
           </a:p>
@@ -3150,7 +4022,7 @@
           <a:p>
             <a:fld id="{D4B58FAA-21F7-4B8C-A176-1E5B0EF4045F}" type="datetimeFigureOut">
               <a:rPr lang="ko-KR" altLang="en-US" smtClean="0"/>
-              <a:t>2020-01-16</a:t>
+              <a:t>2020-01-17</a:t>
             </a:fld>
             <a:endParaRPr lang="ko-KR" altLang="en-US"/>
           </a:p>
@@ -3423,7 +4295,7 @@
           <a:p>
             <a:fld id="{D4B58FAA-21F7-4B8C-A176-1E5B0EF4045F}" type="datetimeFigureOut">
               <a:rPr lang="ko-KR" altLang="en-US" smtClean="0"/>
-              <a:t>2020-01-16</a:t>
+              <a:t>2020-01-17</a:t>
             </a:fld>
             <a:endParaRPr lang="ko-KR" altLang="en-US"/>
           </a:p>
@@ -3688,7 +4560,7 @@
           <a:p>
             <a:fld id="{D4B58FAA-21F7-4B8C-A176-1E5B0EF4045F}" type="datetimeFigureOut">
               <a:rPr lang="ko-KR" altLang="en-US" smtClean="0"/>
-              <a:t>2020-01-16</a:t>
+              <a:t>2020-01-17</a:t>
             </a:fld>
             <a:endParaRPr lang="ko-KR" altLang="en-US"/>
           </a:p>
@@ -3937,7 +4809,7 @@
           <a:p>
             <a:fld id="{D4B58FAA-21F7-4B8C-A176-1E5B0EF4045F}" type="datetimeFigureOut">
               <a:rPr lang="ko-KR" altLang="en-US" smtClean="0"/>
-              <a:t>2020-01-16</a:t>
+              <a:t>2020-01-17</a:t>
             </a:fld>
             <a:endParaRPr lang="ko-KR" altLang="en-US"/>
           </a:p>
@@ -4673,1245 +5545,6 @@
           <p:cNvPr id="2" name="제목 1">
             <a:extLst>
               <a:ext uri="{FF2B5EF4-FFF2-40B4-BE49-F238E27FC236}">
-                <a16:creationId xmlns:a16="http://schemas.microsoft.com/office/drawing/2014/main" id="{0028B4BC-4750-45A9-8130-0A702B166F6D}"/>
-              </a:ext>
-            </a:extLst>
-          </p:cNvPr>
-          <p:cNvSpPr>
-            <a:spLocks noGrp="1"/>
-          </p:cNvSpPr>
-          <p:nvPr>
-            <p:ph type="ctrTitle"/>
-          </p:nvPr>
-        </p:nvSpPr>
-        <p:spPr/>
-        <p:txBody>
-          <a:bodyPr>
-            <a:normAutofit/>
-          </a:bodyPr>
-          <a:lstStyle/>
-          <a:p>
-            <a:r>
-              <a:rPr lang="en-US" altLang="ko-KR" sz="8000" dirty="0"/>
-              <a:t>Q&amp;A</a:t>
-            </a:r>
-            <a:endParaRPr lang="ko-KR" altLang="en-US" sz="8000" dirty="0"/>
-          </a:p>
-        </p:txBody>
-      </p:sp>
-    </p:spTree>
-    <p:extLst>
-      <p:ext uri="{BB962C8B-B14F-4D97-AF65-F5344CB8AC3E}">
-        <p14:creationId xmlns:p14="http://schemas.microsoft.com/office/powerpoint/2010/main" val="317497467"/>
-      </p:ext>
-    </p:extLst>
-  </p:cSld>
-  <p:clrMapOvr>
-    <a:masterClrMapping/>
-  </p:clrMapOvr>
-</p:sld>
-</file>
-
-<file path=ppt/slides/slide12.xml><?xml version="1.0" encoding="utf-8"?>
-<p:sld xmlns:a="http://schemas.openxmlformats.org/drawingml/2006/main" xmlns:r="http://schemas.openxmlformats.org/officeDocument/2006/relationships" xmlns:p="http://schemas.openxmlformats.org/presentationml/2006/main">
-  <p:cSld>
-    <p:spTree>
-      <p:nvGrpSpPr>
-        <p:cNvPr id="1" name=""/>
-        <p:cNvGrpSpPr/>
-        <p:nvPr/>
-      </p:nvGrpSpPr>
-      <p:grpSpPr>
-        <a:xfrm>
-          <a:off x="0" y="0"/>
-          <a:ext cx="0" cy="0"/>
-          <a:chOff x="0" y="0"/>
-          <a:chExt cx="0" cy="0"/>
-        </a:xfrm>
-      </p:grpSpPr>
-      <p:sp>
-        <p:nvSpPr>
-          <p:cNvPr id="2" name="제목 1">
-            <a:extLst>
-              <a:ext uri="{FF2B5EF4-FFF2-40B4-BE49-F238E27FC236}">
-                <a16:creationId xmlns:a16="http://schemas.microsoft.com/office/drawing/2014/main" id="{0028B4BC-4750-45A9-8130-0A702B166F6D}"/>
-              </a:ext>
-            </a:extLst>
-          </p:cNvPr>
-          <p:cNvSpPr>
-            <a:spLocks noGrp="1"/>
-          </p:cNvSpPr>
-          <p:nvPr>
-            <p:ph type="ctrTitle"/>
-          </p:nvPr>
-        </p:nvSpPr>
-        <p:spPr/>
-        <p:txBody>
-          <a:bodyPr/>
-          <a:lstStyle/>
-          <a:p>
-            <a:r>
-              <a:rPr lang="en-US" altLang="ko-KR" dirty="0"/>
-              <a:t>Thank you</a:t>
-            </a:r>
-            <a:endParaRPr lang="ko-KR" altLang="en-US" dirty="0"/>
-          </a:p>
-        </p:txBody>
-      </p:sp>
-      <p:sp>
-        <p:nvSpPr>
-          <p:cNvPr id="3" name="부제목 2">
-            <a:extLst>
-              <a:ext uri="{FF2B5EF4-FFF2-40B4-BE49-F238E27FC236}">
-                <a16:creationId xmlns:a16="http://schemas.microsoft.com/office/drawing/2014/main" id="{7F2A52C8-3283-49F4-BA8D-058C51721850}"/>
-              </a:ext>
-            </a:extLst>
-          </p:cNvPr>
-          <p:cNvSpPr>
-            <a:spLocks noGrp="1"/>
-          </p:cNvSpPr>
-          <p:nvPr>
-            <p:ph type="subTitle" idx="1"/>
-          </p:nvPr>
-        </p:nvSpPr>
-        <p:spPr/>
-        <p:txBody>
-          <a:bodyPr/>
-          <a:lstStyle/>
-          <a:p>
-            <a:r>
-              <a:rPr lang="en-US" altLang="ko-KR" dirty="0"/>
-              <a:t>3</a:t>
-            </a:r>
-            <a:r>
-              <a:rPr lang="ko-KR" altLang="en-US" dirty="0"/>
-              <a:t>조였습니다</a:t>
-            </a:r>
-            <a:r>
-              <a:rPr lang="en-US" altLang="ko-KR" dirty="0"/>
-              <a:t>.</a:t>
-            </a:r>
-            <a:endParaRPr lang="ko-KR" altLang="en-US" dirty="0"/>
-          </a:p>
-        </p:txBody>
-      </p:sp>
-    </p:spTree>
-    <p:extLst>
-      <p:ext uri="{BB962C8B-B14F-4D97-AF65-F5344CB8AC3E}">
-        <p14:creationId xmlns:p14="http://schemas.microsoft.com/office/powerpoint/2010/main" val="317497467"/>
-      </p:ext>
-    </p:extLst>
-  </p:cSld>
-  <p:clrMapOvr>
-    <a:masterClrMapping/>
-  </p:clrMapOvr>
-</p:sld>
-</file>
-
-<file path=ppt/slides/slide2.xml><?xml version="1.0" encoding="utf-8"?>
-<p:sld xmlns:a="http://schemas.openxmlformats.org/drawingml/2006/main" xmlns:r="http://schemas.openxmlformats.org/officeDocument/2006/relationships" xmlns:p="http://schemas.openxmlformats.org/presentationml/2006/main">
-  <p:cSld>
-    <p:spTree>
-      <p:nvGrpSpPr>
-        <p:cNvPr id="1" name=""/>
-        <p:cNvGrpSpPr/>
-        <p:nvPr/>
-      </p:nvGrpSpPr>
-      <p:grpSpPr>
-        <a:xfrm>
-          <a:off x="0" y="0"/>
-          <a:ext cx="0" cy="0"/>
-          <a:chOff x="0" y="0"/>
-          <a:chExt cx="0" cy="0"/>
-        </a:xfrm>
-      </p:grpSpPr>
-      <p:sp>
-        <p:nvSpPr>
-          <p:cNvPr id="2" name="제목 1">
-            <a:extLst>
-              <a:ext uri="{FF2B5EF4-FFF2-40B4-BE49-F238E27FC236}">
-                <a16:creationId xmlns:a16="http://schemas.microsoft.com/office/drawing/2014/main" id="{F89C2EA4-9B14-4B06-AF97-D1794B1F0C5A}"/>
-              </a:ext>
-            </a:extLst>
-          </p:cNvPr>
-          <p:cNvSpPr>
-            <a:spLocks noGrp="1"/>
-          </p:cNvSpPr>
-          <p:nvPr>
-            <p:ph type="title"/>
-          </p:nvPr>
-        </p:nvSpPr>
-        <p:spPr>
-          <a:xfrm>
-            <a:off x="561081" y="292969"/>
-            <a:ext cx="9784080" cy="1508760"/>
-          </a:xfrm>
-        </p:spPr>
-        <p:txBody>
-          <a:bodyPr>
-            <a:normAutofit/>
-          </a:bodyPr>
-          <a:lstStyle/>
-          <a:p>
-            <a:r>
-              <a:rPr lang="ko-KR" altLang="en-US" sz="6000" dirty="0"/>
-              <a:t>목차</a:t>
-            </a:r>
-          </a:p>
-        </p:txBody>
-      </p:sp>
-      <p:sp>
-        <p:nvSpPr>
-          <p:cNvPr id="3" name="내용 개체 틀 2">
-            <a:extLst>
-              <a:ext uri="{FF2B5EF4-FFF2-40B4-BE49-F238E27FC236}">
-                <a16:creationId xmlns:a16="http://schemas.microsoft.com/office/drawing/2014/main" id="{A508FD91-8F2F-4DBD-9035-D09EF0C138FA}"/>
-              </a:ext>
-            </a:extLst>
-          </p:cNvPr>
-          <p:cNvSpPr>
-            <a:spLocks noGrp="1"/>
-          </p:cNvSpPr>
-          <p:nvPr>
-            <p:ph idx="1"/>
-          </p:nvPr>
-        </p:nvSpPr>
-        <p:spPr>
-          <a:xfrm>
-            <a:off x="517120" y="2169941"/>
-            <a:ext cx="9784080" cy="4206240"/>
-          </a:xfrm>
-        </p:spPr>
-        <p:txBody>
-          <a:bodyPr/>
-          <a:lstStyle/>
-          <a:p>
-            <a:r>
-              <a:rPr lang="ko-KR" altLang="en-US" sz="2800" dirty="0"/>
-              <a:t>추진 일정</a:t>
-            </a:r>
-            <a:endParaRPr lang="en-US" altLang="ko-KR" sz="2800" dirty="0"/>
-          </a:p>
-          <a:p>
-            <a:r>
-              <a:rPr lang="ko-KR" altLang="en-US" sz="2800" dirty="0"/>
-              <a:t>주제 선정 배경 </a:t>
-            </a:r>
-            <a:endParaRPr lang="en-US" altLang="ko-KR" sz="2800" dirty="0"/>
-          </a:p>
-          <a:p>
-            <a:r>
-              <a:rPr lang="ko-KR" altLang="en-US" sz="2800" dirty="0"/>
-              <a:t>활용 데이터 </a:t>
-            </a:r>
-            <a:endParaRPr lang="en-US" altLang="ko-KR" sz="2800" dirty="0"/>
-          </a:p>
-          <a:p>
-            <a:r>
-              <a:rPr lang="ko-KR" altLang="en-US" sz="2800" dirty="0"/>
-              <a:t>데이터 </a:t>
-            </a:r>
-            <a:r>
-              <a:rPr lang="ko-KR" altLang="en-US" sz="2800" dirty="0" err="1"/>
-              <a:t>전처리</a:t>
-            </a:r>
-            <a:r>
-              <a:rPr lang="ko-KR" altLang="en-US" sz="2800" dirty="0"/>
-              <a:t> 방향 </a:t>
-            </a:r>
-            <a:endParaRPr lang="en-US" altLang="ko-KR" sz="2800" dirty="0"/>
-          </a:p>
-          <a:p>
-            <a:r>
-              <a:rPr lang="ko-KR" altLang="en-US" sz="2800" dirty="0"/>
-              <a:t>기대효과 </a:t>
-            </a:r>
-          </a:p>
-          <a:p>
-            <a:pPr marL="0" indent="0">
-              <a:buNone/>
-            </a:pPr>
-            <a:endParaRPr lang="en-US" altLang="ko-KR" dirty="0"/>
-          </a:p>
-        </p:txBody>
-      </p:sp>
-    </p:spTree>
-    <p:extLst>
-      <p:ext uri="{BB962C8B-B14F-4D97-AF65-F5344CB8AC3E}">
-        <p14:creationId xmlns:p14="http://schemas.microsoft.com/office/powerpoint/2010/main" val="3557914880"/>
-      </p:ext>
-    </p:extLst>
-  </p:cSld>
-  <p:clrMapOvr>
-    <a:masterClrMapping/>
-  </p:clrMapOvr>
-</p:sld>
-</file>
-
-<file path=ppt/slides/slide3.xml><?xml version="1.0" encoding="utf-8"?>
-<p:sld xmlns:a="http://schemas.openxmlformats.org/drawingml/2006/main" xmlns:r="http://schemas.openxmlformats.org/officeDocument/2006/relationships" xmlns:p="http://schemas.openxmlformats.org/presentationml/2006/main">
-  <p:cSld>
-    <p:spTree>
-      <p:nvGrpSpPr>
-        <p:cNvPr id="1" name=""/>
-        <p:cNvGrpSpPr/>
-        <p:nvPr/>
-      </p:nvGrpSpPr>
-      <p:grpSpPr>
-        <a:xfrm>
-          <a:off x="0" y="0"/>
-          <a:ext cx="0" cy="0"/>
-          <a:chOff x="0" y="0"/>
-          <a:chExt cx="0" cy="0"/>
-        </a:xfrm>
-      </p:grpSpPr>
-      <p:sp>
-        <p:nvSpPr>
-          <p:cNvPr id="2" name="제목 1">
-            <a:extLst>
-              <a:ext uri="{FF2B5EF4-FFF2-40B4-BE49-F238E27FC236}">
-                <a16:creationId xmlns:a16="http://schemas.microsoft.com/office/drawing/2014/main" id="{D4C882E9-E7C3-45F9-BA41-1D226D2570C9}"/>
-              </a:ext>
-            </a:extLst>
-          </p:cNvPr>
-          <p:cNvSpPr>
-            <a:spLocks noGrp="1"/>
-          </p:cNvSpPr>
-          <p:nvPr>
-            <p:ph type="title"/>
-          </p:nvPr>
-        </p:nvSpPr>
-        <p:spPr/>
-        <p:txBody>
-          <a:bodyPr/>
-          <a:lstStyle/>
-          <a:p>
-            <a:r>
-              <a:rPr lang="ko-KR" altLang="en-US" dirty="0"/>
-              <a:t>조원 소개</a:t>
-            </a:r>
-          </a:p>
-        </p:txBody>
-      </p:sp>
-      <p:sp>
-        <p:nvSpPr>
-          <p:cNvPr id="6" name="타원 5">
-            <a:extLst>
-              <a:ext uri="{FF2B5EF4-FFF2-40B4-BE49-F238E27FC236}">
-                <a16:creationId xmlns:a16="http://schemas.microsoft.com/office/drawing/2014/main" id="{41AD5764-4C17-422F-A647-CA4F1574F383}"/>
-              </a:ext>
-            </a:extLst>
-          </p:cNvPr>
-          <p:cNvSpPr/>
-          <p:nvPr/>
-        </p:nvSpPr>
-        <p:spPr>
-          <a:xfrm>
-            <a:off x="741872" y="4659621"/>
-            <a:ext cx="1656271" cy="1656271"/>
-          </a:xfrm>
-          <a:prstGeom prst="ellipse">
-            <a:avLst/>
-          </a:prstGeom>
-          <a:blipFill dpi="0" rotWithShape="1">
-            <a:blip r:embed="rId2">
-              <a:extLst>
-                <a:ext uri="{28A0092B-C50C-407E-A947-70E740481C1C}">
-                  <a14:useLocalDpi xmlns:a14="http://schemas.microsoft.com/office/drawing/2010/main" val="0"/>
-                </a:ext>
-              </a:extLst>
-            </a:blip>
-            <a:srcRect/>
-            <a:stretch>
-              <a:fillRect/>
-            </a:stretch>
-          </a:blipFill>
-          <a:ln>
-            <a:noFill/>
-          </a:ln>
-        </p:spPr>
-        <p:style>
-          <a:lnRef idx="2">
-            <a:schemeClr val="accent1">
-              <a:shade val="50000"/>
-            </a:schemeClr>
-          </a:lnRef>
-          <a:fillRef idx="1">
-            <a:schemeClr val="accent1"/>
-          </a:fillRef>
-          <a:effectRef idx="0">
-            <a:schemeClr val="accent1"/>
-          </a:effectRef>
-          <a:fontRef idx="minor">
-            <a:schemeClr val="lt1"/>
-          </a:fontRef>
-        </p:style>
-        <p:txBody>
-          <a:bodyPr rtlCol="0" anchor="ctr"/>
-          <a:lstStyle/>
-          <a:p>
-            <a:pPr algn="ctr"/>
-            <a:endParaRPr lang="ko-KR" altLang="en-US"/>
-          </a:p>
-        </p:txBody>
-      </p:sp>
-      <p:sp>
-        <p:nvSpPr>
-          <p:cNvPr id="7" name="타원 6">
-            <a:extLst>
-              <a:ext uri="{FF2B5EF4-FFF2-40B4-BE49-F238E27FC236}">
-                <a16:creationId xmlns:a16="http://schemas.microsoft.com/office/drawing/2014/main" id="{BEA37F84-FC27-4275-98CC-73573FA20AED}"/>
-              </a:ext>
-            </a:extLst>
-          </p:cNvPr>
-          <p:cNvSpPr/>
-          <p:nvPr/>
-        </p:nvSpPr>
-        <p:spPr>
-          <a:xfrm>
-            <a:off x="6096000" y="4659621"/>
-            <a:ext cx="1656271" cy="1656271"/>
-          </a:xfrm>
-          <a:prstGeom prst="ellipse">
-            <a:avLst/>
-          </a:prstGeom>
-          <a:blipFill dpi="0" rotWithShape="1">
-            <a:blip r:embed="rId2">
-              <a:extLst>
-                <a:ext uri="{28A0092B-C50C-407E-A947-70E740481C1C}">
-                  <a14:useLocalDpi xmlns:a14="http://schemas.microsoft.com/office/drawing/2010/main" val="0"/>
-                </a:ext>
-              </a:extLst>
-            </a:blip>
-            <a:srcRect/>
-            <a:stretch>
-              <a:fillRect/>
-            </a:stretch>
-          </a:blipFill>
-          <a:ln>
-            <a:noFill/>
-          </a:ln>
-        </p:spPr>
-        <p:style>
-          <a:lnRef idx="2">
-            <a:schemeClr val="accent1">
-              <a:shade val="50000"/>
-            </a:schemeClr>
-          </a:lnRef>
-          <a:fillRef idx="1">
-            <a:schemeClr val="accent1"/>
-          </a:fillRef>
-          <a:effectRef idx="0">
-            <a:schemeClr val="accent1"/>
-          </a:effectRef>
-          <a:fontRef idx="minor">
-            <a:schemeClr val="lt1"/>
-          </a:fontRef>
-        </p:style>
-        <p:txBody>
-          <a:bodyPr rtlCol="0" anchor="ctr"/>
-          <a:lstStyle/>
-          <a:p>
-            <a:pPr algn="ctr"/>
-            <a:endParaRPr lang="ko-KR" altLang="en-US"/>
-          </a:p>
-        </p:txBody>
-      </p:sp>
-      <p:cxnSp>
-        <p:nvCxnSpPr>
-          <p:cNvPr id="10" name="직선 연결선 9">
-            <a:extLst>
-              <a:ext uri="{FF2B5EF4-FFF2-40B4-BE49-F238E27FC236}">
-                <a16:creationId xmlns:a16="http://schemas.microsoft.com/office/drawing/2014/main" id="{A332F769-2B61-4592-AA7C-588B10780ED3}"/>
-              </a:ext>
-            </a:extLst>
-          </p:cNvPr>
-          <p:cNvCxnSpPr/>
-          <p:nvPr/>
-        </p:nvCxnSpPr>
-        <p:spPr>
-          <a:xfrm>
-            <a:off x="2560320" y="4054414"/>
-            <a:ext cx="3042458" cy="0"/>
-          </a:xfrm>
-          <a:prstGeom prst="line">
-            <a:avLst/>
-          </a:prstGeom>
-          <a:ln w="53975">
-            <a:solidFill>
-              <a:schemeClr val="tx1"/>
-            </a:solidFill>
-            <a:prstDash val="sysDash"/>
-          </a:ln>
-        </p:spPr>
-        <p:style>
-          <a:lnRef idx="1">
-            <a:schemeClr val="accent1"/>
-          </a:lnRef>
-          <a:fillRef idx="0">
-            <a:schemeClr val="accent1"/>
-          </a:fillRef>
-          <a:effectRef idx="0">
-            <a:schemeClr val="accent1"/>
-          </a:effectRef>
-          <a:fontRef idx="minor">
-            <a:schemeClr val="tx1"/>
-          </a:fontRef>
-        </p:style>
-      </p:cxnSp>
-      <p:cxnSp>
-        <p:nvCxnSpPr>
-          <p:cNvPr id="11" name="직선 연결선 10">
-            <a:extLst>
-              <a:ext uri="{FF2B5EF4-FFF2-40B4-BE49-F238E27FC236}">
-                <a16:creationId xmlns:a16="http://schemas.microsoft.com/office/drawing/2014/main" id="{6926DDA5-6CE7-4EA1-9B69-315B33B96E51}"/>
-              </a:ext>
-            </a:extLst>
-          </p:cNvPr>
-          <p:cNvCxnSpPr/>
-          <p:nvPr/>
-        </p:nvCxnSpPr>
-        <p:spPr>
-          <a:xfrm>
-            <a:off x="2560320" y="2446165"/>
-            <a:ext cx="3042458" cy="0"/>
-          </a:xfrm>
-          <a:prstGeom prst="line">
-            <a:avLst/>
-          </a:prstGeom>
-          <a:ln w="53975">
-            <a:solidFill>
-              <a:schemeClr val="tx1"/>
-            </a:solidFill>
-            <a:prstDash val="sysDash"/>
-          </a:ln>
-        </p:spPr>
-        <p:style>
-          <a:lnRef idx="1">
-            <a:schemeClr val="accent1"/>
-          </a:lnRef>
-          <a:fillRef idx="0">
-            <a:schemeClr val="accent1"/>
-          </a:fillRef>
-          <a:effectRef idx="0">
-            <a:schemeClr val="accent1"/>
-          </a:effectRef>
-          <a:fontRef idx="minor">
-            <a:schemeClr val="tx1"/>
-          </a:fontRef>
-        </p:style>
-      </p:cxnSp>
-      <p:sp>
-        <p:nvSpPr>
-          <p:cNvPr id="12" name="TextBox 11">
-            <a:extLst>
-              <a:ext uri="{FF2B5EF4-FFF2-40B4-BE49-F238E27FC236}">
-                <a16:creationId xmlns:a16="http://schemas.microsoft.com/office/drawing/2014/main" id="{7FBB0091-643C-40A5-951D-03842AA32A4C}"/>
-              </a:ext>
-            </a:extLst>
-          </p:cNvPr>
-          <p:cNvSpPr txBox="1"/>
-          <p:nvPr/>
-        </p:nvSpPr>
-        <p:spPr>
-          <a:xfrm>
-            <a:off x="2560320" y="2545236"/>
-            <a:ext cx="3042458" cy="1295868"/>
-          </a:xfrm>
-          <a:prstGeom prst="rect">
-            <a:avLst/>
-          </a:prstGeom>
-          <a:noFill/>
-        </p:spPr>
-        <p:txBody>
-          <a:bodyPr wrap="square" rtlCol="0">
-            <a:spAutoFit/>
-          </a:bodyPr>
-          <a:lstStyle/>
-          <a:p>
-            <a:pPr>
-              <a:lnSpc>
-                <a:spcPct val="150000"/>
-              </a:lnSpc>
-            </a:pPr>
-            <a:r>
-              <a:rPr lang="ko-KR" altLang="en-US" dirty="0"/>
-              <a:t>조장 이 소 정</a:t>
-            </a:r>
-            <a:endParaRPr lang="en-US" altLang="ko-KR" dirty="0"/>
-          </a:p>
-          <a:p>
-            <a:pPr>
-              <a:lnSpc>
-                <a:spcPct val="150000"/>
-              </a:lnSpc>
-            </a:pPr>
-            <a:r>
-              <a:rPr lang="ko-KR" altLang="en-US" dirty="0"/>
-              <a:t>지역 데이터 수집</a:t>
-            </a:r>
-            <a:endParaRPr lang="en-US" altLang="ko-KR" dirty="0"/>
-          </a:p>
-          <a:p>
-            <a:pPr>
-              <a:lnSpc>
-                <a:spcPct val="150000"/>
-              </a:lnSpc>
-            </a:pPr>
-            <a:r>
-              <a:rPr lang="ko-KR" altLang="en-US" dirty="0"/>
-              <a:t>지역 데이터 분석</a:t>
-            </a:r>
-            <a:endParaRPr lang="en-US" altLang="ko-KR" dirty="0"/>
-          </a:p>
-        </p:txBody>
-      </p:sp>
-      <p:cxnSp>
-        <p:nvCxnSpPr>
-          <p:cNvPr id="13" name="직선 연결선 12">
-            <a:extLst>
-              <a:ext uri="{FF2B5EF4-FFF2-40B4-BE49-F238E27FC236}">
-                <a16:creationId xmlns:a16="http://schemas.microsoft.com/office/drawing/2014/main" id="{7B19834B-22EC-42F3-8BE1-5043FDBEF070}"/>
-              </a:ext>
-            </a:extLst>
-          </p:cNvPr>
-          <p:cNvCxnSpPr/>
-          <p:nvPr/>
-        </p:nvCxnSpPr>
-        <p:spPr>
-          <a:xfrm>
-            <a:off x="7944541" y="4054414"/>
-            <a:ext cx="3042458" cy="0"/>
-          </a:xfrm>
-          <a:prstGeom prst="line">
-            <a:avLst/>
-          </a:prstGeom>
-          <a:ln w="53975">
-            <a:solidFill>
-              <a:schemeClr val="tx1"/>
-            </a:solidFill>
-            <a:prstDash val="sysDash"/>
-          </a:ln>
-        </p:spPr>
-        <p:style>
-          <a:lnRef idx="1">
-            <a:schemeClr val="accent1"/>
-          </a:lnRef>
-          <a:fillRef idx="0">
-            <a:schemeClr val="accent1"/>
-          </a:fillRef>
-          <a:effectRef idx="0">
-            <a:schemeClr val="accent1"/>
-          </a:effectRef>
-          <a:fontRef idx="minor">
-            <a:schemeClr val="tx1"/>
-          </a:fontRef>
-        </p:style>
-      </p:cxnSp>
-      <p:cxnSp>
-        <p:nvCxnSpPr>
-          <p:cNvPr id="14" name="직선 연결선 13">
-            <a:extLst>
-              <a:ext uri="{FF2B5EF4-FFF2-40B4-BE49-F238E27FC236}">
-                <a16:creationId xmlns:a16="http://schemas.microsoft.com/office/drawing/2014/main" id="{C3801B3B-8C28-4360-A775-DF953F0594CB}"/>
-              </a:ext>
-            </a:extLst>
-          </p:cNvPr>
-          <p:cNvCxnSpPr/>
-          <p:nvPr/>
-        </p:nvCxnSpPr>
-        <p:spPr>
-          <a:xfrm>
-            <a:off x="7944541" y="2446165"/>
-            <a:ext cx="3042458" cy="0"/>
-          </a:xfrm>
-          <a:prstGeom prst="line">
-            <a:avLst/>
-          </a:prstGeom>
-          <a:ln w="53975">
-            <a:solidFill>
-              <a:schemeClr val="tx1"/>
-            </a:solidFill>
-            <a:prstDash val="sysDash"/>
-          </a:ln>
-        </p:spPr>
-        <p:style>
-          <a:lnRef idx="1">
-            <a:schemeClr val="accent1"/>
-          </a:lnRef>
-          <a:fillRef idx="0">
-            <a:schemeClr val="accent1"/>
-          </a:fillRef>
-          <a:effectRef idx="0">
-            <a:schemeClr val="accent1"/>
-          </a:effectRef>
-          <a:fontRef idx="minor">
-            <a:schemeClr val="tx1"/>
-          </a:fontRef>
-        </p:style>
-      </p:cxnSp>
-      <p:sp>
-        <p:nvSpPr>
-          <p:cNvPr id="15" name="TextBox 14">
-            <a:extLst>
-              <a:ext uri="{FF2B5EF4-FFF2-40B4-BE49-F238E27FC236}">
-                <a16:creationId xmlns:a16="http://schemas.microsoft.com/office/drawing/2014/main" id="{DF531BD6-939E-4061-A52C-1FF80CF75560}"/>
-              </a:ext>
-            </a:extLst>
-          </p:cNvPr>
-          <p:cNvSpPr txBox="1"/>
-          <p:nvPr/>
-        </p:nvSpPr>
-        <p:spPr>
-          <a:xfrm>
-            <a:off x="7944541" y="2545236"/>
-            <a:ext cx="3042458" cy="1295868"/>
-          </a:xfrm>
-          <a:prstGeom prst="rect">
-            <a:avLst/>
-          </a:prstGeom>
-          <a:noFill/>
-        </p:spPr>
-        <p:txBody>
-          <a:bodyPr wrap="square" rtlCol="0">
-            <a:spAutoFit/>
-          </a:bodyPr>
-          <a:lstStyle/>
-          <a:p>
-            <a:pPr>
-              <a:lnSpc>
-                <a:spcPct val="150000"/>
-              </a:lnSpc>
-            </a:pPr>
-            <a:r>
-              <a:rPr lang="en-US" altLang="ko-KR" dirty="0"/>
-              <a:t>PM </a:t>
-            </a:r>
-            <a:r>
-              <a:rPr lang="ko-KR" altLang="en-US" dirty="0"/>
-              <a:t>박 민 혁 </a:t>
-            </a:r>
-            <a:endParaRPr lang="en-US" altLang="ko-KR" dirty="0"/>
-          </a:p>
-          <a:p>
-            <a:pPr>
-              <a:lnSpc>
-                <a:spcPct val="150000"/>
-              </a:lnSpc>
-            </a:pPr>
-            <a:r>
-              <a:rPr lang="ko-KR" altLang="en-US" dirty="0"/>
-              <a:t>적정 모델 탐색</a:t>
-            </a:r>
-            <a:endParaRPr lang="en-US" altLang="ko-KR" dirty="0"/>
-          </a:p>
-          <a:p>
-            <a:pPr>
-              <a:lnSpc>
-                <a:spcPct val="150000"/>
-              </a:lnSpc>
-            </a:pPr>
-            <a:r>
-              <a:rPr lang="ko-KR" altLang="en-US" dirty="0"/>
-              <a:t>전반적 진행 상황 확인</a:t>
-            </a:r>
-            <a:endParaRPr lang="en-US" altLang="ko-KR" dirty="0"/>
-          </a:p>
-        </p:txBody>
-      </p:sp>
-      <p:cxnSp>
-        <p:nvCxnSpPr>
-          <p:cNvPr id="16" name="직선 연결선 15">
-            <a:extLst>
-              <a:ext uri="{FF2B5EF4-FFF2-40B4-BE49-F238E27FC236}">
-                <a16:creationId xmlns:a16="http://schemas.microsoft.com/office/drawing/2014/main" id="{55C730CC-BF78-4705-A63B-9478F0BA184F}"/>
-              </a:ext>
-            </a:extLst>
-          </p:cNvPr>
-          <p:cNvCxnSpPr/>
-          <p:nvPr/>
-        </p:nvCxnSpPr>
-        <p:spPr>
-          <a:xfrm>
-            <a:off x="2560320" y="6488417"/>
-            <a:ext cx="3042458" cy="0"/>
-          </a:xfrm>
-          <a:prstGeom prst="line">
-            <a:avLst/>
-          </a:prstGeom>
-          <a:ln w="53975">
-            <a:solidFill>
-              <a:schemeClr val="tx1"/>
-            </a:solidFill>
-            <a:prstDash val="sysDash"/>
-          </a:ln>
-        </p:spPr>
-        <p:style>
-          <a:lnRef idx="1">
-            <a:schemeClr val="accent1"/>
-          </a:lnRef>
-          <a:fillRef idx="0">
-            <a:schemeClr val="accent1"/>
-          </a:fillRef>
-          <a:effectRef idx="0">
-            <a:schemeClr val="accent1"/>
-          </a:effectRef>
-          <a:fontRef idx="minor">
-            <a:schemeClr val="tx1"/>
-          </a:fontRef>
-        </p:style>
-      </p:cxnSp>
-      <p:cxnSp>
-        <p:nvCxnSpPr>
-          <p:cNvPr id="17" name="직선 연결선 16">
-            <a:extLst>
-              <a:ext uri="{FF2B5EF4-FFF2-40B4-BE49-F238E27FC236}">
-                <a16:creationId xmlns:a16="http://schemas.microsoft.com/office/drawing/2014/main" id="{37AA000C-3043-4B56-8D8A-31A4CCA30E18}"/>
-              </a:ext>
-            </a:extLst>
-          </p:cNvPr>
-          <p:cNvCxnSpPr/>
-          <p:nvPr/>
-        </p:nvCxnSpPr>
-        <p:spPr>
-          <a:xfrm>
-            <a:off x="2560320" y="4630009"/>
-            <a:ext cx="3042458" cy="0"/>
-          </a:xfrm>
-          <a:prstGeom prst="line">
-            <a:avLst/>
-          </a:prstGeom>
-          <a:ln w="53975">
-            <a:solidFill>
-              <a:schemeClr val="tx1"/>
-            </a:solidFill>
-            <a:prstDash val="sysDash"/>
-          </a:ln>
-        </p:spPr>
-        <p:style>
-          <a:lnRef idx="1">
-            <a:schemeClr val="accent1"/>
-          </a:lnRef>
-          <a:fillRef idx="0">
-            <a:schemeClr val="accent1"/>
-          </a:fillRef>
-          <a:effectRef idx="0">
-            <a:schemeClr val="accent1"/>
-          </a:effectRef>
-          <a:fontRef idx="minor">
-            <a:schemeClr val="tx1"/>
-          </a:fontRef>
-        </p:style>
-      </p:cxnSp>
-      <p:sp>
-        <p:nvSpPr>
-          <p:cNvPr id="18" name="TextBox 17">
-            <a:extLst>
-              <a:ext uri="{FF2B5EF4-FFF2-40B4-BE49-F238E27FC236}">
-                <a16:creationId xmlns:a16="http://schemas.microsoft.com/office/drawing/2014/main" id="{F81374DA-6723-4317-8897-2A0F32CD595B}"/>
-              </a:ext>
-            </a:extLst>
-          </p:cNvPr>
-          <p:cNvSpPr txBox="1"/>
-          <p:nvPr/>
-        </p:nvSpPr>
-        <p:spPr>
-          <a:xfrm>
-            <a:off x="2560320" y="4729080"/>
-            <a:ext cx="3180604" cy="1709122"/>
-          </a:xfrm>
-          <a:prstGeom prst="rect">
-            <a:avLst/>
-          </a:prstGeom>
-          <a:noFill/>
-        </p:spPr>
-        <p:txBody>
-          <a:bodyPr wrap="square" rtlCol="0">
-            <a:spAutoFit/>
-          </a:bodyPr>
-          <a:lstStyle/>
-          <a:p>
-            <a:pPr>
-              <a:lnSpc>
-                <a:spcPct val="150000"/>
-              </a:lnSpc>
-            </a:pPr>
-            <a:r>
-              <a:rPr lang="ko-KR" altLang="en-US" dirty="0"/>
-              <a:t>김 대 현</a:t>
-            </a:r>
-            <a:endParaRPr lang="en-US" altLang="ko-KR" dirty="0"/>
-          </a:p>
-          <a:p>
-            <a:pPr>
-              <a:lnSpc>
-                <a:spcPct val="150000"/>
-              </a:lnSpc>
-            </a:pPr>
-            <a:r>
-              <a:rPr lang="ko-KR" altLang="en-US" dirty="0"/>
-              <a:t>쓰레기 처리 관련 데이터 수집</a:t>
-            </a:r>
-            <a:endParaRPr lang="en-US" altLang="ko-KR" dirty="0"/>
-          </a:p>
-          <a:p>
-            <a:pPr>
-              <a:lnSpc>
-                <a:spcPct val="150000"/>
-              </a:lnSpc>
-            </a:pPr>
-            <a:r>
-              <a:rPr lang="ko-KR" altLang="en-US" dirty="0"/>
-              <a:t>쓰레기 처리 관련 데이터 분석</a:t>
-            </a:r>
-            <a:endParaRPr lang="en-US" altLang="ko-KR" dirty="0"/>
-          </a:p>
-          <a:p>
-            <a:pPr>
-              <a:lnSpc>
-                <a:spcPct val="150000"/>
-              </a:lnSpc>
-            </a:pPr>
-            <a:r>
-              <a:rPr lang="ko-KR" altLang="en-US" dirty="0"/>
-              <a:t>발표 </a:t>
-            </a:r>
-            <a:r>
-              <a:rPr lang="en-US" altLang="ko-KR" dirty="0"/>
-              <a:t>PPT</a:t>
-            </a:r>
-            <a:r>
-              <a:rPr lang="ko-KR" altLang="en-US" dirty="0"/>
-              <a:t> 제작</a:t>
-            </a:r>
-            <a:endParaRPr lang="en-US" altLang="ko-KR" dirty="0"/>
-          </a:p>
-        </p:txBody>
-      </p:sp>
-      <p:cxnSp>
-        <p:nvCxnSpPr>
-          <p:cNvPr id="19" name="직선 연결선 18">
-            <a:extLst>
-              <a:ext uri="{FF2B5EF4-FFF2-40B4-BE49-F238E27FC236}">
-                <a16:creationId xmlns:a16="http://schemas.microsoft.com/office/drawing/2014/main" id="{BC991C64-BE63-414A-B5D4-DFB4D1C58393}"/>
-              </a:ext>
-            </a:extLst>
-          </p:cNvPr>
-          <p:cNvCxnSpPr/>
-          <p:nvPr/>
-        </p:nvCxnSpPr>
-        <p:spPr>
-          <a:xfrm>
-            <a:off x="7944541" y="6522920"/>
-            <a:ext cx="3042458" cy="0"/>
-          </a:xfrm>
-          <a:prstGeom prst="line">
-            <a:avLst/>
-          </a:prstGeom>
-          <a:ln w="53975">
-            <a:solidFill>
-              <a:schemeClr val="tx1"/>
-            </a:solidFill>
-            <a:prstDash val="sysDash"/>
-          </a:ln>
-        </p:spPr>
-        <p:style>
-          <a:lnRef idx="1">
-            <a:schemeClr val="accent1"/>
-          </a:lnRef>
-          <a:fillRef idx="0">
-            <a:schemeClr val="accent1"/>
-          </a:fillRef>
-          <a:effectRef idx="0">
-            <a:schemeClr val="accent1"/>
-          </a:effectRef>
-          <a:fontRef idx="minor">
-            <a:schemeClr val="tx1"/>
-          </a:fontRef>
-        </p:style>
-      </p:cxnSp>
-      <p:cxnSp>
-        <p:nvCxnSpPr>
-          <p:cNvPr id="20" name="직선 연결선 19">
-            <a:extLst>
-              <a:ext uri="{FF2B5EF4-FFF2-40B4-BE49-F238E27FC236}">
-                <a16:creationId xmlns:a16="http://schemas.microsoft.com/office/drawing/2014/main" id="{60E239F2-DF8F-4660-932D-6B71002E1B5C}"/>
-              </a:ext>
-            </a:extLst>
-          </p:cNvPr>
-          <p:cNvCxnSpPr/>
-          <p:nvPr/>
-        </p:nvCxnSpPr>
-        <p:spPr>
-          <a:xfrm>
-            <a:off x="7944541" y="4664513"/>
-            <a:ext cx="3042458" cy="0"/>
-          </a:xfrm>
-          <a:prstGeom prst="line">
-            <a:avLst/>
-          </a:prstGeom>
-          <a:ln w="53975">
-            <a:solidFill>
-              <a:schemeClr val="tx1"/>
-            </a:solidFill>
-            <a:prstDash val="sysDash"/>
-          </a:ln>
-        </p:spPr>
-        <p:style>
-          <a:lnRef idx="1">
-            <a:schemeClr val="accent1"/>
-          </a:lnRef>
-          <a:fillRef idx="0">
-            <a:schemeClr val="accent1"/>
-          </a:fillRef>
-          <a:effectRef idx="0">
-            <a:schemeClr val="accent1"/>
-          </a:effectRef>
-          <a:fontRef idx="minor">
-            <a:schemeClr val="tx1"/>
-          </a:fontRef>
-        </p:style>
-      </p:cxnSp>
-      <p:sp>
-        <p:nvSpPr>
-          <p:cNvPr id="21" name="TextBox 20">
-            <a:extLst>
-              <a:ext uri="{FF2B5EF4-FFF2-40B4-BE49-F238E27FC236}">
-                <a16:creationId xmlns:a16="http://schemas.microsoft.com/office/drawing/2014/main" id="{EE328E22-DC8D-47E1-A6E5-A0A9C5DE010F}"/>
-              </a:ext>
-            </a:extLst>
-          </p:cNvPr>
-          <p:cNvSpPr txBox="1"/>
-          <p:nvPr/>
-        </p:nvSpPr>
-        <p:spPr>
-          <a:xfrm>
-            <a:off x="7944541" y="4806714"/>
-            <a:ext cx="3180604" cy="1709122"/>
-          </a:xfrm>
-          <a:prstGeom prst="rect">
-            <a:avLst/>
-          </a:prstGeom>
-          <a:noFill/>
-        </p:spPr>
-        <p:txBody>
-          <a:bodyPr wrap="square" rtlCol="0">
-            <a:spAutoFit/>
-          </a:bodyPr>
-          <a:lstStyle/>
-          <a:p>
-            <a:pPr>
-              <a:lnSpc>
-                <a:spcPct val="150000"/>
-              </a:lnSpc>
-            </a:pPr>
-            <a:r>
-              <a:rPr lang="ko-KR" altLang="en-US" dirty="0"/>
-              <a:t>현 동 </a:t>
-            </a:r>
-            <a:r>
-              <a:rPr lang="ko-KR" altLang="en-US" dirty="0" err="1"/>
-              <a:t>엽</a:t>
-            </a:r>
-            <a:endParaRPr lang="en-US" altLang="ko-KR" dirty="0"/>
-          </a:p>
-          <a:p>
-            <a:pPr>
-              <a:lnSpc>
-                <a:spcPct val="150000"/>
-              </a:lnSpc>
-            </a:pPr>
-            <a:r>
-              <a:rPr lang="ko-KR" altLang="en-US" dirty="0"/>
-              <a:t>지역 데이터 수집</a:t>
-            </a:r>
-            <a:endParaRPr lang="en-US" altLang="ko-KR" dirty="0"/>
-          </a:p>
-          <a:p>
-            <a:pPr>
-              <a:lnSpc>
-                <a:spcPct val="150000"/>
-              </a:lnSpc>
-            </a:pPr>
-            <a:r>
-              <a:rPr lang="ko-KR" altLang="en-US" dirty="0"/>
-              <a:t>지역 데이터 분석</a:t>
-            </a:r>
-            <a:endParaRPr lang="en-US" altLang="ko-KR" dirty="0"/>
-          </a:p>
-          <a:p>
-            <a:pPr>
-              <a:lnSpc>
-                <a:spcPct val="150000"/>
-              </a:lnSpc>
-            </a:pPr>
-            <a:r>
-              <a:rPr lang="ko-KR" altLang="en-US" dirty="0"/>
-              <a:t>모델 탐색</a:t>
-            </a:r>
-            <a:endParaRPr lang="en-US" altLang="ko-KR" dirty="0"/>
-          </a:p>
-        </p:txBody>
-      </p:sp>
-      <p:sp>
-        <p:nvSpPr>
-          <p:cNvPr id="23" name="타원 22">
-            <a:extLst>
-              <a:ext uri="{FF2B5EF4-FFF2-40B4-BE49-F238E27FC236}">
-                <a16:creationId xmlns:a16="http://schemas.microsoft.com/office/drawing/2014/main" id="{53B79E2A-61BB-4E04-82EF-70C18E0BA532}"/>
-              </a:ext>
-            </a:extLst>
-          </p:cNvPr>
-          <p:cNvSpPr/>
-          <p:nvPr/>
-        </p:nvSpPr>
-        <p:spPr>
-          <a:xfrm>
-            <a:off x="6096000" y="2398143"/>
-            <a:ext cx="1656271" cy="1656271"/>
-          </a:xfrm>
-          <a:prstGeom prst="ellipse">
-            <a:avLst/>
-          </a:prstGeom>
-          <a:blipFill dpi="0" rotWithShape="1">
-            <a:blip r:embed="rId3">
-              <a:extLst>
-                <a:ext uri="{28A0092B-C50C-407E-A947-70E740481C1C}">
-                  <a14:useLocalDpi xmlns:a14="http://schemas.microsoft.com/office/drawing/2010/main" val="0"/>
-                </a:ext>
-              </a:extLst>
-            </a:blip>
-            <a:srcRect/>
-            <a:stretch>
-              <a:fillRect/>
-            </a:stretch>
-          </a:blipFill>
-          <a:ln>
-            <a:noFill/>
-          </a:ln>
-        </p:spPr>
-        <p:style>
-          <a:lnRef idx="2">
-            <a:schemeClr val="accent1">
-              <a:shade val="50000"/>
-            </a:schemeClr>
-          </a:lnRef>
-          <a:fillRef idx="1">
-            <a:schemeClr val="accent1"/>
-          </a:fillRef>
-          <a:effectRef idx="0">
-            <a:schemeClr val="accent1"/>
-          </a:effectRef>
-          <a:fontRef idx="minor">
-            <a:schemeClr val="lt1"/>
-          </a:fontRef>
-        </p:style>
-        <p:txBody>
-          <a:bodyPr rtlCol="0" anchor="ctr"/>
-          <a:lstStyle/>
-          <a:p>
-            <a:pPr algn="ctr"/>
-            <a:endParaRPr lang="ko-KR" altLang="en-US"/>
-          </a:p>
-        </p:txBody>
-      </p:sp>
-      <p:sp>
-        <p:nvSpPr>
-          <p:cNvPr id="24" name="타원 23">
-            <a:extLst>
-              <a:ext uri="{FF2B5EF4-FFF2-40B4-BE49-F238E27FC236}">
-                <a16:creationId xmlns:a16="http://schemas.microsoft.com/office/drawing/2014/main" id="{AD7A7F84-4EA4-4978-A8F7-DD1DBD370CC6}"/>
-              </a:ext>
-            </a:extLst>
-          </p:cNvPr>
-          <p:cNvSpPr/>
-          <p:nvPr/>
-        </p:nvSpPr>
-        <p:spPr>
-          <a:xfrm>
-            <a:off x="711779" y="2446165"/>
-            <a:ext cx="1656271" cy="1656271"/>
-          </a:xfrm>
-          <a:prstGeom prst="ellipse">
-            <a:avLst/>
-          </a:prstGeom>
-          <a:blipFill dpi="0" rotWithShape="1">
-            <a:blip r:embed="rId2">
-              <a:extLst>
-                <a:ext uri="{28A0092B-C50C-407E-A947-70E740481C1C}">
-                  <a14:useLocalDpi xmlns:a14="http://schemas.microsoft.com/office/drawing/2010/main" val="0"/>
-                </a:ext>
-              </a:extLst>
-            </a:blip>
-            <a:srcRect/>
-            <a:stretch>
-              <a:fillRect/>
-            </a:stretch>
-          </a:blipFill>
-          <a:ln>
-            <a:noFill/>
-          </a:ln>
-        </p:spPr>
-        <p:style>
-          <a:lnRef idx="2">
-            <a:schemeClr val="accent1">
-              <a:shade val="50000"/>
-            </a:schemeClr>
-          </a:lnRef>
-          <a:fillRef idx="1">
-            <a:schemeClr val="accent1"/>
-          </a:fillRef>
-          <a:effectRef idx="0">
-            <a:schemeClr val="accent1"/>
-          </a:effectRef>
-          <a:fontRef idx="minor">
-            <a:schemeClr val="lt1"/>
-          </a:fontRef>
-        </p:style>
-        <p:txBody>
-          <a:bodyPr rtlCol="0" anchor="ctr"/>
-          <a:lstStyle/>
-          <a:p>
-            <a:pPr algn="ctr"/>
-            <a:endParaRPr lang="ko-KR" altLang="en-US"/>
-          </a:p>
-        </p:txBody>
-      </p:sp>
-    </p:spTree>
-    <p:extLst>
-      <p:ext uri="{BB962C8B-B14F-4D97-AF65-F5344CB8AC3E}">
-        <p14:creationId xmlns:p14="http://schemas.microsoft.com/office/powerpoint/2010/main" val="1199911923"/>
-      </p:ext>
-    </p:extLst>
-  </p:cSld>
-  <p:clrMapOvr>
-    <a:masterClrMapping/>
-  </p:clrMapOvr>
-</p:sld>
-</file>
-
-<file path=ppt/slides/slide4.xml><?xml version="1.0" encoding="utf-8"?>
-<p:sld xmlns:a="http://schemas.openxmlformats.org/drawingml/2006/main" xmlns:r="http://schemas.openxmlformats.org/officeDocument/2006/relationships" xmlns:p="http://schemas.openxmlformats.org/presentationml/2006/main">
-  <p:cSld>
-    <p:spTree>
-      <p:nvGrpSpPr>
-        <p:cNvPr id="1" name=""/>
-        <p:cNvGrpSpPr/>
-        <p:nvPr/>
-      </p:nvGrpSpPr>
-      <p:grpSpPr>
-        <a:xfrm>
-          <a:off x="0" y="0"/>
-          <a:ext cx="0" cy="0"/>
-          <a:chOff x="0" y="0"/>
-          <a:chExt cx="0" cy="0"/>
-        </a:xfrm>
-      </p:grpSpPr>
-      <p:sp>
-        <p:nvSpPr>
-          <p:cNvPr id="2" name="제목 1">
-            <a:extLst>
-              <a:ext uri="{FF2B5EF4-FFF2-40B4-BE49-F238E27FC236}">
                 <a16:creationId xmlns:a16="http://schemas.microsoft.com/office/drawing/2014/main" id="{E9170B64-D676-4579-A523-02123E8BD4D4}"/>
               </a:ext>
             </a:extLst>
@@ -6511,6 +6144,9 @@
           <a:solidFill>
             <a:schemeClr val="tx1"/>
           </a:solidFill>
+          <a:ln>
+            <a:noFill/>
+          </a:ln>
         </p:spPr>
         <p:style>
           <a:lnRef idx="2">
@@ -6592,6 +6228,9 @@
           <a:solidFill>
             <a:schemeClr val="tx1"/>
           </a:solidFill>
+          <a:ln>
+            <a:noFill/>
+          </a:ln>
         </p:spPr>
         <p:style>
           <a:lnRef idx="2">
@@ -6667,6 +6306,9 @@
           <a:solidFill>
             <a:schemeClr val="tx1"/>
           </a:solidFill>
+          <a:ln>
+            <a:noFill/>
+          </a:ln>
         </p:spPr>
         <p:style>
           <a:lnRef idx="2">
@@ -6690,22 +6332,58 @@
           <a:p>
             <a:pPr algn="ctr"/>
             <a:r>
-              <a:rPr lang="ko-KR" altLang="en-US">
+              <a:rPr lang="ko-KR" altLang="en-US" dirty="0">
                 <a:solidFill>
                   <a:schemeClr val="bg2">
                     <a:lumMod val="75000"/>
                   </a:schemeClr>
                 </a:solidFill>
               </a:rPr>
-              <a:t>데이터 분석</a:t>
-            </a:r>
-            <a:endParaRPr lang="ko-KR" altLang="en-US" dirty="0">
+              <a:t>데이터 </a:t>
+            </a:r>
+            <a:endParaRPr lang="en-US" altLang="ko-KR" dirty="0">
               <a:solidFill>
                 <a:schemeClr val="bg2">
                   <a:lumMod val="75000"/>
                 </a:schemeClr>
               </a:solidFill>
             </a:endParaRPr>
+          </a:p>
+          <a:p>
+            <a:pPr algn="ctr"/>
+            <a:r>
+              <a:rPr lang="ko-KR" altLang="en-US" dirty="0" err="1">
+                <a:solidFill>
+                  <a:schemeClr val="bg2">
+                    <a:lumMod val="75000"/>
+                  </a:schemeClr>
+                </a:solidFill>
+              </a:rPr>
+              <a:t>전처리</a:t>
+            </a:r>
+            <a:r>
+              <a:rPr lang="en-US" altLang="ko-KR" dirty="0">
+                <a:solidFill>
+                  <a:schemeClr val="bg2">
+                    <a:lumMod val="75000"/>
+                  </a:schemeClr>
+                </a:solidFill>
+              </a:rPr>
+              <a:t>,</a:t>
+            </a:r>
+          </a:p>
+          <a:p>
+            <a:pPr algn="ctr"/>
+            <a:r>
+              <a:rPr lang="ko-KR" altLang="en-US" dirty="0">
+                <a:solidFill>
+                  <a:schemeClr val="bg2">
+                    <a:lumMod val="75000"/>
+                  </a:schemeClr>
+                </a:solidFill>
+              </a:rPr>
+              <a:t>분석</a:t>
+            </a:r>
           </a:p>
         </p:txBody>
       </p:sp>
@@ -6732,6 +6410,9 @@
           <a:solidFill>
             <a:schemeClr val="tx1"/>
           </a:solidFill>
+          <a:ln>
+            <a:noFill/>
+          </a:ln>
         </p:spPr>
         <p:style>
           <a:lnRef idx="2">
@@ -6797,6 +6478,9 @@
           <a:solidFill>
             <a:schemeClr val="tx1"/>
           </a:solidFill>
+          <a:ln>
+            <a:noFill/>
+          </a:ln>
         </p:spPr>
         <p:style>
           <a:lnRef idx="2">
@@ -6855,6 +6539,9 @@
           <a:solidFill>
             <a:schemeClr val="tx1"/>
           </a:solidFill>
+          <a:ln>
+            <a:noFill/>
+          </a:ln>
         </p:spPr>
         <p:style>
           <a:lnRef idx="2">
@@ -6903,7 +6590,1246 @@
 </p:sld>
 </file>
 
-<file path=ppt/slides/slide5.xml><?xml version="1.0" encoding="utf-8"?>
+<file path=ppt/slides/slide12.xml><?xml version="1.0" encoding="utf-8"?>
+<p:sld xmlns:a="http://schemas.openxmlformats.org/drawingml/2006/main" xmlns:r="http://schemas.openxmlformats.org/officeDocument/2006/relationships" xmlns:p="http://schemas.openxmlformats.org/presentationml/2006/main">
+  <p:cSld>
+    <p:spTree>
+      <p:nvGrpSpPr>
+        <p:cNvPr id="1" name=""/>
+        <p:cNvGrpSpPr/>
+        <p:nvPr/>
+      </p:nvGrpSpPr>
+      <p:grpSpPr>
+        <a:xfrm>
+          <a:off x="0" y="0"/>
+          <a:ext cx="0" cy="0"/>
+          <a:chOff x="0" y="0"/>
+          <a:chExt cx="0" cy="0"/>
+        </a:xfrm>
+      </p:grpSpPr>
+      <p:sp>
+        <p:nvSpPr>
+          <p:cNvPr id="2" name="제목 1">
+            <a:extLst>
+              <a:ext uri="{FF2B5EF4-FFF2-40B4-BE49-F238E27FC236}">
+                <a16:creationId xmlns:a16="http://schemas.microsoft.com/office/drawing/2014/main" id="{0028B4BC-4750-45A9-8130-0A702B166F6D}"/>
+              </a:ext>
+            </a:extLst>
+          </p:cNvPr>
+          <p:cNvSpPr>
+            <a:spLocks noGrp="1"/>
+          </p:cNvSpPr>
+          <p:nvPr>
+            <p:ph type="ctrTitle"/>
+          </p:nvPr>
+        </p:nvSpPr>
+        <p:spPr/>
+        <p:txBody>
+          <a:bodyPr>
+            <a:normAutofit/>
+          </a:bodyPr>
+          <a:lstStyle/>
+          <a:p>
+            <a:r>
+              <a:rPr lang="en-US" altLang="ko-KR" sz="8000" dirty="0"/>
+              <a:t>Q&amp;A</a:t>
+            </a:r>
+            <a:endParaRPr lang="ko-KR" altLang="en-US" sz="8000" dirty="0"/>
+          </a:p>
+        </p:txBody>
+      </p:sp>
+    </p:spTree>
+    <p:extLst>
+      <p:ext uri="{BB962C8B-B14F-4D97-AF65-F5344CB8AC3E}">
+        <p14:creationId xmlns:p14="http://schemas.microsoft.com/office/powerpoint/2010/main" val="317497467"/>
+      </p:ext>
+    </p:extLst>
+  </p:cSld>
+  <p:clrMapOvr>
+    <a:masterClrMapping/>
+  </p:clrMapOvr>
+</p:sld>
+</file>
+
+<file path=ppt/slides/slide13.xml><?xml version="1.0" encoding="utf-8"?>
+<p:sld xmlns:a="http://schemas.openxmlformats.org/drawingml/2006/main" xmlns:r="http://schemas.openxmlformats.org/officeDocument/2006/relationships" xmlns:p="http://schemas.openxmlformats.org/presentationml/2006/main">
+  <p:cSld>
+    <p:spTree>
+      <p:nvGrpSpPr>
+        <p:cNvPr id="1" name=""/>
+        <p:cNvGrpSpPr/>
+        <p:nvPr/>
+      </p:nvGrpSpPr>
+      <p:grpSpPr>
+        <a:xfrm>
+          <a:off x="0" y="0"/>
+          <a:ext cx="0" cy="0"/>
+          <a:chOff x="0" y="0"/>
+          <a:chExt cx="0" cy="0"/>
+        </a:xfrm>
+      </p:grpSpPr>
+      <p:sp>
+        <p:nvSpPr>
+          <p:cNvPr id="2" name="제목 1">
+            <a:extLst>
+              <a:ext uri="{FF2B5EF4-FFF2-40B4-BE49-F238E27FC236}">
+                <a16:creationId xmlns:a16="http://schemas.microsoft.com/office/drawing/2014/main" id="{0028B4BC-4750-45A9-8130-0A702B166F6D}"/>
+              </a:ext>
+            </a:extLst>
+          </p:cNvPr>
+          <p:cNvSpPr>
+            <a:spLocks noGrp="1"/>
+          </p:cNvSpPr>
+          <p:nvPr>
+            <p:ph type="ctrTitle"/>
+          </p:nvPr>
+        </p:nvSpPr>
+        <p:spPr/>
+        <p:txBody>
+          <a:bodyPr/>
+          <a:lstStyle/>
+          <a:p>
+            <a:r>
+              <a:rPr lang="en-US" altLang="ko-KR" dirty="0"/>
+              <a:t>Thank you</a:t>
+            </a:r>
+            <a:endParaRPr lang="ko-KR" altLang="en-US" dirty="0"/>
+          </a:p>
+        </p:txBody>
+      </p:sp>
+      <p:sp>
+        <p:nvSpPr>
+          <p:cNvPr id="3" name="부제목 2">
+            <a:extLst>
+              <a:ext uri="{FF2B5EF4-FFF2-40B4-BE49-F238E27FC236}">
+                <a16:creationId xmlns:a16="http://schemas.microsoft.com/office/drawing/2014/main" id="{7F2A52C8-3283-49F4-BA8D-058C51721850}"/>
+              </a:ext>
+            </a:extLst>
+          </p:cNvPr>
+          <p:cNvSpPr>
+            <a:spLocks noGrp="1"/>
+          </p:cNvSpPr>
+          <p:nvPr>
+            <p:ph type="subTitle" idx="1"/>
+          </p:nvPr>
+        </p:nvSpPr>
+        <p:spPr/>
+        <p:txBody>
+          <a:bodyPr/>
+          <a:lstStyle/>
+          <a:p>
+            <a:r>
+              <a:rPr lang="en-US" altLang="ko-KR" dirty="0"/>
+              <a:t>3</a:t>
+            </a:r>
+            <a:r>
+              <a:rPr lang="ko-KR" altLang="en-US" dirty="0"/>
+              <a:t>조였습니다</a:t>
+            </a:r>
+            <a:r>
+              <a:rPr lang="en-US" altLang="ko-KR" dirty="0"/>
+              <a:t>.</a:t>
+            </a:r>
+            <a:endParaRPr lang="ko-KR" altLang="en-US" dirty="0"/>
+          </a:p>
+        </p:txBody>
+      </p:sp>
+    </p:spTree>
+    <p:extLst>
+      <p:ext uri="{BB962C8B-B14F-4D97-AF65-F5344CB8AC3E}">
+        <p14:creationId xmlns:p14="http://schemas.microsoft.com/office/powerpoint/2010/main" val="317497467"/>
+      </p:ext>
+    </p:extLst>
+  </p:cSld>
+  <p:clrMapOvr>
+    <a:masterClrMapping/>
+  </p:clrMapOvr>
+</p:sld>
+</file>
+
+<file path=ppt/slides/slide2.xml><?xml version="1.0" encoding="utf-8"?>
+<p:sld xmlns:a="http://schemas.openxmlformats.org/drawingml/2006/main" xmlns:r="http://schemas.openxmlformats.org/officeDocument/2006/relationships" xmlns:p="http://schemas.openxmlformats.org/presentationml/2006/main">
+  <p:cSld>
+    <p:spTree>
+      <p:nvGrpSpPr>
+        <p:cNvPr id="1" name=""/>
+        <p:cNvGrpSpPr/>
+        <p:nvPr/>
+      </p:nvGrpSpPr>
+      <p:grpSpPr>
+        <a:xfrm>
+          <a:off x="0" y="0"/>
+          <a:ext cx="0" cy="0"/>
+          <a:chOff x="0" y="0"/>
+          <a:chExt cx="0" cy="0"/>
+        </a:xfrm>
+      </p:grpSpPr>
+      <p:sp>
+        <p:nvSpPr>
+          <p:cNvPr id="2" name="제목 1">
+            <a:extLst>
+              <a:ext uri="{FF2B5EF4-FFF2-40B4-BE49-F238E27FC236}">
+                <a16:creationId xmlns:a16="http://schemas.microsoft.com/office/drawing/2014/main" id="{F89C2EA4-9B14-4B06-AF97-D1794B1F0C5A}"/>
+              </a:ext>
+            </a:extLst>
+          </p:cNvPr>
+          <p:cNvSpPr>
+            <a:spLocks noGrp="1"/>
+          </p:cNvSpPr>
+          <p:nvPr>
+            <p:ph type="title"/>
+          </p:nvPr>
+        </p:nvSpPr>
+        <p:spPr>
+          <a:xfrm>
+            <a:off x="561081" y="292969"/>
+            <a:ext cx="9784080" cy="1508760"/>
+          </a:xfrm>
+        </p:spPr>
+        <p:txBody>
+          <a:bodyPr>
+            <a:normAutofit/>
+          </a:bodyPr>
+          <a:lstStyle/>
+          <a:p>
+            <a:r>
+              <a:rPr lang="ko-KR" altLang="en-US" sz="6000" dirty="0"/>
+              <a:t>목차</a:t>
+            </a:r>
+          </a:p>
+        </p:txBody>
+      </p:sp>
+      <p:sp>
+        <p:nvSpPr>
+          <p:cNvPr id="3" name="내용 개체 틀 2">
+            <a:extLst>
+              <a:ext uri="{FF2B5EF4-FFF2-40B4-BE49-F238E27FC236}">
+                <a16:creationId xmlns:a16="http://schemas.microsoft.com/office/drawing/2014/main" id="{A508FD91-8F2F-4DBD-9035-D09EF0C138FA}"/>
+              </a:ext>
+            </a:extLst>
+          </p:cNvPr>
+          <p:cNvSpPr>
+            <a:spLocks noGrp="1"/>
+          </p:cNvSpPr>
+          <p:nvPr>
+            <p:ph idx="1"/>
+          </p:nvPr>
+        </p:nvSpPr>
+        <p:spPr>
+          <a:xfrm>
+            <a:off x="517120" y="2169941"/>
+            <a:ext cx="9784080" cy="4206240"/>
+          </a:xfrm>
+        </p:spPr>
+        <p:txBody>
+          <a:bodyPr/>
+          <a:lstStyle/>
+          <a:p>
+            <a:r>
+              <a:rPr lang="ko-KR" altLang="en-US" sz="2800" dirty="0"/>
+              <a:t>추진 일정</a:t>
+            </a:r>
+            <a:endParaRPr lang="en-US" altLang="ko-KR" sz="2800" dirty="0"/>
+          </a:p>
+          <a:p>
+            <a:r>
+              <a:rPr lang="ko-KR" altLang="en-US" sz="2800" dirty="0"/>
+              <a:t>주제 선정 배경 </a:t>
+            </a:r>
+            <a:endParaRPr lang="en-US" altLang="ko-KR" sz="2800" dirty="0"/>
+          </a:p>
+          <a:p>
+            <a:r>
+              <a:rPr lang="ko-KR" altLang="en-US" sz="2800" dirty="0"/>
+              <a:t>활용 데이터 </a:t>
+            </a:r>
+            <a:endParaRPr lang="en-US" altLang="ko-KR" sz="2800" dirty="0"/>
+          </a:p>
+          <a:p>
+            <a:r>
+              <a:rPr lang="ko-KR" altLang="en-US" sz="2800" dirty="0"/>
+              <a:t>데이터 </a:t>
+            </a:r>
+            <a:r>
+              <a:rPr lang="ko-KR" altLang="en-US" sz="2800" dirty="0" err="1"/>
+              <a:t>전처리</a:t>
+            </a:r>
+            <a:r>
+              <a:rPr lang="ko-KR" altLang="en-US" sz="2800" dirty="0"/>
+              <a:t> 방향 </a:t>
+            </a:r>
+            <a:endParaRPr lang="en-US" altLang="ko-KR" sz="2800" dirty="0"/>
+          </a:p>
+          <a:p>
+            <a:r>
+              <a:rPr lang="ko-KR" altLang="en-US" sz="2800" dirty="0"/>
+              <a:t>기대효과 </a:t>
+            </a:r>
+          </a:p>
+          <a:p>
+            <a:pPr marL="0" indent="0">
+              <a:buNone/>
+            </a:pPr>
+            <a:endParaRPr lang="en-US" altLang="ko-KR" dirty="0"/>
+          </a:p>
+        </p:txBody>
+      </p:sp>
+    </p:spTree>
+    <p:extLst>
+      <p:ext uri="{BB962C8B-B14F-4D97-AF65-F5344CB8AC3E}">
+        <p14:creationId xmlns:p14="http://schemas.microsoft.com/office/powerpoint/2010/main" val="3557914880"/>
+      </p:ext>
+    </p:extLst>
+  </p:cSld>
+  <p:clrMapOvr>
+    <a:masterClrMapping/>
+  </p:clrMapOvr>
+</p:sld>
+</file>
+
+<file path=ppt/slides/slide3.xml><?xml version="1.0" encoding="utf-8"?>
+<p:sld xmlns:a="http://schemas.openxmlformats.org/drawingml/2006/main" xmlns:r="http://schemas.openxmlformats.org/officeDocument/2006/relationships" xmlns:p="http://schemas.openxmlformats.org/presentationml/2006/main">
+  <p:cSld>
+    <p:spTree>
+      <p:nvGrpSpPr>
+        <p:cNvPr id="1" name=""/>
+        <p:cNvGrpSpPr/>
+        <p:nvPr/>
+      </p:nvGrpSpPr>
+      <p:grpSpPr>
+        <a:xfrm>
+          <a:off x="0" y="0"/>
+          <a:ext cx="0" cy="0"/>
+          <a:chOff x="0" y="0"/>
+          <a:chExt cx="0" cy="0"/>
+        </a:xfrm>
+      </p:grpSpPr>
+      <p:sp>
+        <p:nvSpPr>
+          <p:cNvPr id="2" name="제목 1">
+            <a:extLst>
+              <a:ext uri="{FF2B5EF4-FFF2-40B4-BE49-F238E27FC236}">
+                <a16:creationId xmlns:a16="http://schemas.microsoft.com/office/drawing/2014/main" id="{D4C882E9-E7C3-45F9-BA41-1D226D2570C9}"/>
+              </a:ext>
+            </a:extLst>
+          </p:cNvPr>
+          <p:cNvSpPr>
+            <a:spLocks noGrp="1"/>
+          </p:cNvSpPr>
+          <p:nvPr>
+            <p:ph type="title"/>
+          </p:nvPr>
+        </p:nvSpPr>
+        <p:spPr/>
+        <p:txBody>
+          <a:bodyPr/>
+          <a:lstStyle/>
+          <a:p>
+            <a:r>
+              <a:rPr lang="ko-KR" altLang="en-US" dirty="0"/>
+              <a:t>조원 소개</a:t>
+            </a:r>
+          </a:p>
+        </p:txBody>
+      </p:sp>
+      <p:sp>
+        <p:nvSpPr>
+          <p:cNvPr id="6" name="타원 5">
+            <a:extLst>
+              <a:ext uri="{FF2B5EF4-FFF2-40B4-BE49-F238E27FC236}">
+                <a16:creationId xmlns:a16="http://schemas.microsoft.com/office/drawing/2014/main" id="{41AD5764-4C17-422F-A647-CA4F1574F383}"/>
+              </a:ext>
+            </a:extLst>
+          </p:cNvPr>
+          <p:cNvSpPr/>
+          <p:nvPr/>
+        </p:nvSpPr>
+        <p:spPr>
+          <a:xfrm>
+            <a:off x="741872" y="4659621"/>
+            <a:ext cx="1656271" cy="1656271"/>
+          </a:xfrm>
+          <a:prstGeom prst="ellipse">
+            <a:avLst/>
+          </a:prstGeom>
+          <a:blipFill dpi="0" rotWithShape="1">
+            <a:blip r:embed="rId2">
+              <a:extLst>
+                <a:ext uri="{28A0092B-C50C-407E-A947-70E740481C1C}">
+                  <a14:useLocalDpi xmlns:a14="http://schemas.microsoft.com/office/drawing/2010/main" val="0"/>
+                </a:ext>
+              </a:extLst>
+            </a:blip>
+            <a:srcRect/>
+            <a:stretch>
+              <a:fillRect/>
+            </a:stretch>
+          </a:blipFill>
+          <a:ln>
+            <a:noFill/>
+          </a:ln>
+        </p:spPr>
+        <p:style>
+          <a:lnRef idx="2">
+            <a:schemeClr val="accent1">
+              <a:shade val="50000"/>
+            </a:schemeClr>
+          </a:lnRef>
+          <a:fillRef idx="1">
+            <a:schemeClr val="accent1"/>
+          </a:fillRef>
+          <a:effectRef idx="0">
+            <a:schemeClr val="accent1"/>
+          </a:effectRef>
+          <a:fontRef idx="minor">
+            <a:schemeClr val="lt1"/>
+          </a:fontRef>
+        </p:style>
+        <p:txBody>
+          <a:bodyPr rtlCol="0" anchor="ctr"/>
+          <a:lstStyle/>
+          <a:p>
+            <a:pPr algn="ctr"/>
+            <a:endParaRPr lang="ko-KR" altLang="en-US"/>
+          </a:p>
+        </p:txBody>
+      </p:sp>
+      <p:sp>
+        <p:nvSpPr>
+          <p:cNvPr id="7" name="타원 6">
+            <a:extLst>
+              <a:ext uri="{FF2B5EF4-FFF2-40B4-BE49-F238E27FC236}">
+                <a16:creationId xmlns:a16="http://schemas.microsoft.com/office/drawing/2014/main" id="{BEA37F84-FC27-4275-98CC-73573FA20AED}"/>
+              </a:ext>
+            </a:extLst>
+          </p:cNvPr>
+          <p:cNvSpPr/>
+          <p:nvPr/>
+        </p:nvSpPr>
+        <p:spPr>
+          <a:xfrm>
+            <a:off x="6096000" y="4659621"/>
+            <a:ext cx="1656271" cy="1656271"/>
+          </a:xfrm>
+          <a:prstGeom prst="ellipse">
+            <a:avLst/>
+          </a:prstGeom>
+          <a:blipFill dpi="0" rotWithShape="1">
+            <a:blip r:embed="rId2">
+              <a:extLst>
+                <a:ext uri="{28A0092B-C50C-407E-A947-70E740481C1C}">
+                  <a14:useLocalDpi xmlns:a14="http://schemas.microsoft.com/office/drawing/2010/main" val="0"/>
+                </a:ext>
+              </a:extLst>
+            </a:blip>
+            <a:srcRect/>
+            <a:stretch>
+              <a:fillRect/>
+            </a:stretch>
+          </a:blipFill>
+          <a:ln>
+            <a:noFill/>
+          </a:ln>
+        </p:spPr>
+        <p:style>
+          <a:lnRef idx="2">
+            <a:schemeClr val="accent1">
+              <a:shade val="50000"/>
+            </a:schemeClr>
+          </a:lnRef>
+          <a:fillRef idx="1">
+            <a:schemeClr val="accent1"/>
+          </a:fillRef>
+          <a:effectRef idx="0">
+            <a:schemeClr val="accent1"/>
+          </a:effectRef>
+          <a:fontRef idx="minor">
+            <a:schemeClr val="lt1"/>
+          </a:fontRef>
+        </p:style>
+        <p:txBody>
+          <a:bodyPr rtlCol="0" anchor="ctr"/>
+          <a:lstStyle/>
+          <a:p>
+            <a:pPr algn="ctr"/>
+            <a:endParaRPr lang="ko-KR" altLang="en-US"/>
+          </a:p>
+        </p:txBody>
+      </p:sp>
+      <p:cxnSp>
+        <p:nvCxnSpPr>
+          <p:cNvPr id="10" name="직선 연결선 9">
+            <a:extLst>
+              <a:ext uri="{FF2B5EF4-FFF2-40B4-BE49-F238E27FC236}">
+                <a16:creationId xmlns:a16="http://schemas.microsoft.com/office/drawing/2014/main" id="{A332F769-2B61-4592-AA7C-588B10780ED3}"/>
+              </a:ext>
+            </a:extLst>
+          </p:cNvPr>
+          <p:cNvCxnSpPr/>
+          <p:nvPr/>
+        </p:nvCxnSpPr>
+        <p:spPr>
+          <a:xfrm>
+            <a:off x="2560320" y="3925024"/>
+            <a:ext cx="3042458" cy="0"/>
+          </a:xfrm>
+          <a:prstGeom prst="line">
+            <a:avLst/>
+          </a:prstGeom>
+          <a:ln w="53975">
+            <a:solidFill>
+              <a:schemeClr val="tx1"/>
+            </a:solidFill>
+            <a:prstDash val="sysDash"/>
+          </a:ln>
+        </p:spPr>
+        <p:style>
+          <a:lnRef idx="1">
+            <a:schemeClr val="accent1"/>
+          </a:lnRef>
+          <a:fillRef idx="0">
+            <a:schemeClr val="accent1"/>
+          </a:fillRef>
+          <a:effectRef idx="0">
+            <a:schemeClr val="accent1"/>
+          </a:effectRef>
+          <a:fontRef idx="minor">
+            <a:schemeClr val="tx1"/>
+          </a:fontRef>
+        </p:style>
+      </p:cxnSp>
+      <p:cxnSp>
+        <p:nvCxnSpPr>
+          <p:cNvPr id="11" name="직선 연결선 10">
+            <a:extLst>
+              <a:ext uri="{FF2B5EF4-FFF2-40B4-BE49-F238E27FC236}">
+                <a16:creationId xmlns:a16="http://schemas.microsoft.com/office/drawing/2014/main" id="{6926DDA5-6CE7-4EA1-9B69-315B33B96E51}"/>
+              </a:ext>
+            </a:extLst>
+          </p:cNvPr>
+          <p:cNvCxnSpPr/>
+          <p:nvPr/>
+        </p:nvCxnSpPr>
+        <p:spPr>
+          <a:xfrm>
+            <a:off x="2560320" y="2316775"/>
+            <a:ext cx="3042458" cy="0"/>
+          </a:xfrm>
+          <a:prstGeom prst="line">
+            <a:avLst/>
+          </a:prstGeom>
+          <a:ln w="53975">
+            <a:solidFill>
+              <a:schemeClr val="tx1"/>
+            </a:solidFill>
+            <a:prstDash val="sysDash"/>
+          </a:ln>
+        </p:spPr>
+        <p:style>
+          <a:lnRef idx="1">
+            <a:schemeClr val="accent1"/>
+          </a:lnRef>
+          <a:fillRef idx="0">
+            <a:schemeClr val="accent1"/>
+          </a:fillRef>
+          <a:effectRef idx="0">
+            <a:schemeClr val="accent1"/>
+          </a:effectRef>
+          <a:fontRef idx="minor">
+            <a:schemeClr val="tx1"/>
+          </a:fontRef>
+        </p:style>
+      </p:cxnSp>
+      <p:sp>
+        <p:nvSpPr>
+          <p:cNvPr id="12" name="TextBox 11">
+            <a:extLst>
+              <a:ext uri="{FF2B5EF4-FFF2-40B4-BE49-F238E27FC236}">
+                <a16:creationId xmlns:a16="http://schemas.microsoft.com/office/drawing/2014/main" id="{7FBB0091-643C-40A5-951D-03842AA32A4C}"/>
+              </a:ext>
+            </a:extLst>
+          </p:cNvPr>
+          <p:cNvSpPr txBox="1"/>
+          <p:nvPr/>
+        </p:nvSpPr>
+        <p:spPr>
+          <a:xfrm>
+            <a:off x="2560320" y="2415846"/>
+            <a:ext cx="3042458" cy="1295868"/>
+          </a:xfrm>
+          <a:prstGeom prst="rect">
+            <a:avLst/>
+          </a:prstGeom>
+          <a:noFill/>
+        </p:spPr>
+        <p:txBody>
+          <a:bodyPr wrap="square" rtlCol="0">
+            <a:spAutoFit/>
+          </a:bodyPr>
+          <a:lstStyle/>
+          <a:p>
+            <a:pPr>
+              <a:lnSpc>
+                <a:spcPct val="150000"/>
+              </a:lnSpc>
+            </a:pPr>
+            <a:r>
+              <a:rPr lang="ko-KR" altLang="en-US" dirty="0"/>
+              <a:t>조장 이 소 정</a:t>
+            </a:r>
+            <a:endParaRPr lang="en-US" altLang="ko-KR" dirty="0"/>
+          </a:p>
+          <a:p>
+            <a:pPr>
+              <a:lnSpc>
+                <a:spcPct val="150000"/>
+              </a:lnSpc>
+            </a:pPr>
+            <a:r>
+              <a:rPr lang="ko-KR" altLang="en-US" dirty="0"/>
+              <a:t>지역 데이터 수집</a:t>
+            </a:r>
+            <a:endParaRPr lang="en-US" altLang="ko-KR" dirty="0"/>
+          </a:p>
+          <a:p>
+            <a:pPr>
+              <a:lnSpc>
+                <a:spcPct val="150000"/>
+              </a:lnSpc>
+            </a:pPr>
+            <a:r>
+              <a:rPr lang="ko-KR" altLang="en-US" dirty="0"/>
+              <a:t>지역 데이터 분석</a:t>
+            </a:r>
+            <a:endParaRPr lang="en-US" altLang="ko-KR" dirty="0"/>
+          </a:p>
+        </p:txBody>
+      </p:sp>
+      <p:cxnSp>
+        <p:nvCxnSpPr>
+          <p:cNvPr id="13" name="직선 연결선 12">
+            <a:extLst>
+              <a:ext uri="{FF2B5EF4-FFF2-40B4-BE49-F238E27FC236}">
+                <a16:creationId xmlns:a16="http://schemas.microsoft.com/office/drawing/2014/main" id="{7B19834B-22EC-42F3-8BE1-5043FDBEF070}"/>
+              </a:ext>
+            </a:extLst>
+          </p:cNvPr>
+          <p:cNvCxnSpPr/>
+          <p:nvPr/>
+        </p:nvCxnSpPr>
+        <p:spPr>
+          <a:xfrm>
+            <a:off x="7944541" y="3925024"/>
+            <a:ext cx="3042458" cy="0"/>
+          </a:xfrm>
+          <a:prstGeom prst="line">
+            <a:avLst/>
+          </a:prstGeom>
+          <a:ln w="53975">
+            <a:solidFill>
+              <a:schemeClr val="tx1"/>
+            </a:solidFill>
+            <a:prstDash val="sysDash"/>
+          </a:ln>
+        </p:spPr>
+        <p:style>
+          <a:lnRef idx="1">
+            <a:schemeClr val="accent1"/>
+          </a:lnRef>
+          <a:fillRef idx="0">
+            <a:schemeClr val="accent1"/>
+          </a:fillRef>
+          <a:effectRef idx="0">
+            <a:schemeClr val="accent1"/>
+          </a:effectRef>
+          <a:fontRef idx="minor">
+            <a:schemeClr val="tx1"/>
+          </a:fontRef>
+        </p:style>
+      </p:cxnSp>
+      <p:cxnSp>
+        <p:nvCxnSpPr>
+          <p:cNvPr id="14" name="직선 연결선 13">
+            <a:extLst>
+              <a:ext uri="{FF2B5EF4-FFF2-40B4-BE49-F238E27FC236}">
+                <a16:creationId xmlns:a16="http://schemas.microsoft.com/office/drawing/2014/main" id="{C3801B3B-8C28-4360-A775-DF953F0594CB}"/>
+              </a:ext>
+            </a:extLst>
+          </p:cNvPr>
+          <p:cNvCxnSpPr/>
+          <p:nvPr/>
+        </p:nvCxnSpPr>
+        <p:spPr>
+          <a:xfrm>
+            <a:off x="7944541" y="2316775"/>
+            <a:ext cx="3042458" cy="0"/>
+          </a:xfrm>
+          <a:prstGeom prst="line">
+            <a:avLst/>
+          </a:prstGeom>
+          <a:ln w="53975">
+            <a:solidFill>
+              <a:schemeClr val="tx1"/>
+            </a:solidFill>
+            <a:prstDash val="sysDash"/>
+          </a:ln>
+        </p:spPr>
+        <p:style>
+          <a:lnRef idx="1">
+            <a:schemeClr val="accent1"/>
+          </a:lnRef>
+          <a:fillRef idx="0">
+            <a:schemeClr val="accent1"/>
+          </a:fillRef>
+          <a:effectRef idx="0">
+            <a:schemeClr val="accent1"/>
+          </a:effectRef>
+          <a:fontRef idx="minor">
+            <a:schemeClr val="tx1"/>
+          </a:fontRef>
+        </p:style>
+      </p:cxnSp>
+      <p:sp>
+        <p:nvSpPr>
+          <p:cNvPr id="15" name="TextBox 14">
+            <a:extLst>
+              <a:ext uri="{FF2B5EF4-FFF2-40B4-BE49-F238E27FC236}">
+                <a16:creationId xmlns:a16="http://schemas.microsoft.com/office/drawing/2014/main" id="{DF531BD6-939E-4061-A52C-1FF80CF75560}"/>
+              </a:ext>
+            </a:extLst>
+          </p:cNvPr>
+          <p:cNvSpPr txBox="1"/>
+          <p:nvPr/>
+        </p:nvSpPr>
+        <p:spPr>
+          <a:xfrm>
+            <a:off x="7944541" y="2415846"/>
+            <a:ext cx="3042458" cy="1295868"/>
+          </a:xfrm>
+          <a:prstGeom prst="rect">
+            <a:avLst/>
+          </a:prstGeom>
+          <a:noFill/>
+        </p:spPr>
+        <p:txBody>
+          <a:bodyPr wrap="square" rtlCol="0">
+            <a:spAutoFit/>
+          </a:bodyPr>
+          <a:lstStyle/>
+          <a:p>
+            <a:pPr>
+              <a:lnSpc>
+                <a:spcPct val="150000"/>
+              </a:lnSpc>
+            </a:pPr>
+            <a:r>
+              <a:rPr lang="en-US" altLang="ko-KR" dirty="0"/>
+              <a:t>PM </a:t>
+            </a:r>
+            <a:r>
+              <a:rPr lang="ko-KR" altLang="en-US" dirty="0"/>
+              <a:t>박 민 혁 </a:t>
+            </a:r>
+            <a:endParaRPr lang="en-US" altLang="ko-KR" dirty="0"/>
+          </a:p>
+          <a:p>
+            <a:pPr>
+              <a:lnSpc>
+                <a:spcPct val="150000"/>
+              </a:lnSpc>
+            </a:pPr>
+            <a:r>
+              <a:rPr lang="ko-KR" altLang="en-US" dirty="0"/>
+              <a:t>적정 모델 탐색</a:t>
+            </a:r>
+            <a:endParaRPr lang="en-US" altLang="ko-KR" dirty="0"/>
+          </a:p>
+          <a:p>
+            <a:pPr>
+              <a:lnSpc>
+                <a:spcPct val="150000"/>
+              </a:lnSpc>
+            </a:pPr>
+            <a:r>
+              <a:rPr lang="ko-KR" altLang="en-US" dirty="0"/>
+              <a:t>전반적 진행 상황 확인</a:t>
+            </a:r>
+            <a:endParaRPr lang="en-US" altLang="ko-KR" dirty="0"/>
+          </a:p>
+        </p:txBody>
+      </p:sp>
+      <p:cxnSp>
+        <p:nvCxnSpPr>
+          <p:cNvPr id="16" name="직선 연결선 15">
+            <a:extLst>
+              <a:ext uri="{FF2B5EF4-FFF2-40B4-BE49-F238E27FC236}">
+                <a16:creationId xmlns:a16="http://schemas.microsoft.com/office/drawing/2014/main" id="{55C730CC-BF78-4705-A63B-9478F0BA184F}"/>
+              </a:ext>
+            </a:extLst>
+          </p:cNvPr>
+          <p:cNvCxnSpPr/>
+          <p:nvPr/>
+        </p:nvCxnSpPr>
+        <p:spPr>
+          <a:xfrm>
+            <a:off x="2560320" y="6488417"/>
+            <a:ext cx="3042458" cy="0"/>
+          </a:xfrm>
+          <a:prstGeom prst="line">
+            <a:avLst/>
+          </a:prstGeom>
+          <a:ln w="53975">
+            <a:solidFill>
+              <a:schemeClr val="tx1"/>
+            </a:solidFill>
+            <a:prstDash val="sysDash"/>
+          </a:ln>
+        </p:spPr>
+        <p:style>
+          <a:lnRef idx="1">
+            <a:schemeClr val="accent1"/>
+          </a:lnRef>
+          <a:fillRef idx="0">
+            <a:schemeClr val="accent1"/>
+          </a:fillRef>
+          <a:effectRef idx="0">
+            <a:schemeClr val="accent1"/>
+          </a:effectRef>
+          <a:fontRef idx="minor">
+            <a:schemeClr val="tx1"/>
+          </a:fontRef>
+        </p:style>
+      </p:cxnSp>
+      <p:cxnSp>
+        <p:nvCxnSpPr>
+          <p:cNvPr id="17" name="직선 연결선 16">
+            <a:extLst>
+              <a:ext uri="{FF2B5EF4-FFF2-40B4-BE49-F238E27FC236}">
+                <a16:creationId xmlns:a16="http://schemas.microsoft.com/office/drawing/2014/main" id="{37AA000C-3043-4B56-8D8A-31A4CCA30E18}"/>
+              </a:ext>
+            </a:extLst>
+          </p:cNvPr>
+          <p:cNvCxnSpPr/>
+          <p:nvPr/>
+        </p:nvCxnSpPr>
+        <p:spPr>
+          <a:xfrm>
+            <a:off x="2560320" y="4630009"/>
+            <a:ext cx="3042458" cy="0"/>
+          </a:xfrm>
+          <a:prstGeom prst="line">
+            <a:avLst/>
+          </a:prstGeom>
+          <a:ln w="53975">
+            <a:solidFill>
+              <a:schemeClr val="tx1"/>
+            </a:solidFill>
+            <a:prstDash val="sysDash"/>
+          </a:ln>
+        </p:spPr>
+        <p:style>
+          <a:lnRef idx="1">
+            <a:schemeClr val="accent1"/>
+          </a:lnRef>
+          <a:fillRef idx="0">
+            <a:schemeClr val="accent1"/>
+          </a:fillRef>
+          <a:effectRef idx="0">
+            <a:schemeClr val="accent1"/>
+          </a:effectRef>
+          <a:fontRef idx="minor">
+            <a:schemeClr val="tx1"/>
+          </a:fontRef>
+        </p:style>
+      </p:cxnSp>
+      <p:sp>
+        <p:nvSpPr>
+          <p:cNvPr id="18" name="TextBox 17">
+            <a:extLst>
+              <a:ext uri="{FF2B5EF4-FFF2-40B4-BE49-F238E27FC236}">
+                <a16:creationId xmlns:a16="http://schemas.microsoft.com/office/drawing/2014/main" id="{F81374DA-6723-4317-8897-2A0F32CD595B}"/>
+              </a:ext>
+            </a:extLst>
+          </p:cNvPr>
+          <p:cNvSpPr txBox="1"/>
+          <p:nvPr/>
+        </p:nvSpPr>
+        <p:spPr>
+          <a:xfrm>
+            <a:off x="2560320" y="4729080"/>
+            <a:ext cx="3180604" cy="1709122"/>
+          </a:xfrm>
+          <a:prstGeom prst="rect">
+            <a:avLst/>
+          </a:prstGeom>
+          <a:noFill/>
+        </p:spPr>
+        <p:txBody>
+          <a:bodyPr wrap="square" rtlCol="0">
+            <a:spAutoFit/>
+          </a:bodyPr>
+          <a:lstStyle/>
+          <a:p>
+            <a:pPr>
+              <a:lnSpc>
+                <a:spcPct val="150000"/>
+              </a:lnSpc>
+            </a:pPr>
+            <a:r>
+              <a:rPr lang="ko-KR" altLang="en-US" dirty="0"/>
+              <a:t>김 대 현</a:t>
+            </a:r>
+            <a:endParaRPr lang="en-US" altLang="ko-KR" dirty="0"/>
+          </a:p>
+          <a:p>
+            <a:pPr>
+              <a:lnSpc>
+                <a:spcPct val="150000"/>
+              </a:lnSpc>
+            </a:pPr>
+            <a:r>
+              <a:rPr lang="ko-KR" altLang="en-US" dirty="0"/>
+              <a:t>쓰레기 처리 관련 데이터 수집</a:t>
+            </a:r>
+            <a:endParaRPr lang="en-US" altLang="ko-KR" dirty="0"/>
+          </a:p>
+          <a:p>
+            <a:pPr>
+              <a:lnSpc>
+                <a:spcPct val="150000"/>
+              </a:lnSpc>
+            </a:pPr>
+            <a:r>
+              <a:rPr lang="ko-KR" altLang="en-US" dirty="0"/>
+              <a:t>쓰레기 처리 관련 데이터 분석</a:t>
+            </a:r>
+            <a:endParaRPr lang="en-US" altLang="ko-KR" dirty="0"/>
+          </a:p>
+          <a:p>
+            <a:pPr>
+              <a:lnSpc>
+                <a:spcPct val="150000"/>
+              </a:lnSpc>
+            </a:pPr>
+            <a:r>
+              <a:rPr lang="ko-KR" altLang="en-US" dirty="0"/>
+              <a:t>발표 </a:t>
+            </a:r>
+            <a:r>
+              <a:rPr lang="en-US" altLang="ko-KR" dirty="0"/>
+              <a:t>PPT</a:t>
+            </a:r>
+            <a:r>
+              <a:rPr lang="ko-KR" altLang="en-US" dirty="0"/>
+              <a:t> 제작</a:t>
+            </a:r>
+            <a:endParaRPr lang="en-US" altLang="ko-KR" dirty="0"/>
+          </a:p>
+        </p:txBody>
+      </p:sp>
+      <p:cxnSp>
+        <p:nvCxnSpPr>
+          <p:cNvPr id="19" name="직선 연결선 18">
+            <a:extLst>
+              <a:ext uri="{FF2B5EF4-FFF2-40B4-BE49-F238E27FC236}">
+                <a16:creationId xmlns:a16="http://schemas.microsoft.com/office/drawing/2014/main" id="{BC991C64-BE63-414A-B5D4-DFB4D1C58393}"/>
+              </a:ext>
+            </a:extLst>
+          </p:cNvPr>
+          <p:cNvCxnSpPr/>
+          <p:nvPr/>
+        </p:nvCxnSpPr>
+        <p:spPr>
+          <a:xfrm>
+            <a:off x="7944541" y="6522920"/>
+            <a:ext cx="3042458" cy="0"/>
+          </a:xfrm>
+          <a:prstGeom prst="line">
+            <a:avLst/>
+          </a:prstGeom>
+          <a:ln w="53975">
+            <a:solidFill>
+              <a:schemeClr val="tx1"/>
+            </a:solidFill>
+            <a:prstDash val="sysDash"/>
+          </a:ln>
+        </p:spPr>
+        <p:style>
+          <a:lnRef idx="1">
+            <a:schemeClr val="accent1"/>
+          </a:lnRef>
+          <a:fillRef idx="0">
+            <a:schemeClr val="accent1"/>
+          </a:fillRef>
+          <a:effectRef idx="0">
+            <a:schemeClr val="accent1"/>
+          </a:effectRef>
+          <a:fontRef idx="minor">
+            <a:schemeClr val="tx1"/>
+          </a:fontRef>
+        </p:style>
+      </p:cxnSp>
+      <p:cxnSp>
+        <p:nvCxnSpPr>
+          <p:cNvPr id="20" name="직선 연결선 19">
+            <a:extLst>
+              <a:ext uri="{FF2B5EF4-FFF2-40B4-BE49-F238E27FC236}">
+                <a16:creationId xmlns:a16="http://schemas.microsoft.com/office/drawing/2014/main" id="{60E239F2-DF8F-4660-932D-6B71002E1B5C}"/>
+              </a:ext>
+            </a:extLst>
+          </p:cNvPr>
+          <p:cNvCxnSpPr/>
+          <p:nvPr/>
+        </p:nvCxnSpPr>
+        <p:spPr>
+          <a:xfrm>
+            <a:off x="7944541" y="4664513"/>
+            <a:ext cx="3042458" cy="0"/>
+          </a:xfrm>
+          <a:prstGeom prst="line">
+            <a:avLst/>
+          </a:prstGeom>
+          <a:ln w="53975">
+            <a:solidFill>
+              <a:schemeClr val="tx1"/>
+            </a:solidFill>
+            <a:prstDash val="sysDash"/>
+          </a:ln>
+        </p:spPr>
+        <p:style>
+          <a:lnRef idx="1">
+            <a:schemeClr val="accent1"/>
+          </a:lnRef>
+          <a:fillRef idx="0">
+            <a:schemeClr val="accent1"/>
+          </a:fillRef>
+          <a:effectRef idx="0">
+            <a:schemeClr val="accent1"/>
+          </a:effectRef>
+          <a:fontRef idx="minor">
+            <a:schemeClr val="tx1"/>
+          </a:fontRef>
+        </p:style>
+      </p:cxnSp>
+      <p:sp>
+        <p:nvSpPr>
+          <p:cNvPr id="21" name="TextBox 20">
+            <a:extLst>
+              <a:ext uri="{FF2B5EF4-FFF2-40B4-BE49-F238E27FC236}">
+                <a16:creationId xmlns:a16="http://schemas.microsoft.com/office/drawing/2014/main" id="{EE328E22-DC8D-47E1-A6E5-A0A9C5DE010F}"/>
+              </a:ext>
+            </a:extLst>
+          </p:cNvPr>
+          <p:cNvSpPr txBox="1"/>
+          <p:nvPr/>
+        </p:nvSpPr>
+        <p:spPr>
+          <a:xfrm>
+            <a:off x="7944541" y="4806714"/>
+            <a:ext cx="3180604" cy="1709122"/>
+          </a:xfrm>
+          <a:prstGeom prst="rect">
+            <a:avLst/>
+          </a:prstGeom>
+          <a:noFill/>
+        </p:spPr>
+        <p:txBody>
+          <a:bodyPr wrap="square" rtlCol="0">
+            <a:spAutoFit/>
+          </a:bodyPr>
+          <a:lstStyle/>
+          <a:p>
+            <a:pPr>
+              <a:lnSpc>
+                <a:spcPct val="150000"/>
+              </a:lnSpc>
+            </a:pPr>
+            <a:r>
+              <a:rPr lang="ko-KR" altLang="en-US" dirty="0"/>
+              <a:t>현 동 </a:t>
+            </a:r>
+            <a:r>
+              <a:rPr lang="ko-KR" altLang="en-US" dirty="0" err="1"/>
+              <a:t>엽</a:t>
+            </a:r>
+            <a:endParaRPr lang="en-US" altLang="ko-KR" dirty="0"/>
+          </a:p>
+          <a:p>
+            <a:pPr>
+              <a:lnSpc>
+                <a:spcPct val="150000"/>
+              </a:lnSpc>
+            </a:pPr>
+            <a:r>
+              <a:rPr lang="ko-KR" altLang="en-US" dirty="0"/>
+              <a:t>지역 데이터 수집</a:t>
+            </a:r>
+            <a:endParaRPr lang="en-US" altLang="ko-KR" dirty="0"/>
+          </a:p>
+          <a:p>
+            <a:pPr>
+              <a:lnSpc>
+                <a:spcPct val="150000"/>
+              </a:lnSpc>
+            </a:pPr>
+            <a:r>
+              <a:rPr lang="ko-KR" altLang="en-US" dirty="0"/>
+              <a:t>지역 데이터 분석</a:t>
+            </a:r>
+            <a:endParaRPr lang="en-US" altLang="ko-KR" dirty="0"/>
+          </a:p>
+          <a:p>
+            <a:pPr>
+              <a:lnSpc>
+                <a:spcPct val="150000"/>
+              </a:lnSpc>
+            </a:pPr>
+            <a:r>
+              <a:rPr lang="ko-KR" altLang="en-US" dirty="0"/>
+              <a:t>모델 탐색</a:t>
+            </a:r>
+            <a:endParaRPr lang="en-US" altLang="ko-KR" dirty="0"/>
+          </a:p>
+        </p:txBody>
+      </p:sp>
+      <p:sp>
+        <p:nvSpPr>
+          <p:cNvPr id="24" name="타원 23">
+            <a:extLst>
+              <a:ext uri="{FF2B5EF4-FFF2-40B4-BE49-F238E27FC236}">
+                <a16:creationId xmlns:a16="http://schemas.microsoft.com/office/drawing/2014/main" id="{AD7A7F84-4EA4-4978-A8F7-DD1DBD370CC6}"/>
+              </a:ext>
+            </a:extLst>
+          </p:cNvPr>
+          <p:cNvSpPr/>
+          <p:nvPr/>
+        </p:nvSpPr>
+        <p:spPr>
+          <a:xfrm>
+            <a:off x="711779" y="2316775"/>
+            <a:ext cx="1656271" cy="1656271"/>
+          </a:xfrm>
+          <a:prstGeom prst="ellipse">
+            <a:avLst/>
+          </a:prstGeom>
+          <a:blipFill dpi="0" rotWithShape="1">
+            <a:blip r:embed="rId2">
+              <a:extLst>
+                <a:ext uri="{28A0092B-C50C-407E-A947-70E740481C1C}">
+                  <a14:useLocalDpi xmlns:a14="http://schemas.microsoft.com/office/drawing/2010/main" val="0"/>
+                </a:ext>
+              </a:extLst>
+            </a:blip>
+            <a:srcRect/>
+            <a:stretch>
+              <a:fillRect/>
+            </a:stretch>
+          </a:blipFill>
+          <a:ln>
+            <a:noFill/>
+          </a:ln>
+        </p:spPr>
+        <p:style>
+          <a:lnRef idx="2">
+            <a:schemeClr val="accent1">
+              <a:shade val="50000"/>
+            </a:schemeClr>
+          </a:lnRef>
+          <a:fillRef idx="1">
+            <a:schemeClr val="accent1"/>
+          </a:fillRef>
+          <a:effectRef idx="0">
+            <a:schemeClr val="accent1"/>
+          </a:effectRef>
+          <a:fontRef idx="minor">
+            <a:schemeClr val="lt1"/>
+          </a:fontRef>
+        </p:style>
+        <p:txBody>
+          <a:bodyPr rtlCol="0" anchor="ctr"/>
+          <a:lstStyle/>
+          <a:p>
+            <a:pPr algn="ctr"/>
+            <a:endParaRPr lang="ko-KR" altLang="en-US"/>
+          </a:p>
+        </p:txBody>
+      </p:sp>
+      <p:sp>
+        <p:nvSpPr>
+          <p:cNvPr id="22" name="타원 21">
+            <a:extLst>
+              <a:ext uri="{FF2B5EF4-FFF2-40B4-BE49-F238E27FC236}">
+                <a16:creationId xmlns:a16="http://schemas.microsoft.com/office/drawing/2014/main" id="{FF85FA5B-BC5B-4413-AA41-B3D5DE5A5F5A}"/>
+              </a:ext>
+            </a:extLst>
+          </p:cNvPr>
+          <p:cNvSpPr/>
+          <p:nvPr/>
+        </p:nvSpPr>
+        <p:spPr>
+          <a:xfrm>
+            <a:off x="6096000" y="2372716"/>
+            <a:ext cx="1656271" cy="1656271"/>
+          </a:xfrm>
+          <a:prstGeom prst="ellipse">
+            <a:avLst/>
+          </a:prstGeom>
+          <a:blipFill dpi="0" rotWithShape="1">
+            <a:blip r:embed="rId2">
+              <a:extLst>
+                <a:ext uri="{28A0092B-C50C-407E-A947-70E740481C1C}">
+                  <a14:useLocalDpi xmlns:a14="http://schemas.microsoft.com/office/drawing/2010/main" val="0"/>
+                </a:ext>
+              </a:extLst>
+            </a:blip>
+            <a:srcRect/>
+            <a:stretch>
+              <a:fillRect/>
+            </a:stretch>
+          </a:blipFill>
+          <a:ln>
+            <a:noFill/>
+          </a:ln>
+        </p:spPr>
+        <p:style>
+          <a:lnRef idx="2">
+            <a:schemeClr val="accent1">
+              <a:shade val="50000"/>
+            </a:schemeClr>
+          </a:lnRef>
+          <a:fillRef idx="1">
+            <a:schemeClr val="accent1"/>
+          </a:fillRef>
+          <a:effectRef idx="0">
+            <a:schemeClr val="accent1"/>
+          </a:effectRef>
+          <a:fontRef idx="minor">
+            <a:schemeClr val="lt1"/>
+          </a:fontRef>
+        </p:style>
+        <p:txBody>
+          <a:bodyPr rtlCol="0" anchor="ctr"/>
+          <a:lstStyle/>
+          <a:p>
+            <a:pPr algn="ctr"/>
+            <a:endParaRPr lang="ko-KR" altLang="en-US"/>
+          </a:p>
+        </p:txBody>
+      </p:sp>
+    </p:spTree>
+    <p:extLst>
+      <p:ext uri="{BB962C8B-B14F-4D97-AF65-F5344CB8AC3E}">
+        <p14:creationId xmlns:p14="http://schemas.microsoft.com/office/powerpoint/2010/main" val="1199911923"/>
+      </p:ext>
+    </p:extLst>
+  </p:cSld>
+  <p:clrMapOvr>
+    <a:masterClrMapping/>
+  </p:clrMapOvr>
+</p:sld>
+</file>
+
+<file path=ppt/slides/slide4.xml><?xml version="1.0" encoding="utf-8"?>
 <p:sld xmlns:a="http://schemas.openxmlformats.org/drawingml/2006/main" xmlns:r="http://schemas.openxmlformats.org/officeDocument/2006/relationships" xmlns:p="http://schemas.openxmlformats.org/presentationml/2006/main">
   <p:cSld>
     <p:spTree>
@@ -7007,8 +7933,8 @@
         </p:nvSpPr>
         <p:spPr>
           <a:xfrm>
-            <a:off x="6079714" y="4031674"/>
-            <a:ext cx="5476478" cy="1973472"/>
+            <a:off x="6079714" y="4126562"/>
+            <a:ext cx="5634958" cy="1973472"/>
           </a:xfrm>
         </p:spPr>
         <p:txBody>
@@ -7043,12 +7969,16 @@
               </a:lnSpc>
             </a:pPr>
             <a:r>
+              <a:rPr lang="ko-KR" altLang="en-US" sz="2000" dirty="0"/>
+              <a:t>청정의 섬 이미지와 상반되는 </a:t>
+            </a:r>
+            <a:r>
               <a:rPr lang="en-US" altLang="ko-KR" sz="2000" dirty="0"/>
-              <a:t>2018</a:t>
+              <a:t>‘</a:t>
             </a:r>
             <a:r>
               <a:rPr lang="ko-KR" altLang="en-US" sz="2000" dirty="0"/>
-              <a:t>년에는 국외로 반출한 압축 쓰레기 수천 톤이 반송되면서 쓰레기 대란 일으킨 사례도 있음 </a:t>
+              <a:t>쓰레기 섬＇ 오명</a:t>
             </a:r>
           </a:p>
         </p:txBody>
@@ -7251,7 +8181,7 @@
 </p:sld>
 </file>
 
-<file path=ppt/slides/slide6.xml><?xml version="1.0" encoding="utf-8"?>
+<file path=ppt/slides/slide5.xml><?xml version="1.0" encoding="utf-8"?>
 <p:sld xmlns:a="http://schemas.openxmlformats.org/drawingml/2006/main" xmlns:r="http://schemas.openxmlformats.org/officeDocument/2006/relationships" xmlns:p="http://schemas.openxmlformats.org/presentationml/2006/main">
   <p:cSld>
     <p:spTree>
@@ -7336,13 +8266,13 @@
           <p:nvPr>
             <p:extLst>
               <p:ext uri="{D42A27DB-BD31-4B8C-83A1-F6EECF244321}">
-                <p14:modId xmlns:p14="http://schemas.microsoft.com/office/powerpoint/2010/main" val="1347607942"/>
+                <p14:modId xmlns:p14="http://schemas.microsoft.com/office/powerpoint/2010/main" val="4161284216"/>
               </p:ext>
             </p:extLst>
           </p:nvPr>
         </p:nvGraphicFramePr>
         <p:xfrm>
-          <a:off x="6264188" y="2037874"/>
+          <a:off x="6264188" y="1848099"/>
           <a:ext cx="5690420" cy="3414252"/>
         </p:xfrm>
         <a:graphic>
@@ -7374,7 +8304,7 @@
         </p:blipFill>
         <p:spPr bwMode="auto">
           <a:xfrm>
-            <a:off x="158261" y="2414882"/>
+            <a:off x="158261" y="2069838"/>
             <a:ext cx="6345188" cy="3699638"/>
           </a:xfrm>
           <a:prstGeom prst="rect">
@@ -7433,8 +8363,8 @@
         </p:nvSpPr>
         <p:spPr>
           <a:xfrm>
-            <a:off x="7022686" y="5484403"/>
-            <a:ext cx="4239695" cy="1006318"/>
+            <a:off x="6763109" y="5216994"/>
+            <a:ext cx="5428891" cy="1114795"/>
           </a:xfrm>
           <a:ln>
             <a:noFill/>
@@ -7448,7 +8378,7 @@
           <a:p>
             <a:pPr>
               <a:lnSpc>
-                <a:spcPct val="170000"/>
+                <a:spcPct val="150000"/>
               </a:lnSpc>
             </a:pPr>
             <a:r>
@@ -7460,33 +8390,330 @@
           <a:p>
             <a:pPr>
               <a:lnSpc>
-                <a:spcPct val="170000"/>
+                <a:spcPct val="150000"/>
               </a:lnSpc>
             </a:pPr>
             <a:r>
+              <a:rPr lang="en-US" altLang="ko-KR" sz="2000" dirty="0"/>
+              <a:t>2016</a:t>
+            </a:r>
+            <a:r>
               <a:rPr lang="ko-KR" altLang="en-US" sz="2000" dirty="0"/>
-              <a:t>만족 </a:t>
+              <a:t>년 </a:t>
+            </a:r>
+            <a:r>
+              <a:rPr lang="ko-KR" altLang="en-US" sz="2000" dirty="0" err="1"/>
+              <a:t>요일별</a:t>
+            </a:r>
+            <a:r>
+              <a:rPr lang="ko-KR" altLang="en-US" sz="2000" dirty="0"/>
+              <a:t> </a:t>
+            </a:r>
+            <a:r>
+              <a:rPr lang="ko-KR" altLang="en-US" sz="2000" dirty="0" err="1"/>
+              <a:t>배출제</a:t>
+            </a:r>
+            <a:r>
+              <a:rPr lang="ko-KR" altLang="en-US" sz="2000" dirty="0"/>
+              <a:t> 실시 후</a:t>
             </a:r>
             <a:r>
               <a:rPr lang="en-US" altLang="ko-KR" sz="2000" dirty="0"/>
-              <a:t>46.2 , </a:t>
+              <a:t>, </a:t>
             </a:r>
             <a:r>
               <a:rPr lang="ko-KR" altLang="en-US" sz="2000" dirty="0"/>
-              <a:t>불만족 </a:t>
+              <a:t>재활용율 향상</a:t>
             </a:r>
             <a:r>
               <a:rPr lang="en-US" altLang="ko-KR" sz="2000" dirty="0"/>
-              <a:t>33.7%</a:t>
-            </a:r>
+              <a:t> </a:t>
+            </a:r>
+          </a:p>
+          <a:p>
+            <a:pPr marL="0" indent="0">
+              <a:lnSpc>
+                <a:spcPct val="150000"/>
+              </a:lnSpc>
+              <a:buNone/>
+            </a:pPr>
+            <a:endParaRPr lang="en-US" altLang="ko-KR" sz="2000" dirty="0"/>
+          </a:p>
+          <a:p>
+            <a:pPr marL="0" indent="0">
+              <a:lnSpc>
+                <a:spcPct val="150000"/>
+              </a:lnSpc>
+              <a:buNone/>
+            </a:pPr>
             <a:endParaRPr lang="ko-KR" altLang="en-US" sz="2000" dirty="0"/>
           </a:p>
         </p:txBody>
       </p:sp>
+      <p:pic>
+        <p:nvPicPr>
+          <p:cNvPr id="4" name="그림 3">
+            <a:extLst>
+              <a:ext uri="{FF2B5EF4-FFF2-40B4-BE49-F238E27FC236}">
+                <a16:creationId xmlns:a16="http://schemas.microsoft.com/office/drawing/2014/main" id="{0F3F1B7E-17F6-45D2-B846-7CA40DCD88F0}"/>
+              </a:ext>
+            </a:extLst>
+          </p:cNvPr>
+          <p:cNvPicPr>
+            <a:picLocks noChangeAspect="1"/>
+          </p:cNvPicPr>
+          <p:nvPr/>
+        </p:nvPicPr>
+        <p:blipFill>
+          <a:blip r:embed="rId4">
+            <a:extLst>
+              <a:ext uri="{28A0092B-C50C-407E-A947-70E740481C1C}">
+                <a14:useLocalDpi xmlns:a14="http://schemas.microsoft.com/office/drawing/2010/main" val="0"/>
+              </a:ext>
+            </a:extLst>
+          </a:blip>
+          <a:stretch>
+            <a:fillRect/>
+          </a:stretch>
+        </p:blipFill>
+        <p:spPr>
+          <a:xfrm>
+            <a:off x="6828732" y="2064831"/>
+            <a:ext cx="5128391" cy="3162300"/>
+          </a:xfrm>
+          <a:prstGeom prst="rect">
+            <a:avLst/>
+          </a:prstGeom>
+        </p:spPr>
+      </p:pic>
     </p:spTree>
     <p:extLst>
       <p:ext uri="{BB962C8B-B14F-4D97-AF65-F5344CB8AC3E}">
         <p14:creationId xmlns:p14="http://schemas.microsoft.com/office/powerpoint/2010/main" val="3698330000"/>
+      </p:ext>
+    </p:extLst>
+  </p:cSld>
+  <p:clrMapOvr>
+    <a:masterClrMapping/>
+  </p:clrMapOvr>
+</p:sld>
+</file>
+
+<file path=ppt/slides/slide6.xml><?xml version="1.0" encoding="utf-8"?>
+<p:sld xmlns:a="http://schemas.openxmlformats.org/drawingml/2006/main" xmlns:r="http://schemas.openxmlformats.org/officeDocument/2006/relationships" xmlns:p="http://schemas.openxmlformats.org/presentationml/2006/main">
+  <p:cSld>
+    <p:spTree>
+      <p:nvGrpSpPr>
+        <p:cNvPr id="1" name=""/>
+        <p:cNvGrpSpPr/>
+        <p:nvPr/>
+      </p:nvGrpSpPr>
+      <p:grpSpPr>
+        <a:xfrm>
+          <a:off x="0" y="0"/>
+          <a:ext cx="0" cy="0"/>
+          <a:chOff x="0" y="0"/>
+          <a:chExt cx="0" cy="0"/>
+        </a:xfrm>
+      </p:grpSpPr>
+      <p:sp>
+        <p:nvSpPr>
+          <p:cNvPr id="2" name="제목 1">
+            <a:extLst>
+              <a:ext uri="{FF2B5EF4-FFF2-40B4-BE49-F238E27FC236}">
+                <a16:creationId xmlns:a16="http://schemas.microsoft.com/office/drawing/2014/main" id="{5573004E-1D02-4C3C-9DF7-AFE37041D6EA}"/>
+              </a:ext>
+            </a:extLst>
+          </p:cNvPr>
+          <p:cNvSpPr>
+            <a:spLocks noGrp="1"/>
+          </p:cNvSpPr>
+          <p:nvPr>
+            <p:ph type="title"/>
+          </p:nvPr>
+        </p:nvSpPr>
+        <p:spPr/>
+        <p:txBody>
+          <a:bodyPr/>
+          <a:lstStyle/>
+          <a:p>
+            <a:r>
+              <a:rPr lang="ko-KR" altLang="en-US" dirty="0"/>
+              <a:t>주제 선정 배경 </a:t>
+            </a:r>
+            <a:r>
+              <a:rPr lang="en-US" altLang="ko-KR" dirty="0"/>
+              <a:t>– </a:t>
+            </a:r>
+            <a:r>
+              <a:rPr lang="ko-KR" altLang="en-US" dirty="0" err="1"/>
+              <a:t>클린하우스</a:t>
+            </a:r>
+            <a:r>
+              <a:rPr lang="ko-KR" altLang="en-US" dirty="0"/>
+              <a:t> </a:t>
+            </a:r>
+            <a:r>
+              <a:rPr lang="ko-KR" altLang="en-US" dirty="0" err="1"/>
+              <a:t>요일별</a:t>
+            </a:r>
+            <a:r>
+              <a:rPr lang="ko-KR" altLang="en-US" dirty="0"/>
+              <a:t> </a:t>
+            </a:r>
+            <a:r>
+              <a:rPr lang="ko-KR" altLang="en-US" dirty="0" err="1"/>
+              <a:t>배출제</a:t>
+            </a:r>
+            <a:endParaRPr lang="ko-KR" altLang="en-US" dirty="0"/>
+          </a:p>
+        </p:txBody>
+      </p:sp>
+      <p:sp>
+        <p:nvSpPr>
+          <p:cNvPr id="5" name="내용 개체 틀 3">
+            <a:extLst>
+              <a:ext uri="{FF2B5EF4-FFF2-40B4-BE49-F238E27FC236}">
+                <a16:creationId xmlns:a16="http://schemas.microsoft.com/office/drawing/2014/main" id="{58CCBF7E-A9A0-4898-91A0-D45438305902}"/>
+              </a:ext>
+            </a:extLst>
+          </p:cNvPr>
+          <p:cNvSpPr>
+            <a:spLocks noGrp="1"/>
+          </p:cNvSpPr>
+          <p:nvPr>
+            <p:ph sz="half" idx="2"/>
+          </p:nvPr>
+        </p:nvSpPr>
+        <p:spPr>
+          <a:xfrm>
+            <a:off x="578769" y="5909186"/>
+            <a:ext cx="4239695" cy="868073"/>
+          </a:xfrm>
+          <a:ln>
+            <a:noFill/>
+          </a:ln>
+        </p:spPr>
+        <p:txBody>
+          <a:bodyPr>
+            <a:noAutofit/>
+          </a:bodyPr>
+          <a:lstStyle/>
+          <a:p>
+            <a:pPr>
+              <a:lnSpc>
+                <a:spcPct val="200000"/>
+              </a:lnSpc>
+            </a:pPr>
+            <a:r>
+              <a:rPr lang="ko-KR" altLang="en-US" sz="2000" dirty="0"/>
+              <a:t>만족 </a:t>
+            </a:r>
+            <a:r>
+              <a:rPr lang="en-US" altLang="ko-KR" sz="2000" dirty="0"/>
+              <a:t>46.2 , </a:t>
+            </a:r>
+            <a:r>
+              <a:rPr lang="ko-KR" altLang="en-US" sz="2000" dirty="0"/>
+              <a:t>불만족 </a:t>
+            </a:r>
+            <a:r>
+              <a:rPr lang="en-US" altLang="ko-KR" sz="2000" dirty="0"/>
+              <a:t>33.7%</a:t>
+            </a:r>
+          </a:p>
+          <a:p>
+            <a:pPr>
+              <a:lnSpc>
+                <a:spcPct val="200000"/>
+              </a:lnSpc>
+            </a:pPr>
+            <a:endParaRPr lang="en-US" altLang="ko-KR" sz="2000" dirty="0"/>
+          </a:p>
+          <a:p>
+            <a:pPr marL="0" indent="0">
+              <a:lnSpc>
+                <a:spcPct val="200000"/>
+              </a:lnSpc>
+              <a:buNone/>
+            </a:pPr>
+            <a:endParaRPr lang="en-US" altLang="ko-KR" sz="2000" dirty="0"/>
+          </a:p>
+          <a:p>
+            <a:pPr marL="0" indent="0">
+              <a:lnSpc>
+                <a:spcPct val="200000"/>
+              </a:lnSpc>
+              <a:buNone/>
+            </a:pPr>
+            <a:endParaRPr lang="ko-KR" altLang="en-US" sz="2000" dirty="0"/>
+          </a:p>
+        </p:txBody>
+      </p:sp>
+      <p:pic>
+        <p:nvPicPr>
+          <p:cNvPr id="7" name="그림 6">
+            <a:extLst>
+              <a:ext uri="{FF2B5EF4-FFF2-40B4-BE49-F238E27FC236}">
+                <a16:creationId xmlns:a16="http://schemas.microsoft.com/office/drawing/2014/main" id="{AD92FDA0-AD77-4EDE-8E49-1F4108AD0119}"/>
+              </a:ext>
+            </a:extLst>
+          </p:cNvPr>
+          <p:cNvPicPr>
+            <a:picLocks noChangeAspect="1"/>
+          </p:cNvPicPr>
+          <p:nvPr/>
+        </p:nvPicPr>
+        <p:blipFill>
+          <a:blip r:embed="rId2"/>
+          <a:stretch>
+            <a:fillRect/>
+          </a:stretch>
+        </p:blipFill>
+        <p:spPr>
+          <a:xfrm>
+            <a:off x="5808112" y="2153263"/>
+            <a:ext cx="6015999" cy="3890867"/>
+          </a:xfrm>
+          <a:prstGeom prst="rect">
+            <a:avLst/>
+          </a:prstGeom>
+        </p:spPr>
+      </p:pic>
+      <p:graphicFrame>
+        <p:nvGraphicFramePr>
+          <p:cNvPr id="9" name="차트 8">
+            <a:extLst>
+              <a:ext uri="{FF2B5EF4-FFF2-40B4-BE49-F238E27FC236}">
+                <a16:creationId xmlns:a16="http://schemas.microsoft.com/office/drawing/2014/main" id="{E96E84BC-BF89-49F5-BCDF-B51FF5156428}"/>
+              </a:ext>
+            </a:extLst>
+          </p:cNvPr>
+          <p:cNvGraphicFramePr>
+            <a:graphicFrameLocks/>
+          </p:cNvGraphicFramePr>
+          <p:nvPr>
+            <p:extLst>
+              <p:ext uri="{D42A27DB-BD31-4B8C-83A1-F6EECF244321}">
+                <p14:modId xmlns:p14="http://schemas.microsoft.com/office/powerpoint/2010/main" val="1360235878"/>
+              </p:ext>
+            </p:extLst>
+          </p:nvPr>
+        </p:nvGraphicFramePr>
+        <p:xfrm>
+          <a:off x="-178239" y="2025445"/>
+          <a:ext cx="5772794" cy="3839822"/>
+        </p:xfrm>
+        <a:graphic>
+          <a:graphicData uri="http://schemas.openxmlformats.org/drawingml/2006/chart">
+            <c:chart xmlns:c="http://schemas.openxmlformats.org/drawingml/2006/chart" xmlns:r="http://schemas.openxmlformats.org/officeDocument/2006/relationships" r:id="rId3"/>
+          </a:graphicData>
+        </a:graphic>
+      </p:graphicFrame>
+    </p:spTree>
+    <p:extLst>
+      <p:ext uri="{BB962C8B-B14F-4D97-AF65-F5344CB8AC3E}">
+        <p14:creationId xmlns:p14="http://schemas.microsoft.com/office/powerpoint/2010/main" val="3753955726"/>
       </p:ext>
     </p:extLst>
   </p:cSld>
@@ -8380,9 +9607,20 @@
             </a:r>
             <a:r>
               <a:rPr lang="ko-KR" altLang="en-US" sz="2000" dirty="0"/>
-              <a:t> 제주도 지역별 데이터와 쓰레기 배출량 상관 관계 분석</a:t>
-            </a:r>
-            <a:endParaRPr lang="en-US" altLang="ko-KR" sz="2000" dirty="0"/>
+              <a:t> 제주도 지역별 데이터로 쓰레기 배출량을 군집화</a:t>
+            </a:r>
+            <a:r>
+              <a:rPr lang="en-US" altLang="ko-KR" sz="2000" dirty="0"/>
+              <a:t>( </a:t>
+            </a:r>
+            <a:r>
+              <a:rPr lang="en-US" altLang="ko-KR" sz="2000" dirty="0" err="1"/>
+              <a:t>Kmeans</a:t>
+            </a:r>
+            <a:r>
+              <a:rPr lang="en-US" altLang="ko-KR" sz="2000" dirty="0"/>
+              <a:t> )</a:t>
+            </a:r>
           </a:p>
           <a:p>
             <a:pPr>
@@ -8392,8 +9630,21 @@
             </a:pPr>
             <a:r>
               <a:rPr lang="en-US" altLang="ko-KR" sz="2000" dirty="0"/>
-              <a:t>  </a:t>
-            </a:r>
+              <a:t>     - </a:t>
+            </a:r>
+            <a:r>
+              <a:rPr lang="ko-KR" altLang="en-US" sz="2000" dirty="0"/>
+              <a:t>독립변수 </a:t>
+            </a:r>
+            <a:r>
+              <a:rPr lang="en-US" altLang="ko-KR" sz="2000" dirty="0"/>
+              <a:t>: </a:t>
+            </a:r>
+            <a:r>
+              <a:rPr lang="ko-KR" altLang="en-US" sz="2000" dirty="0"/>
+              <a:t>지역별 데이터</a:t>
+            </a:r>
+            <a:endParaRPr lang="en-US" altLang="ko-KR" sz="2000" dirty="0"/>
           </a:p>
           <a:p>
             <a:pPr>
@@ -8402,6 +9653,30 @@
               </a:lnSpc>
             </a:pPr>
             <a:r>
+              <a:rPr lang="en-US" altLang="ko-KR" sz="2000" dirty="0"/>
+              <a:t>     - </a:t>
+            </a:r>
+            <a:r>
+              <a:rPr lang="ko-KR" altLang="en-US" sz="2000" dirty="0"/>
+              <a:t>종속변수 </a:t>
+            </a:r>
+            <a:r>
+              <a:rPr lang="en-US" altLang="ko-KR" sz="2000" dirty="0"/>
+              <a:t>: </a:t>
+            </a:r>
+            <a:r>
+              <a:rPr lang="ko-KR" altLang="en-US" sz="2000" dirty="0"/>
+              <a:t>쓰레기 배출량 군집</a:t>
+            </a:r>
+            <a:endParaRPr lang="en-US" altLang="ko-KR" sz="2000" dirty="0"/>
+          </a:p>
+          <a:p>
+            <a:pPr>
+              <a:lnSpc>
+                <a:spcPct val="150000"/>
+              </a:lnSpc>
+            </a:pPr>
+            <a:r>
               <a:rPr lang="ko-KR" altLang="en-US" sz="2000" dirty="0" err="1"/>
               <a:t>ㅇ</a:t>
             </a:r>
@@ -8424,6 +9699,22 @@
             <a:r>
               <a:rPr lang="ko-KR" altLang="en-US" sz="2000" dirty="0"/>
               <a:t> 구분</a:t>
+            </a:r>
+            <a:endParaRPr lang="en-US" altLang="ko-KR" sz="2000" dirty="0"/>
+          </a:p>
+          <a:p>
+            <a:pPr>
+              <a:lnSpc>
+                <a:spcPct val="150000"/>
+              </a:lnSpc>
+            </a:pPr>
+            <a:r>
+              <a:rPr lang="ko-KR" altLang="en-US" sz="2000" dirty="0" err="1"/>
+              <a:t>ㅇ</a:t>
+            </a:r>
+            <a:r>
+              <a:rPr lang="ko-KR" altLang="en-US" sz="2000" dirty="0"/>
+              <a:t> 해당 지역 </a:t>
             </a:r>
             <a:endParaRPr lang="en-US" altLang="ko-KR" sz="2000" dirty="0"/>
           </a:p>
@@ -8442,53 +9733,6 @@
               </a:lnSpc>
             </a:pPr>
             <a:r>
-              <a:rPr lang="ko-KR" altLang="en-US" sz="2000" dirty="0" err="1"/>
-              <a:t>ㅇ</a:t>
-            </a:r>
-            <a:r>
-              <a:rPr lang="ko-KR" altLang="en-US" sz="2000" dirty="0"/>
-              <a:t> 쓰레기 배출량 </a:t>
-            </a:r>
-            <a:r>
-              <a:rPr lang="en-US" altLang="ko-KR" sz="2000" dirty="0"/>
-              <a:t>/ (</a:t>
-            </a:r>
-            <a:r>
-              <a:rPr lang="ko-KR" altLang="en-US" sz="2000" dirty="0" err="1"/>
-              <a:t>클린하우스</a:t>
-            </a:r>
-            <a:r>
-              <a:rPr lang="ko-KR" altLang="en-US" sz="2000" dirty="0"/>
-              <a:t> </a:t>
-            </a:r>
-            <a:r>
-              <a:rPr lang="en-US" altLang="ko-KR" sz="2000" dirty="0"/>
-              <a:t>+ </a:t>
-            </a:r>
-            <a:r>
-              <a:rPr lang="ko-KR" altLang="en-US" sz="2000" dirty="0" err="1"/>
-              <a:t>재활용도움센터</a:t>
-            </a:r>
-            <a:r>
-              <a:rPr lang="en-US" altLang="ko-KR" sz="2000" dirty="0"/>
-              <a:t>)</a:t>
-            </a:r>
-          </a:p>
-          <a:p>
-            <a:pPr>
-              <a:lnSpc>
-                <a:spcPct val="150000"/>
-              </a:lnSpc>
-            </a:pPr>
-            <a:endParaRPr lang="en-US" altLang="ko-KR" sz="2000" dirty="0"/>
-          </a:p>
-          <a:p>
-            <a:pPr>
-              <a:lnSpc>
-                <a:spcPct val="150000"/>
-              </a:lnSpc>
-            </a:pPr>
-            <a:r>
               <a:rPr lang="en-US" altLang="ko-KR" sz="2000" dirty="0">
                 <a:sym typeface="Wingdings" panose="05000000000000000000" pitchFamily="2" charset="2"/>
               </a:rPr>
@@ -8498,7 +9742,7 @@
               <a:rPr lang="ko-KR" altLang="en-US" sz="2000" dirty="0">
                 <a:sym typeface="Wingdings" panose="05000000000000000000" pitchFamily="2" charset="2"/>
               </a:rPr>
-              <a:t>지역별 쓰레기 배출량 파악</a:t>
+              <a:t>지역별 쓰레기 배출량 등급 파악</a:t>
             </a:r>
             <a:endParaRPr lang="en-US" altLang="ko-KR" sz="2000" dirty="0">
               <a:sym typeface="Wingdings" panose="05000000000000000000" pitchFamily="2" charset="2"/>

--- a/3조- 계획서.pptx
+++ b/3조- 계획서.pptx
@@ -8168,6 +8168,102 @@
           </a:prstGeom>
         </p:spPr>
       </p:pic>
+      <p:sp>
+        <p:nvSpPr>
+          <p:cNvPr id="10" name="TextBox 9">
+            <a:extLst>
+              <a:ext uri="{FF2B5EF4-FFF2-40B4-BE49-F238E27FC236}">
+                <a16:creationId xmlns:a16="http://schemas.microsoft.com/office/drawing/2014/main" id="{ECF89C7F-D036-49BB-AB87-975A0355660B}"/>
+              </a:ext>
+            </a:extLst>
+          </p:cNvPr>
+          <p:cNvSpPr txBox="1"/>
+          <p:nvPr/>
+        </p:nvSpPr>
+        <p:spPr>
+          <a:xfrm>
+            <a:off x="10292003" y="2220836"/>
+            <a:ext cx="1264190" cy="253916"/>
+          </a:xfrm>
+          <a:prstGeom prst="rect">
+            <a:avLst/>
+          </a:prstGeom>
+          <a:noFill/>
+        </p:spPr>
+        <p:txBody>
+          <a:bodyPr wrap="square" rtlCol="0">
+            <a:spAutoFit/>
+          </a:bodyPr>
+          <a:lstStyle/>
+          <a:p>
+            <a:r>
+              <a:rPr lang="ko-KR" altLang="en-US" sz="1050" dirty="0"/>
+              <a:t>출처</a:t>
+            </a:r>
+            <a:r>
+              <a:rPr lang="en-US" altLang="ko-KR" sz="1050" dirty="0"/>
+              <a:t>) </a:t>
+            </a:r>
+            <a:r>
+              <a:rPr lang="ko-KR" altLang="en-US" sz="1050" dirty="0"/>
+              <a:t>제주의</a:t>
+            </a:r>
+            <a:r>
+              <a:rPr lang="en-US" altLang="ko-KR" sz="1050" dirty="0"/>
+              <a:t> </a:t>
+            </a:r>
+            <a:r>
+              <a:rPr lang="ko-KR" altLang="en-US" sz="1050" dirty="0"/>
+              <a:t>소리</a:t>
+            </a:r>
+            <a:endParaRPr lang="en-US" altLang="ko-KR" sz="1050" dirty="0"/>
+          </a:p>
+        </p:txBody>
+      </p:sp>
+      <p:sp>
+        <p:nvSpPr>
+          <p:cNvPr id="11" name="TextBox 10">
+            <a:extLst>
+              <a:ext uri="{FF2B5EF4-FFF2-40B4-BE49-F238E27FC236}">
+                <a16:creationId xmlns:a16="http://schemas.microsoft.com/office/drawing/2014/main" id="{586F794C-A38A-43A9-96C6-BD38104974D3}"/>
+              </a:ext>
+            </a:extLst>
+          </p:cNvPr>
+          <p:cNvSpPr txBox="1"/>
+          <p:nvPr/>
+        </p:nvSpPr>
+        <p:spPr>
+          <a:xfrm>
+            <a:off x="4338450" y="6573824"/>
+            <a:ext cx="1399620" cy="253916"/>
+          </a:xfrm>
+          <a:prstGeom prst="rect">
+            <a:avLst/>
+          </a:prstGeom>
+          <a:noFill/>
+        </p:spPr>
+        <p:txBody>
+          <a:bodyPr wrap="square" rtlCol="0">
+            <a:spAutoFit/>
+          </a:bodyPr>
+          <a:lstStyle/>
+          <a:p>
+            <a:r>
+              <a:rPr lang="ko-KR" altLang="en-US" sz="1050" dirty="0"/>
+              <a:t>출처</a:t>
+            </a:r>
+            <a:r>
+              <a:rPr lang="en-US" altLang="ko-KR" sz="1050" dirty="0"/>
+              <a:t>) </a:t>
+            </a:r>
+            <a:r>
+              <a:rPr lang="ko-KR" altLang="en-US" sz="1050" dirty="0" err="1"/>
+              <a:t>국가통계포털</a:t>
+            </a:r>
+            <a:endParaRPr lang="en-US" altLang="ko-KR" sz="1050" dirty="0"/>
+          </a:p>
+        </p:txBody>
+      </p:sp>
     </p:spTree>
     <p:extLst>
       <p:ext uri="{BB962C8B-B14F-4D97-AF65-F5344CB8AC3E}">
@@ -8304,7 +8400,7 @@
         </p:blipFill>
         <p:spPr bwMode="auto">
           <a:xfrm>
-            <a:off x="158261" y="2069838"/>
+            <a:off x="180529" y="2556400"/>
             <a:ext cx="6345188" cy="3699638"/>
           </a:xfrm>
           <a:prstGeom prst="rect">
@@ -8363,7 +8459,7 @@
         </p:nvSpPr>
         <p:spPr>
           <a:xfrm>
-            <a:off x="6763109" y="5216994"/>
+            <a:off x="6763109" y="5592152"/>
             <a:ext cx="5428891" cy="1114795"/>
           </a:xfrm>
           <a:ln>
@@ -8478,7 +8574,7 @@
         </p:blipFill>
         <p:spPr>
           <a:xfrm>
-            <a:off x="6828732" y="2064831"/>
+            <a:off x="6883080" y="1974075"/>
             <a:ext cx="5128391" cy="3162300"/>
           </a:xfrm>
           <a:prstGeom prst="rect">
@@ -8486,6 +8582,45 @@
           </a:prstGeom>
         </p:spPr>
       </p:pic>
+      <p:sp>
+        <p:nvSpPr>
+          <p:cNvPr id="7" name="TextBox 6">
+            <a:extLst>
+              <a:ext uri="{FF2B5EF4-FFF2-40B4-BE49-F238E27FC236}">
+                <a16:creationId xmlns:a16="http://schemas.microsoft.com/office/drawing/2014/main" id="{5F93711D-277D-41D5-99C7-99103B7EEA48}"/>
+              </a:ext>
+            </a:extLst>
+          </p:cNvPr>
+          <p:cNvSpPr txBox="1"/>
+          <p:nvPr/>
+        </p:nvSpPr>
+        <p:spPr>
+          <a:xfrm>
+            <a:off x="10969214" y="5094427"/>
+            <a:ext cx="1399620" cy="253916"/>
+          </a:xfrm>
+          <a:prstGeom prst="rect">
+            <a:avLst/>
+          </a:prstGeom>
+          <a:noFill/>
+        </p:spPr>
+        <p:txBody>
+          <a:bodyPr wrap="square" rtlCol="0">
+            <a:spAutoFit/>
+          </a:bodyPr>
+          <a:lstStyle/>
+          <a:p>
+            <a:r>
+              <a:rPr lang="ko-KR" altLang="en-US" sz="1050" dirty="0"/>
+              <a:t>출처</a:t>
+            </a:r>
+            <a:r>
+              <a:rPr lang="en-US" altLang="ko-KR" sz="1050" dirty="0"/>
+              <a:t>) KBS NEWS</a:t>
+            </a:r>
+          </a:p>
+        </p:txBody>
+      </p:sp>
     </p:spTree>
     <p:extLst>
       <p:ext uri="{BB962C8B-B14F-4D97-AF65-F5344CB8AC3E}">
@@ -8672,8 +8807,8 @@
         </p:blipFill>
         <p:spPr>
           <a:xfrm>
-            <a:off x="5808112" y="2153263"/>
-            <a:ext cx="6015999" cy="3890867"/>
+            <a:off x="6263010" y="2195208"/>
+            <a:ext cx="5594657" cy="3618363"/>
           </a:xfrm>
           <a:prstGeom prst="rect">
             <a:avLst/>
@@ -8695,14 +8830,14 @@
           <p:nvPr>
             <p:extLst>
               <p:ext uri="{D42A27DB-BD31-4B8C-83A1-F6EECF244321}">
-                <p14:modId xmlns:p14="http://schemas.microsoft.com/office/powerpoint/2010/main" val="1360235878"/>
+                <p14:modId xmlns:p14="http://schemas.microsoft.com/office/powerpoint/2010/main" val="1254728924"/>
               </p:ext>
             </p:extLst>
           </p:nvPr>
         </p:nvGraphicFramePr>
         <p:xfrm>
-          <a:off x="-178239" y="2025445"/>
-          <a:ext cx="5772794" cy="3839822"/>
+          <a:off x="209725" y="2025444"/>
+          <a:ext cx="5384830" cy="3883741"/>
         </p:xfrm>
         <a:graphic>
           <a:graphicData uri="http://schemas.openxmlformats.org/drawingml/2006/chart">
@@ -8710,6 +8845,94 @@
           </a:graphicData>
         </a:graphic>
       </p:graphicFrame>
+      <p:sp>
+        <p:nvSpPr>
+          <p:cNvPr id="6" name="TextBox 5">
+            <a:extLst>
+              <a:ext uri="{FF2B5EF4-FFF2-40B4-BE49-F238E27FC236}">
+                <a16:creationId xmlns:a16="http://schemas.microsoft.com/office/drawing/2014/main" id="{3852193B-563C-4217-AE31-A0F78EB74868}"/>
+              </a:ext>
+            </a:extLst>
+          </p:cNvPr>
+          <p:cNvSpPr txBox="1"/>
+          <p:nvPr/>
+        </p:nvSpPr>
+        <p:spPr>
+          <a:xfrm>
+            <a:off x="4228491" y="5909185"/>
+            <a:ext cx="1366064" cy="253916"/>
+          </a:xfrm>
+          <a:prstGeom prst="rect">
+            <a:avLst/>
+          </a:prstGeom>
+          <a:noFill/>
+        </p:spPr>
+        <p:txBody>
+          <a:bodyPr wrap="square" rtlCol="0">
+            <a:spAutoFit/>
+          </a:bodyPr>
+          <a:lstStyle/>
+          <a:p>
+            <a:r>
+              <a:rPr lang="ko-KR" altLang="en-US" sz="1050" dirty="0"/>
+              <a:t>출처</a:t>
+            </a:r>
+            <a:r>
+              <a:rPr lang="en-US" altLang="ko-KR" sz="1050" dirty="0"/>
+              <a:t>) </a:t>
+            </a:r>
+            <a:r>
+              <a:rPr lang="ko-KR" altLang="en-US" sz="1050" dirty="0" err="1"/>
+              <a:t>국가통계포털</a:t>
+            </a:r>
+            <a:endParaRPr lang="en-US" altLang="ko-KR" sz="1050" dirty="0"/>
+          </a:p>
+        </p:txBody>
+      </p:sp>
+      <p:sp>
+        <p:nvSpPr>
+          <p:cNvPr id="8" name="TextBox 7">
+            <a:extLst>
+              <a:ext uri="{FF2B5EF4-FFF2-40B4-BE49-F238E27FC236}">
+                <a16:creationId xmlns:a16="http://schemas.microsoft.com/office/drawing/2014/main" id="{248E2D97-3F25-4C0F-BF49-BE62CDC0891D}"/>
+              </a:ext>
+            </a:extLst>
+          </p:cNvPr>
+          <p:cNvSpPr txBox="1"/>
+          <p:nvPr/>
+        </p:nvSpPr>
+        <p:spPr>
+          <a:xfrm>
+            <a:off x="10765572" y="5782227"/>
+            <a:ext cx="1092095" cy="253916"/>
+          </a:xfrm>
+          <a:prstGeom prst="rect">
+            <a:avLst/>
+          </a:prstGeom>
+          <a:noFill/>
+        </p:spPr>
+        <p:txBody>
+          <a:bodyPr wrap="square" rtlCol="0">
+            <a:spAutoFit/>
+          </a:bodyPr>
+          <a:lstStyle/>
+          <a:p>
+            <a:r>
+              <a:rPr lang="ko-KR" altLang="en-US" sz="1050" dirty="0"/>
+              <a:t>출처</a:t>
+            </a:r>
+            <a:r>
+              <a:rPr lang="en-US" altLang="ko-KR" sz="1050" dirty="0"/>
+              <a:t>) </a:t>
+            </a:r>
+            <a:r>
+              <a:rPr lang="ko-KR" altLang="en-US" sz="1050" dirty="0"/>
+              <a:t>한라일보</a:t>
+            </a:r>
+            <a:endParaRPr lang="en-US" altLang="ko-KR" sz="1050" dirty="0"/>
+          </a:p>
+        </p:txBody>
+      </p:sp>
     </p:spTree>
     <p:extLst>
       <p:ext uri="{BB962C8B-B14F-4D97-AF65-F5344CB8AC3E}">
@@ -8976,7 +9199,7 @@
         </p:nvSpPr>
         <p:spPr>
           <a:xfrm>
-            <a:off x="10752992" y="2611647"/>
+            <a:off x="10752990" y="5727475"/>
             <a:ext cx="1166448" cy="253916"/>
           </a:xfrm>
           <a:prstGeom prst="rect">
